--- a/doc/knet.pptx
+++ b/doc/knet.pptx
@@ -12,9 +12,18 @@
     <p:sldId id="260" r:id="rId6"/>
     <p:sldId id="261" r:id="rId7"/>
     <p:sldId id="262" r:id="rId8"/>
-    <p:sldId id="263" r:id="rId9"/>
-    <p:sldId id="264" r:id="rId10"/>
-    <p:sldId id="265" r:id="rId11"/>
+    <p:sldId id="266" r:id="rId9"/>
+    <p:sldId id="268" r:id="rId10"/>
+    <p:sldId id="267" r:id="rId11"/>
+    <p:sldId id="269" r:id="rId12"/>
+    <p:sldId id="270" r:id="rId13"/>
+    <p:sldId id="263" r:id="rId14"/>
+    <p:sldId id="271" r:id="rId15"/>
+    <p:sldId id="272" r:id="rId16"/>
+    <p:sldId id="273" r:id="rId17"/>
+    <p:sldId id="264" r:id="rId18"/>
+    <p:sldId id="274" r:id="rId19"/>
+    <p:sldId id="265" r:id="rId20"/>
   </p:sldIdLst>
   <p:sldSz cx="12192000" cy="6858000"/>
   <p:notesSz cx="6858000" cy="9144000"/>
@@ -113,6 +122,11 @@
       </a:defRPr>
     </a:lvl9pPr>
   </p:defaultTextStyle>
+  <p:extLst>
+    <p:ext uri="{EFAFB233-063F-42B5-8137-9DF3F51BA10A}">
+      <p15:sldGuideLst xmlns:p15="http://schemas.microsoft.com/office/powerpoint/2012/main"/>
+    </p:ext>
+  </p:extLst>
 </p:presentation>
 </file>
 
@@ -247,7 +261,7 @@
           <a:p>
             <a:fld id="{5D0EEB5A-FAFB-4970-8082-181E922B6EBC}" type="datetimeFigureOut">
               <a:rPr lang="zh-CN" altLang="en-US" smtClean="0"/>
-              <a:t>2015/6/29</a:t>
+              <a:t>2015/6/30</a:t>
             </a:fld>
             <a:endParaRPr lang="zh-CN" altLang="en-US"/>
           </a:p>
@@ -417,7 +431,7 @@
           <a:p>
             <a:fld id="{5D0EEB5A-FAFB-4970-8082-181E922B6EBC}" type="datetimeFigureOut">
               <a:rPr lang="zh-CN" altLang="en-US" smtClean="0"/>
-              <a:t>2015/6/29</a:t>
+              <a:t>2015/6/30</a:t>
             </a:fld>
             <a:endParaRPr lang="zh-CN" altLang="en-US"/>
           </a:p>
@@ -597,7 +611,7 @@
           <a:p>
             <a:fld id="{5D0EEB5A-FAFB-4970-8082-181E922B6EBC}" type="datetimeFigureOut">
               <a:rPr lang="zh-CN" altLang="en-US" smtClean="0"/>
-              <a:t>2015/6/29</a:t>
+              <a:t>2015/6/30</a:t>
             </a:fld>
             <a:endParaRPr lang="zh-CN" altLang="en-US"/>
           </a:p>
@@ -767,7 +781,7 @@
           <a:p>
             <a:fld id="{5D0EEB5A-FAFB-4970-8082-181E922B6EBC}" type="datetimeFigureOut">
               <a:rPr lang="zh-CN" altLang="en-US" smtClean="0"/>
-              <a:t>2015/6/29</a:t>
+              <a:t>2015/6/30</a:t>
             </a:fld>
             <a:endParaRPr lang="zh-CN" altLang="en-US"/>
           </a:p>
@@ -1013,7 +1027,7 @@
           <a:p>
             <a:fld id="{5D0EEB5A-FAFB-4970-8082-181E922B6EBC}" type="datetimeFigureOut">
               <a:rPr lang="zh-CN" altLang="en-US" smtClean="0"/>
-              <a:t>2015/6/29</a:t>
+              <a:t>2015/6/30</a:t>
             </a:fld>
             <a:endParaRPr lang="zh-CN" altLang="en-US"/>
           </a:p>
@@ -1245,7 +1259,7 @@
           <a:p>
             <a:fld id="{5D0EEB5A-FAFB-4970-8082-181E922B6EBC}" type="datetimeFigureOut">
               <a:rPr lang="zh-CN" altLang="en-US" smtClean="0"/>
-              <a:t>2015/6/29</a:t>
+              <a:t>2015/6/30</a:t>
             </a:fld>
             <a:endParaRPr lang="zh-CN" altLang="en-US"/>
           </a:p>
@@ -1612,7 +1626,7 @@
           <a:p>
             <a:fld id="{5D0EEB5A-FAFB-4970-8082-181E922B6EBC}" type="datetimeFigureOut">
               <a:rPr lang="zh-CN" altLang="en-US" smtClean="0"/>
-              <a:t>2015/6/29</a:t>
+              <a:t>2015/6/30</a:t>
             </a:fld>
             <a:endParaRPr lang="zh-CN" altLang="en-US"/>
           </a:p>
@@ -1730,7 +1744,7 @@
           <a:p>
             <a:fld id="{5D0EEB5A-FAFB-4970-8082-181E922B6EBC}" type="datetimeFigureOut">
               <a:rPr lang="zh-CN" altLang="en-US" smtClean="0"/>
-              <a:t>2015/6/29</a:t>
+              <a:t>2015/6/30</a:t>
             </a:fld>
             <a:endParaRPr lang="zh-CN" altLang="en-US"/>
           </a:p>
@@ -1825,7 +1839,7 @@
           <a:p>
             <a:fld id="{5D0EEB5A-FAFB-4970-8082-181E922B6EBC}" type="datetimeFigureOut">
               <a:rPr lang="zh-CN" altLang="en-US" smtClean="0"/>
-              <a:t>2015/6/29</a:t>
+              <a:t>2015/6/30</a:t>
             </a:fld>
             <a:endParaRPr lang="zh-CN" altLang="en-US"/>
           </a:p>
@@ -2102,7 +2116,7 @@
           <a:p>
             <a:fld id="{5D0EEB5A-FAFB-4970-8082-181E922B6EBC}" type="datetimeFigureOut">
               <a:rPr lang="zh-CN" altLang="en-US" smtClean="0"/>
-              <a:t>2015/6/29</a:t>
+              <a:t>2015/6/30</a:t>
             </a:fld>
             <a:endParaRPr lang="zh-CN" altLang="en-US"/>
           </a:p>
@@ -2355,7 +2369,7 @@
           <a:p>
             <a:fld id="{5D0EEB5A-FAFB-4970-8082-181E922B6EBC}" type="datetimeFigureOut">
               <a:rPr lang="zh-CN" altLang="en-US" smtClean="0"/>
-              <a:t>2015/6/29</a:t>
+              <a:t>2015/6/30</a:t>
             </a:fld>
             <a:endParaRPr lang="zh-CN" altLang="en-US"/>
           </a:p>
@@ -2568,7 +2582,7 @@
           <a:p>
             <a:fld id="{5D0EEB5A-FAFB-4970-8082-181E922B6EBC}" type="datetimeFigureOut">
               <a:rPr lang="zh-CN" altLang="en-US" smtClean="0"/>
-              <a:t>2015/6/29</a:t>
+              <a:t>2015/6/30</a:t>
             </a:fld>
             <a:endParaRPr lang="zh-CN" altLang="en-US"/>
           </a:p>
@@ -3092,6 +3106,2591 @@
           <a:p>
             <a:r>
               <a:rPr lang="en-US" altLang="zh-CN" dirty="0" smtClean="0"/>
+              <a:t>Channel event</a:t>
+            </a:r>
+            <a:endParaRPr lang="zh-CN" altLang="en-US" dirty="0"/>
+          </a:p>
+        </p:txBody>
+      </p:sp>
+      <p:sp>
+        <p:nvSpPr>
+          <p:cNvPr id="3" name="内容占位符 2"/>
+          <p:cNvSpPr>
+            <a:spLocks noGrp="1"/>
+          </p:cNvSpPr>
+          <p:nvPr>
+            <p:ph idx="1"/>
+          </p:nvPr>
+        </p:nvSpPr>
+        <p:spPr/>
+        <p:txBody>
+          <a:bodyPr>
+            <a:normAutofit fontScale="70000" lnSpcReduction="20000"/>
+          </a:bodyPr>
+          <a:lstStyle/>
+          <a:p>
+            <a:r>
+              <a:rPr lang="en-US" altLang="zh-CN" dirty="0" err="1" smtClean="0"/>
+              <a:t>channel_cb_event_connect</a:t>
+            </a:r>
+            <a:endParaRPr lang="en-US" altLang="zh-CN" dirty="0" smtClean="0"/>
+          </a:p>
+          <a:p>
+            <a:pPr marL="914400" lvl="1" indent="-457200">
+              <a:buFont typeface="+mj-lt"/>
+              <a:buAutoNum type="alphaLcPeriod"/>
+            </a:pPr>
+            <a:r>
+              <a:rPr lang="en-US" altLang="zh-CN" dirty="0" smtClean="0"/>
+              <a:t>Connect to remote host successfully</a:t>
+            </a:r>
+            <a:endParaRPr lang="en-US" altLang="zh-CN" dirty="0"/>
+          </a:p>
+          <a:p>
+            <a:r>
+              <a:rPr lang="en-US" altLang="zh-CN" dirty="0" err="1" smtClean="0"/>
+              <a:t>channel_cb_event_accept</a:t>
+            </a:r>
+            <a:endParaRPr lang="en-US" altLang="zh-CN" dirty="0" smtClean="0"/>
+          </a:p>
+          <a:p>
+            <a:pPr marL="914400" lvl="1" indent="-457200">
+              <a:buFont typeface="+mj-lt"/>
+              <a:buAutoNum type="alphaLcPeriod"/>
+            </a:pPr>
+            <a:r>
+              <a:rPr lang="en-US" altLang="zh-CN" dirty="0" smtClean="0"/>
+              <a:t>Accept a new client successfully</a:t>
+            </a:r>
+            <a:endParaRPr lang="en-US" altLang="zh-CN" dirty="0"/>
+          </a:p>
+          <a:p>
+            <a:r>
+              <a:rPr lang="en-US" altLang="zh-CN" dirty="0" err="1" smtClean="0"/>
+              <a:t>channel_cb_event_recv</a:t>
+            </a:r>
+            <a:r>
+              <a:rPr lang="en-US" altLang="zh-CN" dirty="0" smtClean="0"/>
+              <a:t> </a:t>
+            </a:r>
+          </a:p>
+          <a:p>
+            <a:pPr marL="971550" lvl="1" indent="-514350">
+              <a:buFont typeface="+mj-lt"/>
+              <a:buAutoNum type="alphaLcPeriod"/>
+            </a:pPr>
+            <a:r>
+              <a:rPr lang="en-US" altLang="zh-CN" dirty="0" smtClean="0"/>
+              <a:t>Received from peer</a:t>
+            </a:r>
+          </a:p>
+          <a:p>
+            <a:r>
+              <a:rPr lang="en-US" altLang="zh-CN" dirty="0" err="1" smtClean="0"/>
+              <a:t>channel_cb_event_send</a:t>
+            </a:r>
+            <a:endParaRPr lang="en-US" altLang="zh-CN" dirty="0" smtClean="0"/>
+          </a:p>
+          <a:p>
+            <a:pPr marL="914400" lvl="1" indent="-457200">
+              <a:buFont typeface="+mj-lt"/>
+              <a:buAutoNum type="alphaLcPeriod"/>
+            </a:pPr>
+            <a:r>
+              <a:rPr lang="en-US" altLang="zh-CN" dirty="0" smtClean="0"/>
+              <a:t>Sent to peer</a:t>
+            </a:r>
+            <a:endParaRPr lang="en-US" altLang="zh-CN" dirty="0"/>
+          </a:p>
+          <a:p>
+            <a:r>
+              <a:rPr lang="en-US" altLang="zh-CN" dirty="0" err="1" smtClean="0"/>
+              <a:t>channel_cb_event_close</a:t>
+            </a:r>
+            <a:endParaRPr lang="en-US" altLang="zh-CN" dirty="0" smtClean="0"/>
+          </a:p>
+          <a:p>
+            <a:pPr marL="914400" lvl="1" indent="-457200">
+              <a:buFont typeface="+mj-lt"/>
+              <a:buAutoNum type="alphaLcPeriod"/>
+            </a:pPr>
+            <a:r>
+              <a:rPr lang="en-US" altLang="zh-CN" dirty="0" smtClean="0"/>
+              <a:t>Channel closed</a:t>
+            </a:r>
+            <a:endParaRPr lang="en-US" altLang="zh-CN" dirty="0"/>
+          </a:p>
+          <a:p>
+            <a:r>
+              <a:rPr lang="en-US" altLang="zh-CN" dirty="0" err="1" smtClean="0"/>
+              <a:t>channel_cb_event_timeout</a:t>
+            </a:r>
+            <a:endParaRPr lang="en-US" altLang="zh-CN" dirty="0" smtClean="0"/>
+          </a:p>
+          <a:p>
+            <a:pPr marL="971550" lvl="1" indent="-514350">
+              <a:buFont typeface="+mj-lt"/>
+              <a:buAutoNum type="alphaLcPeriod"/>
+            </a:pPr>
+            <a:r>
+              <a:rPr lang="en-US" altLang="zh-CN" dirty="0" smtClean="0"/>
+              <a:t>Channel idle timeout</a:t>
+            </a:r>
+            <a:endParaRPr lang="en-US" altLang="zh-CN" dirty="0"/>
+          </a:p>
+          <a:p>
+            <a:r>
+              <a:rPr lang="en-US" altLang="zh-CN" dirty="0" err="1" smtClean="0"/>
+              <a:t>channel_cb_event_connect_timeout</a:t>
+            </a:r>
+            <a:endParaRPr lang="en-US" altLang="zh-CN" dirty="0" smtClean="0"/>
+          </a:p>
+          <a:p>
+            <a:pPr marL="914400" lvl="1" indent="-457200">
+              <a:buFont typeface="+mj-lt"/>
+              <a:buAutoNum type="alphaLcPeriod"/>
+            </a:pPr>
+            <a:r>
+              <a:rPr lang="en-US" altLang="zh-CN" dirty="0" smtClean="0"/>
+              <a:t>Connect to remote host timeout</a:t>
+            </a:r>
+            <a:endParaRPr lang="zh-CN" altLang="en-US" dirty="0"/>
+          </a:p>
+        </p:txBody>
+      </p:sp>
+    </p:spTree>
+    <p:extLst>
+      <p:ext uri="{BB962C8B-B14F-4D97-AF65-F5344CB8AC3E}">
+        <p14:creationId xmlns:p14="http://schemas.microsoft.com/office/powerpoint/2010/main" val="3749473678"/>
+      </p:ext>
+    </p:extLst>
+  </p:cSld>
+  <p:clrMapOvr>
+    <a:masterClrMapping/>
+  </p:clrMapOvr>
+</p:sld>
+</file>
+
+<file path=ppt/slides/slide11.xml><?xml version="1.0" encoding="utf-8"?>
+<p:sld xmlns:a="http://schemas.openxmlformats.org/drawingml/2006/main" xmlns:r="http://schemas.openxmlformats.org/officeDocument/2006/relationships" xmlns:p="http://schemas.openxmlformats.org/presentationml/2006/main">
+  <p:cSld>
+    <p:spTree>
+      <p:nvGrpSpPr>
+        <p:cNvPr id="1" name=""/>
+        <p:cNvGrpSpPr/>
+        <p:nvPr/>
+      </p:nvGrpSpPr>
+      <p:grpSpPr>
+        <a:xfrm>
+          <a:off x="0" y="0"/>
+          <a:ext cx="0" cy="0"/>
+          <a:chOff x="0" y="0"/>
+          <a:chExt cx="0" cy="0"/>
+        </a:xfrm>
+      </p:grpSpPr>
+      <p:sp>
+        <p:nvSpPr>
+          <p:cNvPr id="2" name="标题 1"/>
+          <p:cNvSpPr>
+            <a:spLocks noGrp="1"/>
+          </p:cNvSpPr>
+          <p:nvPr>
+            <p:ph type="title"/>
+          </p:nvPr>
+        </p:nvSpPr>
+        <p:spPr/>
+        <p:txBody>
+          <a:bodyPr/>
+          <a:lstStyle/>
+          <a:p>
+            <a:r>
+              <a:rPr lang="en-US" altLang="zh-CN" dirty="0" smtClean="0"/>
+              <a:t>balancer</a:t>
+            </a:r>
+            <a:endParaRPr lang="zh-CN" altLang="en-US" dirty="0"/>
+          </a:p>
+        </p:txBody>
+      </p:sp>
+      <p:sp>
+        <p:nvSpPr>
+          <p:cNvPr id="3" name="内容占位符 2"/>
+          <p:cNvSpPr>
+            <a:spLocks noGrp="1"/>
+          </p:cNvSpPr>
+          <p:nvPr>
+            <p:ph idx="1"/>
+          </p:nvPr>
+        </p:nvSpPr>
+        <p:spPr/>
+        <p:txBody>
+          <a:bodyPr/>
+          <a:lstStyle/>
+          <a:p>
+            <a:r>
+              <a:rPr lang="en-US" altLang="zh-CN" dirty="0"/>
+              <a:t>The </a:t>
+            </a:r>
+            <a:r>
+              <a:rPr lang="en-US" altLang="zh-CN" dirty="0" smtClean="0"/>
+              <a:t>mediator of loops’ balance</a:t>
+            </a:r>
+          </a:p>
+          <a:p>
+            <a:r>
+              <a:rPr lang="en-US" altLang="zh-CN" dirty="0" smtClean="0"/>
+              <a:t>Dynamic load balancing</a:t>
+            </a:r>
+          </a:p>
+          <a:p>
+            <a:pPr marL="914400" lvl="1" indent="-457200">
+              <a:buFont typeface="+mj-lt"/>
+              <a:buAutoNum type="alphaLcPeriod"/>
+            </a:pPr>
+            <a:r>
+              <a:rPr lang="en-US" altLang="zh-CN" dirty="0" smtClean="0"/>
+              <a:t>Balance according to active channel count</a:t>
+            </a:r>
+          </a:p>
+          <a:p>
+            <a:r>
+              <a:rPr lang="en-US" altLang="zh-CN" dirty="0" smtClean="0"/>
+              <a:t>Balance accepted channels only</a:t>
+            </a:r>
+          </a:p>
+          <a:p>
+            <a:r>
+              <a:rPr lang="en-US" altLang="zh-CN" dirty="0" smtClean="0"/>
+              <a:t>Thread safety</a:t>
+            </a:r>
+          </a:p>
+          <a:p>
+            <a:pPr marL="914400" lvl="1" indent="-457200">
+              <a:buFont typeface="+mj-lt"/>
+              <a:buAutoNum type="alphaLcPeriod"/>
+            </a:pPr>
+            <a:r>
+              <a:rPr lang="en-US" altLang="zh-CN" dirty="0" smtClean="0"/>
+              <a:t>Attach</a:t>
+            </a:r>
+          </a:p>
+          <a:p>
+            <a:pPr marL="914400" lvl="1" indent="-457200">
+              <a:buFont typeface="+mj-lt"/>
+              <a:buAutoNum type="alphaLcPeriod"/>
+            </a:pPr>
+            <a:r>
+              <a:rPr lang="en-US" altLang="zh-CN" dirty="0" smtClean="0"/>
+              <a:t>Detach</a:t>
+            </a:r>
+          </a:p>
+          <a:p>
+            <a:endParaRPr lang="zh-CN" altLang="en-US" dirty="0"/>
+          </a:p>
+        </p:txBody>
+      </p:sp>
+    </p:spTree>
+    <p:extLst>
+      <p:ext uri="{BB962C8B-B14F-4D97-AF65-F5344CB8AC3E}">
+        <p14:creationId xmlns:p14="http://schemas.microsoft.com/office/powerpoint/2010/main" val="242591050"/>
+      </p:ext>
+    </p:extLst>
+  </p:cSld>
+  <p:clrMapOvr>
+    <a:masterClrMapping/>
+  </p:clrMapOvr>
+</p:sld>
+</file>
+
+<file path=ppt/slides/slide12.xml><?xml version="1.0" encoding="utf-8"?>
+<p:sld xmlns:a="http://schemas.openxmlformats.org/drawingml/2006/main" xmlns:r="http://schemas.openxmlformats.org/officeDocument/2006/relationships" xmlns:p="http://schemas.openxmlformats.org/presentationml/2006/main">
+  <p:cSld>
+    <p:spTree>
+      <p:nvGrpSpPr>
+        <p:cNvPr id="1" name=""/>
+        <p:cNvGrpSpPr/>
+        <p:nvPr/>
+      </p:nvGrpSpPr>
+      <p:grpSpPr>
+        <a:xfrm>
+          <a:off x="0" y="0"/>
+          <a:ext cx="0" cy="0"/>
+          <a:chOff x="0" y="0"/>
+          <a:chExt cx="0" cy="0"/>
+        </a:xfrm>
+      </p:grpSpPr>
+      <p:sp>
+        <p:nvSpPr>
+          <p:cNvPr id="2" name="标题 1"/>
+          <p:cNvSpPr>
+            <a:spLocks noGrp="1"/>
+          </p:cNvSpPr>
+          <p:nvPr>
+            <p:ph type="title"/>
+          </p:nvPr>
+        </p:nvSpPr>
+        <p:spPr/>
+        <p:txBody>
+          <a:bodyPr/>
+          <a:lstStyle/>
+          <a:p>
+            <a:r>
+              <a:rPr lang="en-US" altLang="zh-CN" dirty="0" smtClean="0"/>
+              <a:t>Sample - Balancer</a:t>
+            </a:r>
+            <a:endParaRPr lang="zh-CN" altLang="en-US" dirty="0"/>
+          </a:p>
+        </p:txBody>
+      </p:sp>
+      <p:pic>
+        <p:nvPicPr>
+          <p:cNvPr id="5" name="图片 4"/>
+          <p:cNvPicPr>
+            <a:picLocks noChangeAspect="1"/>
+          </p:cNvPicPr>
+          <p:nvPr/>
+        </p:nvPicPr>
+        <p:blipFill>
+          <a:blip r:embed="rId2"/>
+          <a:stretch>
+            <a:fillRect/>
+          </a:stretch>
+        </p:blipFill>
+        <p:spPr>
+          <a:xfrm>
+            <a:off x="838200" y="1876668"/>
+            <a:ext cx="9634415" cy="4274039"/>
+          </a:xfrm>
+          <a:prstGeom prst="rect">
+            <a:avLst/>
+          </a:prstGeom>
+        </p:spPr>
+      </p:pic>
+    </p:spTree>
+    <p:extLst>
+      <p:ext uri="{BB962C8B-B14F-4D97-AF65-F5344CB8AC3E}">
+        <p14:creationId xmlns:p14="http://schemas.microsoft.com/office/powerpoint/2010/main" val="3553078888"/>
+      </p:ext>
+    </p:extLst>
+  </p:cSld>
+  <p:clrMapOvr>
+    <a:masterClrMapping/>
+  </p:clrMapOvr>
+</p:sld>
+</file>
+
+<file path=ppt/slides/slide13.xml><?xml version="1.0" encoding="utf-8"?>
+<p:sld xmlns:a="http://schemas.openxmlformats.org/drawingml/2006/main" xmlns:r="http://schemas.openxmlformats.org/officeDocument/2006/relationships" xmlns:p="http://schemas.openxmlformats.org/presentationml/2006/main">
+  <p:cSld>
+    <p:spTree>
+      <p:nvGrpSpPr>
+        <p:cNvPr id="1" name=""/>
+        <p:cNvGrpSpPr/>
+        <p:nvPr/>
+      </p:nvGrpSpPr>
+      <p:grpSpPr>
+        <a:xfrm>
+          <a:off x="0" y="0"/>
+          <a:ext cx="0" cy="0"/>
+          <a:chOff x="0" y="0"/>
+          <a:chExt cx="0" cy="0"/>
+        </a:xfrm>
+      </p:grpSpPr>
+      <p:sp>
+        <p:nvSpPr>
+          <p:cNvPr id="2" name="标题 1"/>
+          <p:cNvSpPr>
+            <a:spLocks noGrp="1"/>
+          </p:cNvSpPr>
+          <p:nvPr>
+            <p:ph type="title"/>
+          </p:nvPr>
+        </p:nvSpPr>
+        <p:spPr/>
+        <p:txBody>
+          <a:bodyPr/>
+          <a:lstStyle/>
+          <a:p>
+            <a:r>
+              <a:rPr lang="en-US" altLang="zh-CN" dirty="0" smtClean="0"/>
+              <a:t>RPC framework</a:t>
+            </a:r>
+            <a:endParaRPr lang="zh-CN" altLang="en-US" dirty="0"/>
+          </a:p>
+        </p:txBody>
+      </p:sp>
+      <p:sp>
+        <p:nvSpPr>
+          <p:cNvPr id="3" name="内容占位符 2"/>
+          <p:cNvSpPr>
+            <a:spLocks noGrp="1"/>
+          </p:cNvSpPr>
+          <p:nvPr>
+            <p:ph idx="1"/>
+          </p:nvPr>
+        </p:nvSpPr>
+        <p:spPr/>
+        <p:txBody>
+          <a:bodyPr/>
+          <a:lstStyle/>
+          <a:p>
+            <a:r>
+              <a:rPr lang="en-US" altLang="zh-CN" dirty="0" smtClean="0"/>
+              <a:t>Light weight</a:t>
+            </a:r>
+          </a:p>
+          <a:p>
+            <a:r>
+              <a:rPr lang="en-US" altLang="zh-CN" dirty="0" smtClean="0"/>
+              <a:t>Proxy &amp; stub</a:t>
+            </a:r>
+          </a:p>
+          <a:p>
+            <a:r>
+              <a:rPr lang="en-US" altLang="zh-CN" dirty="0" smtClean="0"/>
+              <a:t>Non-blocking &amp; n</a:t>
+            </a:r>
+            <a:r>
+              <a:rPr lang="en-US" altLang="zh-CN" dirty="0" smtClean="0"/>
+              <a:t>o return RPC method</a:t>
+            </a:r>
+            <a:endParaRPr lang="en-US" altLang="zh-CN" dirty="0" smtClean="0"/>
+          </a:p>
+          <a:p>
+            <a:r>
+              <a:rPr lang="en-US" altLang="zh-CN" dirty="0" smtClean="0"/>
+              <a:t>Simple object type system</a:t>
+            </a:r>
+          </a:p>
+          <a:p>
+            <a:pPr lvl="1"/>
+            <a:r>
+              <a:rPr lang="en-US" altLang="zh-CN" dirty="0" smtClean="0"/>
+              <a:t>Number</a:t>
+            </a:r>
+          </a:p>
+          <a:p>
+            <a:pPr lvl="1"/>
+            <a:r>
+              <a:rPr lang="en-US" altLang="zh-CN" dirty="0" smtClean="0"/>
+              <a:t>String</a:t>
+            </a:r>
+          </a:p>
+          <a:p>
+            <a:pPr lvl="1"/>
+            <a:r>
+              <a:rPr lang="en-US" altLang="zh-CN" dirty="0" smtClean="0"/>
+              <a:t>Array</a:t>
+            </a:r>
+            <a:endParaRPr lang="en-US" altLang="zh-CN" dirty="0" smtClean="0"/>
+          </a:p>
+          <a:p>
+            <a:r>
+              <a:rPr lang="en-US" altLang="zh-CN" dirty="0" smtClean="0"/>
+              <a:t>Not easy to use</a:t>
+            </a:r>
+          </a:p>
+        </p:txBody>
+      </p:sp>
+    </p:spTree>
+    <p:extLst>
+      <p:ext uri="{BB962C8B-B14F-4D97-AF65-F5344CB8AC3E}">
+        <p14:creationId xmlns:p14="http://schemas.microsoft.com/office/powerpoint/2010/main" val="2769061827"/>
+      </p:ext>
+    </p:extLst>
+  </p:cSld>
+  <p:clrMapOvr>
+    <a:masterClrMapping/>
+  </p:clrMapOvr>
+  <p:timing>
+    <p:tnLst>
+      <p:par>
+        <p:cTn id="1" dur="indefinite" restart="never" nodeType="tmRoot"/>
+      </p:par>
+    </p:tnLst>
+  </p:timing>
+</p:sld>
+</file>
+
+<file path=ppt/slides/slide14.xml><?xml version="1.0" encoding="utf-8"?>
+<p:sld xmlns:a="http://schemas.openxmlformats.org/drawingml/2006/main" xmlns:r="http://schemas.openxmlformats.org/officeDocument/2006/relationships" xmlns:p="http://schemas.openxmlformats.org/presentationml/2006/main">
+  <p:cSld>
+    <p:spTree>
+      <p:nvGrpSpPr>
+        <p:cNvPr id="1" name=""/>
+        <p:cNvGrpSpPr/>
+        <p:nvPr/>
+      </p:nvGrpSpPr>
+      <p:grpSpPr>
+        <a:xfrm>
+          <a:off x="0" y="0"/>
+          <a:ext cx="0" cy="0"/>
+          <a:chOff x="0" y="0"/>
+          <a:chExt cx="0" cy="0"/>
+        </a:xfrm>
+      </p:grpSpPr>
+      <p:sp>
+        <p:nvSpPr>
+          <p:cNvPr id="2" name="标题 1"/>
+          <p:cNvSpPr>
+            <a:spLocks noGrp="1"/>
+          </p:cNvSpPr>
+          <p:nvPr>
+            <p:ph type="title"/>
+          </p:nvPr>
+        </p:nvSpPr>
+        <p:spPr/>
+        <p:txBody>
+          <a:bodyPr/>
+          <a:lstStyle/>
+          <a:p>
+            <a:r>
+              <a:rPr lang="en-US" altLang="zh-CN" dirty="0" smtClean="0"/>
+              <a:t>RPC - Type</a:t>
+            </a:r>
+            <a:endParaRPr lang="zh-CN" altLang="en-US" dirty="0"/>
+          </a:p>
+        </p:txBody>
+      </p:sp>
+      <p:graphicFrame>
+        <p:nvGraphicFramePr>
+          <p:cNvPr id="5" name="内容占位符 4"/>
+          <p:cNvGraphicFramePr>
+            <a:graphicFrameLocks noGrp="1"/>
+          </p:cNvGraphicFramePr>
+          <p:nvPr>
+            <p:ph idx="1"/>
+            <p:extLst>
+              <p:ext uri="{D42A27DB-BD31-4B8C-83A1-F6EECF244321}">
+                <p14:modId xmlns:p14="http://schemas.microsoft.com/office/powerpoint/2010/main" val="2632064570"/>
+              </p:ext>
+            </p:extLst>
+          </p:nvPr>
+        </p:nvGraphicFramePr>
+        <p:xfrm>
+          <a:off x="838200" y="1825625"/>
+          <a:ext cx="7211646" cy="4450080"/>
+        </p:xfrm>
+        <a:graphic>
+          <a:graphicData uri="http://schemas.openxmlformats.org/drawingml/2006/table">
+            <a:tbl>
+              <a:tblPr firstRow="1" bandRow="1">
+                <a:tableStyleId>{5C22544A-7EE6-4342-B048-85BDC9FD1C3A}</a:tableStyleId>
+              </a:tblPr>
+              <a:tblGrid>
+                <a:gridCol w="2403882"/>
+                <a:gridCol w="2403882"/>
+                <a:gridCol w="2403882"/>
+              </a:tblGrid>
+              <a:tr h="370840">
+                <a:tc>
+                  <a:txBody>
+                    <a:bodyPr/>
+                    <a:lstStyle/>
+                    <a:p>
+                      <a:pPr algn="ctr"/>
+                      <a:r>
+                        <a:rPr lang="en-US" altLang="zh-CN" dirty="0" smtClean="0"/>
+                        <a:t>Type</a:t>
+                      </a:r>
+                      <a:endParaRPr lang="zh-CN" altLang="en-US" dirty="0"/>
+                    </a:p>
+                  </a:txBody>
+                  <a:tcPr/>
+                </a:tc>
+                <a:tc>
+                  <a:txBody>
+                    <a:bodyPr/>
+                    <a:lstStyle/>
+                    <a:p>
+                      <a:pPr algn="ctr"/>
+                      <a:r>
+                        <a:rPr lang="en-US" altLang="zh-CN" dirty="0" smtClean="0"/>
+                        <a:t>Byte</a:t>
+                      </a:r>
+                      <a:endParaRPr lang="zh-CN" altLang="en-US" dirty="0"/>
+                    </a:p>
+                  </a:txBody>
+                  <a:tcPr/>
+                </a:tc>
+                <a:tc>
+                  <a:txBody>
+                    <a:bodyPr/>
+                    <a:lstStyle/>
+                    <a:p>
+                      <a:pPr algn="ctr"/>
+                      <a:r>
+                        <a:rPr lang="en-US" altLang="zh-CN" dirty="0" smtClean="0"/>
+                        <a:t>Description</a:t>
+                      </a:r>
+                      <a:endParaRPr lang="zh-CN" altLang="en-US" dirty="0"/>
+                    </a:p>
+                  </a:txBody>
+                  <a:tcPr/>
+                </a:tc>
+              </a:tr>
+              <a:tr h="370840">
+                <a:tc>
+                  <a:txBody>
+                    <a:bodyPr/>
+                    <a:lstStyle/>
+                    <a:p>
+                      <a:pPr algn="ctr"/>
+                      <a:r>
+                        <a:rPr lang="en-US" altLang="zh-CN" dirty="0" smtClean="0"/>
+                        <a:t>i8</a:t>
+                      </a:r>
+                      <a:endParaRPr lang="zh-CN" altLang="en-US" dirty="0"/>
+                    </a:p>
+                  </a:txBody>
+                  <a:tcPr/>
+                </a:tc>
+                <a:tc>
+                  <a:txBody>
+                    <a:bodyPr/>
+                    <a:lstStyle/>
+                    <a:p>
+                      <a:pPr algn="ctr"/>
+                      <a:r>
+                        <a:rPr lang="en-US" altLang="zh-CN" dirty="0" smtClean="0"/>
+                        <a:t>1</a:t>
+                      </a:r>
+                      <a:endParaRPr lang="zh-CN" altLang="en-US" dirty="0"/>
+                    </a:p>
+                  </a:txBody>
+                  <a:tcPr/>
+                </a:tc>
+                <a:tc>
+                  <a:txBody>
+                    <a:bodyPr/>
+                    <a:lstStyle/>
+                    <a:p>
+                      <a:pPr algn="ctr"/>
+                      <a:r>
+                        <a:rPr lang="en-US" altLang="zh-CN" dirty="0" smtClean="0"/>
+                        <a:t>1</a:t>
+                      </a:r>
+                      <a:r>
+                        <a:rPr lang="en-US" altLang="zh-CN" baseline="0" dirty="0" smtClean="0"/>
+                        <a:t> byte signed integer</a:t>
+                      </a:r>
+                      <a:endParaRPr lang="zh-CN" altLang="en-US" dirty="0"/>
+                    </a:p>
+                  </a:txBody>
+                  <a:tcPr/>
+                </a:tc>
+              </a:tr>
+              <a:tr h="370840">
+                <a:tc>
+                  <a:txBody>
+                    <a:bodyPr/>
+                    <a:lstStyle/>
+                    <a:p>
+                      <a:pPr algn="ctr"/>
+                      <a:r>
+                        <a:rPr lang="en-US" altLang="zh-CN" dirty="0" smtClean="0"/>
+                        <a:t>i16</a:t>
+                      </a:r>
+                      <a:endParaRPr lang="zh-CN" altLang="en-US" dirty="0"/>
+                    </a:p>
+                  </a:txBody>
+                  <a:tcPr/>
+                </a:tc>
+                <a:tc>
+                  <a:txBody>
+                    <a:bodyPr/>
+                    <a:lstStyle/>
+                    <a:p>
+                      <a:pPr algn="ctr"/>
+                      <a:r>
+                        <a:rPr lang="en-US" altLang="zh-CN" dirty="0" smtClean="0"/>
+                        <a:t>2</a:t>
+                      </a:r>
+                      <a:endParaRPr lang="zh-CN" altLang="en-US" dirty="0"/>
+                    </a:p>
+                  </a:txBody>
+                  <a:tcPr/>
+                </a:tc>
+                <a:tc>
+                  <a:txBody>
+                    <a:bodyPr/>
+                    <a:lstStyle/>
+                    <a:p>
+                      <a:pPr marL="0" marR="0" indent="0" algn="ctr" defTabSz="914400" rtl="0" eaLnBrk="1" fontAlgn="auto" latinLnBrk="0" hangingPunct="1">
+                        <a:lnSpc>
+                          <a:spcPct val="100000"/>
+                        </a:lnSpc>
+                        <a:spcBef>
+                          <a:spcPts val="0"/>
+                        </a:spcBef>
+                        <a:spcAft>
+                          <a:spcPts val="0"/>
+                        </a:spcAft>
+                        <a:buClrTx/>
+                        <a:buSzTx/>
+                        <a:buFontTx/>
+                        <a:buNone/>
+                        <a:tabLst/>
+                        <a:defRPr/>
+                      </a:pPr>
+                      <a:r>
+                        <a:rPr lang="en-US" altLang="zh-CN" baseline="0" dirty="0" smtClean="0"/>
+                        <a:t>2 bytes signed integer</a:t>
+                      </a:r>
+                      <a:endParaRPr lang="zh-CN" altLang="en-US" dirty="0"/>
+                    </a:p>
+                  </a:txBody>
+                  <a:tcPr/>
+                </a:tc>
+              </a:tr>
+              <a:tr h="370840">
+                <a:tc>
+                  <a:txBody>
+                    <a:bodyPr/>
+                    <a:lstStyle/>
+                    <a:p>
+                      <a:pPr algn="ctr"/>
+                      <a:r>
+                        <a:rPr lang="en-US" altLang="zh-CN" dirty="0" smtClean="0"/>
+                        <a:t>i32</a:t>
+                      </a:r>
+                      <a:endParaRPr lang="zh-CN" altLang="en-US" dirty="0"/>
+                    </a:p>
+                  </a:txBody>
+                  <a:tcPr/>
+                </a:tc>
+                <a:tc>
+                  <a:txBody>
+                    <a:bodyPr/>
+                    <a:lstStyle/>
+                    <a:p>
+                      <a:pPr algn="ctr"/>
+                      <a:r>
+                        <a:rPr lang="en-US" altLang="zh-CN" dirty="0" smtClean="0"/>
+                        <a:t>4</a:t>
+                      </a:r>
+                      <a:endParaRPr lang="zh-CN" altLang="en-US" dirty="0"/>
+                    </a:p>
+                  </a:txBody>
+                  <a:tcPr/>
+                </a:tc>
+                <a:tc>
+                  <a:txBody>
+                    <a:bodyPr/>
+                    <a:lstStyle/>
+                    <a:p>
+                      <a:pPr marL="0" marR="0" indent="0" algn="ctr" defTabSz="914400" rtl="0" eaLnBrk="1" fontAlgn="auto" latinLnBrk="0" hangingPunct="1">
+                        <a:lnSpc>
+                          <a:spcPct val="100000"/>
+                        </a:lnSpc>
+                        <a:spcBef>
+                          <a:spcPts val="0"/>
+                        </a:spcBef>
+                        <a:spcAft>
+                          <a:spcPts val="0"/>
+                        </a:spcAft>
+                        <a:buClrTx/>
+                        <a:buSzTx/>
+                        <a:buFontTx/>
+                        <a:buNone/>
+                        <a:tabLst/>
+                        <a:defRPr/>
+                      </a:pPr>
+                      <a:r>
+                        <a:rPr lang="en-US" altLang="zh-CN" baseline="0" dirty="0" smtClean="0"/>
+                        <a:t>4 bytes signed integer</a:t>
+                      </a:r>
+                      <a:endParaRPr lang="zh-CN" altLang="en-US" dirty="0" smtClean="0"/>
+                    </a:p>
+                  </a:txBody>
+                  <a:tcPr/>
+                </a:tc>
+              </a:tr>
+              <a:tr h="370840">
+                <a:tc>
+                  <a:txBody>
+                    <a:bodyPr/>
+                    <a:lstStyle/>
+                    <a:p>
+                      <a:pPr algn="ctr"/>
+                      <a:r>
+                        <a:rPr lang="en-US" altLang="zh-CN" dirty="0" smtClean="0"/>
+                        <a:t>i64</a:t>
+                      </a:r>
+                      <a:endParaRPr lang="zh-CN" altLang="en-US" dirty="0"/>
+                    </a:p>
+                  </a:txBody>
+                  <a:tcPr/>
+                </a:tc>
+                <a:tc>
+                  <a:txBody>
+                    <a:bodyPr/>
+                    <a:lstStyle/>
+                    <a:p>
+                      <a:pPr algn="ctr"/>
+                      <a:r>
+                        <a:rPr lang="en-US" altLang="zh-CN" dirty="0" smtClean="0"/>
+                        <a:t>8</a:t>
+                      </a:r>
+                      <a:endParaRPr lang="zh-CN" altLang="en-US" dirty="0"/>
+                    </a:p>
+                  </a:txBody>
+                  <a:tcPr/>
+                </a:tc>
+                <a:tc>
+                  <a:txBody>
+                    <a:bodyPr/>
+                    <a:lstStyle/>
+                    <a:p>
+                      <a:pPr marL="0" marR="0" indent="0" algn="ctr" defTabSz="914400" rtl="0" eaLnBrk="1" fontAlgn="auto" latinLnBrk="0" hangingPunct="1">
+                        <a:lnSpc>
+                          <a:spcPct val="100000"/>
+                        </a:lnSpc>
+                        <a:spcBef>
+                          <a:spcPts val="0"/>
+                        </a:spcBef>
+                        <a:spcAft>
+                          <a:spcPts val="0"/>
+                        </a:spcAft>
+                        <a:buClrTx/>
+                        <a:buSzTx/>
+                        <a:buFontTx/>
+                        <a:buNone/>
+                        <a:tabLst/>
+                        <a:defRPr/>
+                      </a:pPr>
+                      <a:r>
+                        <a:rPr lang="en-US" altLang="zh-CN" baseline="0" dirty="0" smtClean="0"/>
+                        <a:t>8 bytes signed integer</a:t>
+                      </a:r>
+                      <a:endParaRPr lang="zh-CN" altLang="en-US" dirty="0" smtClean="0"/>
+                    </a:p>
+                  </a:txBody>
+                  <a:tcPr/>
+                </a:tc>
+              </a:tr>
+              <a:tr h="370840">
+                <a:tc>
+                  <a:txBody>
+                    <a:bodyPr/>
+                    <a:lstStyle/>
+                    <a:p>
+                      <a:pPr algn="ctr"/>
+                      <a:r>
+                        <a:rPr lang="en-US" altLang="zh-CN" dirty="0" smtClean="0"/>
+                        <a:t>ui8</a:t>
+                      </a:r>
+                      <a:endParaRPr lang="zh-CN" altLang="en-US" dirty="0"/>
+                    </a:p>
+                  </a:txBody>
+                  <a:tcPr/>
+                </a:tc>
+                <a:tc>
+                  <a:txBody>
+                    <a:bodyPr/>
+                    <a:lstStyle/>
+                    <a:p>
+                      <a:pPr algn="ctr"/>
+                      <a:r>
+                        <a:rPr lang="en-US" altLang="zh-CN" dirty="0" smtClean="0"/>
+                        <a:t>1</a:t>
+                      </a:r>
+                      <a:endParaRPr lang="zh-CN" altLang="en-US" dirty="0"/>
+                    </a:p>
+                  </a:txBody>
+                  <a:tcPr/>
+                </a:tc>
+                <a:tc>
+                  <a:txBody>
+                    <a:bodyPr/>
+                    <a:lstStyle/>
+                    <a:p>
+                      <a:pPr marL="0" marR="0" indent="0" algn="ctr" defTabSz="914400" rtl="0" eaLnBrk="1" fontAlgn="auto" latinLnBrk="0" hangingPunct="1">
+                        <a:lnSpc>
+                          <a:spcPct val="100000"/>
+                        </a:lnSpc>
+                        <a:spcBef>
+                          <a:spcPts val="0"/>
+                        </a:spcBef>
+                        <a:spcAft>
+                          <a:spcPts val="0"/>
+                        </a:spcAft>
+                        <a:buClrTx/>
+                        <a:buSzTx/>
+                        <a:buFontTx/>
+                        <a:buNone/>
+                        <a:tabLst/>
+                        <a:defRPr/>
+                      </a:pPr>
+                      <a:r>
+                        <a:rPr lang="en-US" altLang="zh-CN" baseline="0" dirty="0" smtClean="0"/>
+                        <a:t>1 byte unsigned integer</a:t>
+                      </a:r>
+                      <a:endParaRPr lang="zh-CN" altLang="en-US" dirty="0" smtClean="0"/>
+                    </a:p>
+                  </a:txBody>
+                  <a:tcPr/>
+                </a:tc>
+              </a:tr>
+              <a:tr h="370840">
+                <a:tc>
+                  <a:txBody>
+                    <a:bodyPr/>
+                    <a:lstStyle/>
+                    <a:p>
+                      <a:pPr algn="ctr"/>
+                      <a:r>
+                        <a:rPr lang="en-US" altLang="zh-CN" dirty="0" smtClean="0"/>
+                        <a:t>ui16</a:t>
+                      </a:r>
+                      <a:endParaRPr lang="zh-CN" altLang="en-US" dirty="0"/>
+                    </a:p>
+                  </a:txBody>
+                  <a:tcPr/>
+                </a:tc>
+                <a:tc>
+                  <a:txBody>
+                    <a:bodyPr/>
+                    <a:lstStyle/>
+                    <a:p>
+                      <a:pPr algn="ctr"/>
+                      <a:r>
+                        <a:rPr lang="en-US" altLang="zh-CN" dirty="0" smtClean="0"/>
+                        <a:t>2</a:t>
+                      </a:r>
+                      <a:endParaRPr lang="zh-CN" altLang="en-US" dirty="0"/>
+                    </a:p>
+                  </a:txBody>
+                  <a:tcPr/>
+                </a:tc>
+                <a:tc>
+                  <a:txBody>
+                    <a:bodyPr/>
+                    <a:lstStyle/>
+                    <a:p>
+                      <a:pPr marL="0" marR="0" indent="0" algn="ctr" defTabSz="914400" rtl="0" eaLnBrk="1" fontAlgn="auto" latinLnBrk="0" hangingPunct="1">
+                        <a:lnSpc>
+                          <a:spcPct val="100000"/>
+                        </a:lnSpc>
+                        <a:spcBef>
+                          <a:spcPts val="0"/>
+                        </a:spcBef>
+                        <a:spcAft>
+                          <a:spcPts val="0"/>
+                        </a:spcAft>
+                        <a:buClrTx/>
+                        <a:buSzTx/>
+                        <a:buFontTx/>
+                        <a:buNone/>
+                        <a:tabLst/>
+                        <a:defRPr/>
+                      </a:pPr>
+                      <a:r>
+                        <a:rPr lang="en-US" altLang="zh-CN" baseline="0" dirty="0" smtClean="0"/>
+                        <a:t>2 bytes signed integer</a:t>
+                      </a:r>
+                      <a:endParaRPr lang="zh-CN" altLang="en-US" dirty="0" smtClean="0"/>
+                    </a:p>
+                  </a:txBody>
+                  <a:tcPr/>
+                </a:tc>
+              </a:tr>
+              <a:tr h="370840">
+                <a:tc>
+                  <a:txBody>
+                    <a:bodyPr/>
+                    <a:lstStyle/>
+                    <a:p>
+                      <a:pPr algn="ctr"/>
+                      <a:r>
+                        <a:rPr lang="en-US" altLang="zh-CN" dirty="0" smtClean="0"/>
+                        <a:t>ui32</a:t>
+                      </a:r>
+                      <a:endParaRPr lang="zh-CN" altLang="en-US" dirty="0"/>
+                    </a:p>
+                  </a:txBody>
+                  <a:tcPr/>
+                </a:tc>
+                <a:tc>
+                  <a:txBody>
+                    <a:bodyPr/>
+                    <a:lstStyle/>
+                    <a:p>
+                      <a:pPr algn="ctr"/>
+                      <a:r>
+                        <a:rPr lang="en-US" altLang="zh-CN" dirty="0" smtClean="0"/>
+                        <a:t>4</a:t>
+                      </a:r>
+                      <a:endParaRPr lang="zh-CN" altLang="en-US" dirty="0"/>
+                    </a:p>
+                  </a:txBody>
+                  <a:tcPr/>
+                </a:tc>
+                <a:tc>
+                  <a:txBody>
+                    <a:bodyPr/>
+                    <a:lstStyle/>
+                    <a:p>
+                      <a:pPr marL="0" marR="0" indent="0" algn="ctr" defTabSz="914400" rtl="0" eaLnBrk="1" fontAlgn="auto" latinLnBrk="0" hangingPunct="1">
+                        <a:lnSpc>
+                          <a:spcPct val="100000"/>
+                        </a:lnSpc>
+                        <a:spcBef>
+                          <a:spcPts val="0"/>
+                        </a:spcBef>
+                        <a:spcAft>
+                          <a:spcPts val="0"/>
+                        </a:spcAft>
+                        <a:buClrTx/>
+                        <a:buSzTx/>
+                        <a:buFontTx/>
+                        <a:buNone/>
+                        <a:tabLst/>
+                        <a:defRPr/>
+                      </a:pPr>
+                      <a:r>
+                        <a:rPr lang="en-US" altLang="zh-CN" baseline="0" dirty="0" smtClean="0"/>
+                        <a:t>4 bytes signed integer</a:t>
+                      </a:r>
+                      <a:endParaRPr lang="zh-CN" altLang="en-US" dirty="0" smtClean="0"/>
+                    </a:p>
+                  </a:txBody>
+                  <a:tcPr/>
+                </a:tc>
+              </a:tr>
+              <a:tr h="370840">
+                <a:tc>
+                  <a:txBody>
+                    <a:bodyPr/>
+                    <a:lstStyle/>
+                    <a:p>
+                      <a:pPr algn="ctr"/>
+                      <a:r>
+                        <a:rPr lang="en-US" altLang="zh-CN" dirty="0" smtClean="0"/>
+                        <a:t>ui64</a:t>
+                      </a:r>
+                      <a:endParaRPr lang="zh-CN" altLang="en-US" dirty="0"/>
+                    </a:p>
+                  </a:txBody>
+                  <a:tcPr/>
+                </a:tc>
+                <a:tc>
+                  <a:txBody>
+                    <a:bodyPr/>
+                    <a:lstStyle/>
+                    <a:p>
+                      <a:pPr algn="ctr"/>
+                      <a:r>
+                        <a:rPr lang="en-US" altLang="zh-CN" dirty="0" smtClean="0"/>
+                        <a:t>8</a:t>
+                      </a:r>
+                      <a:endParaRPr lang="zh-CN" altLang="en-US" dirty="0"/>
+                    </a:p>
+                  </a:txBody>
+                  <a:tcPr/>
+                </a:tc>
+                <a:tc>
+                  <a:txBody>
+                    <a:bodyPr/>
+                    <a:lstStyle/>
+                    <a:p>
+                      <a:pPr marL="0" marR="0" indent="0" algn="ctr" defTabSz="914400" rtl="0" eaLnBrk="1" fontAlgn="auto" latinLnBrk="0" hangingPunct="1">
+                        <a:lnSpc>
+                          <a:spcPct val="100000"/>
+                        </a:lnSpc>
+                        <a:spcBef>
+                          <a:spcPts val="0"/>
+                        </a:spcBef>
+                        <a:spcAft>
+                          <a:spcPts val="0"/>
+                        </a:spcAft>
+                        <a:buClrTx/>
+                        <a:buSzTx/>
+                        <a:buFontTx/>
+                        <a:buNone/>
+                        <a:tabLst/>
+                        <a:defRPr/>
+                      </a:pPr>
+                      <a:r>
+                        <a:rPr lang="en-US" altLang="zh-CN" baseline="0" dirty="0" smtClean="0"/>
+                        <a:t>8 bytes signed integer</a:t>
+                      </a:r>
+                      <a:endParaRPr lang="zh-CN" altLang="en-US" dirty="0" smtClean="0"/>
+                    </a:p>
+                  </a:txBody>
+                  <a:tcPr/>
+                </a:tc>
+              </a:tr>
+              <a:tr h="370840">
+                <a:tc>
+                  <a:txBody>
+                    <a:bodyPr/>
+                    <a:lstStyle/>
+                    <a:p>
+                      <a:pPr algn="ctr"/>
+                      <a:r>
+                        <a:rPr lang="en-US" altLang="zh-CN" dirty="0" smtClean="0"/>
+                        <a:t>string</a:t>
+                      </a:r>
+                      <a:endParaRPr lang="zh-CN" altLang="en-US" dirty="0"/>
+                    </a:p>
+                  </a:txBody>
+                  <a:tcPr/>
+                </a:tc>
+                <a:tc>
+                  <a:txBody>
+                    <a:bodyPr/>
+                    <a:lstStyle/>
+                    <a:p>
+                      <a:pPr algn="ctr"/>
+                      <a:r>
+                        <a:rPr lang="en-US" altLang="zh-CN" dirty="0" smtClean="0"/>
+                        <a:t>-</a:t>
+                      </a:r>
+                      <a:endParaRPr lang="zh-CN" altLang="en-US" dirty="0"/>
+                    </a:p>
+                  </a:txBody>
+                  <a:tcPr/>
+                </a:tc>
+                <a:tc>
+                  <a:txBody>
+                    <a:bodyPr/>
+                    <a:lstStyle/>
+                    <a:p>
+                      <a:pPr marL="0" marR="0" indent="0" algn="ctr" defTabSz="914400" rtl="0" eaLnBrk="1" fontAlgn="auto" latinLnBrk="0" hangingPunct="1">
+                        <a:lnSpc>
+                          <a:spcPct val="100000"/>
+                        </a:lnSpc>
+                        <a:spcBef>
+                          <a:spcPts val="0"/>
+                        </a:spcBef>
+                        <a:spcAft>
+                          <a:spcPts val="0"/>
+                        </a:spcAft>
+                        <a:buClrTx/>
+                        <a:buSzTx/>
+                        <a:buFontTx/>
+                        <a:buNone/>
+                        <a:tabLst/>
+                        <a:defRPr/>
+                      </a:pPr>
+                      <a:r>
+                        <a:rPr lang="en-US" altLang="zh-CN" dirty="0" smtClean="0"/>
+                        <a:t>String</a:t>
+                      </a:r>
+                      <a:endParaRPr lang="zh-CN" altLang="en-US" dirty="0" smtClean="0"/>
+                    </a:p>
+                  </a:txBody>
+                  <a:tcPr/>
+                </a:tc>
+              </a:tr>
+              <a:tr h="370840">
+                <a:tc>
+                  <a:txBody>
+                    <a:bodyPr/>
+                    <a:lstStyle/>
+                    <a:p>
+                      <a:pPr algn="ctr"/>
+                      <a:r>
+                        <a:rPr lang="en-US" altLang="zh-CN" dirty="0" smtClean="0"/>
+                        <a:t>object</a:t>
+                      </a:r>
+                      <a:endParaRPr lang="zh-CN" altLang="en-US" dirty="0"/>
+                    </a:p>
+                  </a:txBody>
+                  <a:tcPr/>
+                </a:tc>
+                <a:tc>
+                  <a:txBody>
+                    <a:bodyPr/>
+                    <a:lstStyle/>
+                    <a:p>
+                      <a:pPr algn="ctr"/>
+                      <a:r>
+                        <a:rPr lang="en-US" altLang="zh-CN" dirty="0" smtClean="0"/>
+                        <a:t>-</a:t>
+                      </a:r>
+                      <a:endParaRPr lang="zh-CN" altLang="en-US" dirty="0"/>
+                    </a:p>
+                  </a:txBody>
+                  <a:tcPr/>
+                </a:tc>
+                <a:tc>
+                  <a:txBody>
+                    <a:bodyPr/>
+                    <a:lstStyle/>
+                    <a:p>
+                      <a:pPr marL="0" marR="0" indent="0" algn="ctr" defTabSz="914400" rtl="0" eaLnBrk="1" fontAlgn="auto" latinLnBrk="0" hangingPunct="1">
+                        <a:lnSpc>
+                          <a:spcPct val="100000"/>
+                        </a:lnSpc>
+                        <a:spcBef>
+                          <a:spcPts val="0"/>
+                        </a:spcBef>
+                        <a:spcAft>
+                          <a:spcPts val="0"/>
+                        </a:spcAft>
+                        <a:buClrTx/>
+                        <a:buSzTx/>
+                        <a:buFontTx/>
+                        <a:buNone/>
+                        <a:tabLst/>
+                        <a:defRPr/>
+                      </a:pPr>
+                      <a:r>
+                        <a:rPr lang="en-US" altLang="zh-CN" dirty="0" smtClean="0"/>
+                        <a:t>Structural data</a:t>
+                      </a:r>
+                      <a:endParaRPr lang="zh-CN" altLang="en-US" dirty="0" smtClean="0"/>
+                    </a:p>
+                  </a:txBody>
+                  <a:tcPr/>
+                </a:tc>
+              </a:tr>
+              <a:tr h="370840">
+                <a:tc>
+                  <a:txBody>
+                    <a:bodyPr/>
+                    <a:lstStyle/>
+                    <a:p>
+                      <a:pPr algn="ctr"/>
+                      <a:r>
+                        <a:rPr lang="en-US" altLang="zh-CN" dirty="0" smtClean="0"/>
+                        <a:t>[]</a:t>
+                      </a:r>
+                      <a:endParaRPr lang="zh-CN" altLang="en-US" dirty="0"/>
+                    </a:p>
+                  </a:txBody>
+                  <a:tcPr/>
+                </a:tc>
+                <a:tc>
+                  <a:txBody>
+                    <a:bodyPr/>
+                    <a:lstStyle/>
+                    <a:p>
+                      <a:pPr algn="ctr"/>
+                      <a:r>
+                        <a:rPr lang="en-US" altLang="zh-CN" dirty="0" smtClean="0"/>
+                        <a:t>-</a:t>
+                      </a:r>
+                      <a:endParaRPr lang="zh-CN" altLang="en-US" dirty="0"/>
+                    </a:p>
+                  </a:txBody>
+                  <a:tcPr/>
+                </a:tc>
+                <a:tc>
+                  <a:txBody>
+                    <a:bodyPr/>
+                    <a:lstStyle/>
+                    <a:p>
+                      <a:pPr marL="0" marR="0" indent="0" algn="ctr" defTabSz="914400" rtl="0" eaLnBrk="1" fontAlgn="auto" latinLnBrk="0" hangingPunct="1">
+                        <a:lnSpc>
+                          <a:spcPct val="100000"/>
+                        </a:lnSpc>
+                        <a:spcBef>
+                          <a:spcPts val="0"/>
+                        </a:spcBef>
+                        <a:spcAft>
+                          <a:spcPts val="0"/>
+                        </a:spcAft>
+                        <a:buClrTx/>
+                        <a:buSzTx/>
+                        <a:buFontTx/>
+                        <a:buNone/>
+                        <a:tabLst/>
+                        <a:defRPr/>
+                      </a:pPr>
+                      <a:r>
+                        <a:rPr lang="en-US" altLang="zh-CN" dirty="0" smtClean="0"/>
+                        <a:t>Array</a:t>
+                      </a:r>
+                      <a:endParaRPr lang="zh-CN" altLang="en-US" dirty="0" smtClean="0"/>
+                    </a:p>
+                  </a:txBody>
+                  <a:tcPr/>
+                </a:tc>
+              </a:tr>
+            </a:tbl>
+          </a:graphicData>
+        </a:graphic>
+      </p:graphicFrame>
+    </p:spTree>
+    <p:extLst>
+      <p:ext uri="{BB962C8B-B14F-4D97-AF65-F5344CB8AC3E}">
+        <p14:creationId xmlns:p14="http://schemas.microsoft.com/office/powerpoint/2010/main" val="1622656260"/>
+      </p:ext>
+    </p:extLst>
+  </p:cSld>
+  <p:clrMapOvr>
+    <a:masterClrMapping/>
+  </p:clrMapOvr>
+</p:sld>
+</file>
+
+<file path=ppt/slides/slide15.xml><?xml version="1.0" encoding="utf-8"?>
+<p:sld xmlns:a="http://schemas.openxmlformats.org/drawingml/2006/main" xmlns:r="http://schemas.openxmlformats.org/officeDocument/2006/relationships" xmlns:p="http://schemas.openxmlformats.org/presentationml/2006/main">
+  <p:cSld>
+    <p:spTree>
+      <p:nvGrpSpPr>
+        <p:cNvPr id="1" name=""/>
+        <p:cNvGrpSpPr/>
+        <p:nvPr/>
+      </p:nvGrpSpPr>
+      <p:grpSpPr>
+        <a:xfrm>
+          <a:off x="0" y="0"/>
+          <a:ext cx="0" cy="0"/>
+          <a:chOff x="0" y="0"/>
+          <a:chExt cx="0" cy="0"/>
+        </a:xfrm>
+      </p:grpSpPr>
+      <p:sp>
+        <p:nvSpPr>
+          <p:cNvPr id="2" name="标题 1"/>
+          <p:cNvSpPr>
+            <a:spLocks noGrp="1"/>
+          </p:cNvSpPr>
+          <p:nvPr>
+            <p:ph type="title"/>
+          </p:nvPr>
+        </p:nvSpPr>
+        <p:spPr/>
+        <p:txBody>
+          <a:bodyPr/>
+          <a:lstStyle/>
+          <a:p>
+            <a:r>
+              <a:rPr lang="en-US" altLang="zh-CN" dirty="0" smtClean="0"/>
+              <a:t>RPC - Method</a:t>
+            </a:r>
+            <a:endParaRPr lang="zh-CN" altLang="en-US" dirty="0"/>
+          </a:p>
+        </p:txBody>
+      </p:sp>
+      <p:pic>
+        <p:nvPicPr>
+          <p:cNvPr id="4" name="内容占位符 3"/>
+          <p:cNvPicPr>
+            <a:picLocks noGrp="1" noChangeAspect="1"/>
+          </p:cNvPicPr>
+          <p:nvPr>
+            <p:ph idx="1"/>
+          </p:nvPr>
+        </p:nvPicPr>
+        <p:blipFill>
+          <a:blip r:embed="rId2"/>
+          <a:stretch>
+            <a:fillRect/>
+          </a:stretch>
+        </p:blipFill>
+        <p:spPr>
+          <a:xfrm>
+            <a:off x="838200" y="1635924"/>
+            <a:ext cx="8839200" cy="428625"/>
+          </a:xfrm>
+          <a:prstGeom prst="rect">
+            <a:avLst/>
+          </a:prstGeom>
+        </p:spPr>
+      </p:pic>
+      <p:sp>
+        <p:nvSpPr>
+          <p:cNvPr id="5" name="文本框 4"/>
+          <p:cNvSpPr txBox="1"/>
+          <p:nvPr/>
+        </p:nvSpPr>
+        <p:spPr>
+          <a:xfrm>
+            <a:off x="838200" y="2438404"/>
+            <a:ext cx="1570892" cy="369332"/>
+          </a:xfrm>
+          <a:prstGeom prst="rect">
+            <a:avLst/>
+          </a:prstGeom>
+          <a:noFill/>
+        </p:spPr>
+        <p:txBody>
+          <a:bodyPr wrap="square" rtlCol="0">
+            <a:spAutoFit/>
+          </a:bodyPr>
+          <a:lstStyle/>
+          <a:p>
+            <a:r>
+              <a:rPr lang="en-US" altLang="zh-CN" dirty="0"/>
+              <a:t>m</a:t>
+            </a:r>
+            <a:r>
+              <a:rPr lang="en-US" altLang="zh-CN" dirty="0" smtClean="0"/>
+              <a:t>ethod name</a:t>
+            </a:r>
+            <a:endParaRPr lang="zh-CN" altLang="en-US" dirty="0"/>
+          </a:p>
+        </p:txBody>
+      </p:sp>
+      <p:sp>
+        <p:nvSpPr>
+          <p:cNvPr id="6" name="文本框 5"/>
+          <p:cNvSpPr txBox="1"/>
+          <p:nvPr/>
+        </p:nvSpPr>
+        <p:spPr>
+          <a:xfrm>
+            <a:off x="1894255" y="2898293"/>
+            <a:ext cx="1738922" cy="369332"/>
+          </a:xfrm>
+          <a:prstGeom prst="rect">
+            <a:avLst/>
+          </a:prstGeom>
+          <a:noFill/>
+        </p:spPr>
+        <p:txBody>
+          <a:bodyPr wrap="square" rtlCol="0">
+            <a:spAutoFit/>
+          </a:bodyPr>
+          <a:lstStyle/>
+          <a:p>
+            <a:r>
+              <a:rPr lang="en-US" altLang="zh-CN" dirty="0"/>
+              <a:t>f</a:t>
+            </a:r>
+            <a:r>
+              <a:rPr lang="en-US" altLang="zh-CN" dirty="0" smtClean="0"/>
+              <a:t>irst parameter</a:t>
+            </a:r>
+            <a:endParaRPr lang="zh-CN" altLang="en-US" dirty="0"/>
+          </a:p>
+        </p:txBody>
+      </p:sp>
+      <p:sp>
+        <p:nvSpPr>
+          <p:cNvPr id="7" name="文本框 6"/>
+          <p:cNvSpPr txBox="1"/>
+          <p:nvPr/>
+        </p:nvSpPr>
+        <p:spPr>
+          <a:xfrm>
+            <a:off x="2860429" y="2339766"/>
+            <a:ext cx="1942121" cy="369332"/>
+          </a:xfrm>
+          <a:prstGeom prst="rect">
+            <a:avLst/>
+          </a:prstGeom>
+          <a:noFill/>
+        </p:spPr>
+        <p:txBody>
+          <a:bodyPr wrap="square" rtlCol="0">
+            <a:spAutoFit/>
+          </a:bodyPr>
+          <a:lstStyle/>
+          <a:p>
+            <a:r>
+              <a:rPr lang="en-US" altLang="zh-CN" dirty="0" smtClean="0"/>
+              <a:t>second parameter</a:t>
+            </a:r>
+            <a:endParaRPr lang="zh-CN" altLang="en-US" dirty="0"/>
+          </a:p>
+        </p:txBody>
+      </p:sp>
+      <p:cxnSp>
+        <p:nvCxnSpPr>
+          <p:cNvPr id="9" name="直接箭头连接符 8"/>
+          <p:cNvCxnSpPr>
+            <a:stCxn id="5" idx="0"/>
+          </p:cNvCxnSpPr>
+          <p:nvPr/>
+        </p:nvCxnSpPr>
+        <p:spPr>
+          <a:xfrm flipV="1">
+            <a:off x="1623646" y="2009846"/>
+            <a:ext cx="0" cy="428558"/>
+          </a:xfrm>
+          <a:prstGeom prst="straightConnector1">
+            <a:avLst/>
+          </a:prstGeom>
+          <a:ln>
+            <a:tailEnd type="triangle"/>
+          </a:ln>
+        </p:spPr>
+        <p:style>
+          <a:lnRef idx="1">
+            <a:schemeClr val="accent1"/>
+          </a:lnRef>
+          <a:fillRef idx="0">
+            <a:schemeClr val="accent1"/>
+          </a:fillRef>
+          <a:effectRef idx="0">
+            <a:schemeClr val="accent1"/>
+          </a:effectRef>
+          <a:fontRef idx="minor">
+            <a:schemeClr val="tx1"/>
+          </a:fontRef>
+        </p:style>
+      </p:cxnSp>
+      <p:cxnSp>
+        <p:nvCxnSpPr>
+          <p:cNvPr id="11" name="直接箭头连接符 10"/>
+          <p:cNvCxnSpPr/>
+          <p:nvPr/>
+        </p:nvCxnSpPr>
+        <p:spPr>
+          <a:xfrm flipV="1">
+            <a:off x="2704123" y="2017661"/>
+            <a:ext cx="2932" cy="991262"/>
+          </a:xfrm>
+          <a:prstGeom prst="straightConnector1">
+            <a:avLst/>
+          </a:prstGeom>
+          <a:ln>
+            <a:tailEnd type="triangle"/>
+          </a:ln>
+        </p:spPr>
+        <p:style>
+          <a:lnRef idx="1">
+            <a:schemeClr val="accent1"/>
+          </a:lnRef>
+          <a:fillRef idx="0">
+            <a:schemeClr val="accent1"/>
+          </a:fillRef>
+          <a:effectRef idx="0">
+            <a:schemeClr val="accent1"/>
+          </a:effectRef>
+          <a:fontRef idx="minor">
+            <a:schemeClr val="tx1"/>
+          </a:fontRef>
+        </p:style>
+      </p:cxnSp>
+      <p:cxnSp>
+        <p:nvCxnSpPr>
+          <p:cNvPr id="13" name="直接箭头连接符 12"/>
+          <p:cNvCxnSpPr/>
+          <p:nvPr/>
+        </p:nvCxnSpPr>
+        <p:spPr>
+          <a:xfrm flipV="1">
+            <a:off x="3829538" y="2025475"/>
+            <a:ext cx="7816" cy="428559"/>
+          </a:xfrm>
+          <a:prstGeom prst="straightConnector1">
+            <a:avLst/>
+          </a:prstGeom>
+          <a:ln>
+            <a:tailEnd type="triangle"/>
+          </a:ln>
+        </p:spPr>
+        <p:style>
+          <a:lnRef idx="1">
+            <a:schemeClr val="accent1"/>
+          </a:lnRef>
+          <a:fillRef idx="0">
+            <a:schemeClr val="accent1"/>
+          </a:fillRef>
+          <a:effectRef idx="0">
+            <a:schemeClr val="accent1"/>
+          </a:effectRef>
+          <a:fontRef idx="minor">
+            <a:schemeClr val="tx1"/>
+          </a:fontRef>
+        </p:style>
+      </p:cxnSp>
+      <p:pic>
+        <p:nvPicPr>
+          <p:cNvPr id="25" name="图片 24"/>
+          <p:cNvPicPr>
+            <a:picLocks noChangeAspect="1"/>
+          </p:cNvPicPr>
+          <p:nvPr/>
+        </p:nvPicPr>
+        <p:blipFill>
+          <a:blip r:embed="rId3"/>
+          <a:stretch>
+            <a:fillRect/>
+          </a:stretch>
+        </p:blipFill>
+        <p:spPr>
+          <a:xfrm>
+            <a:off x="866775" y="3267625"/>
+            <a:ext cx="8810625" cy="3295650"/>
+          </a:xfrm>
+          <a:prstGeom prst="rect">
+            <a:avLst/>
+          </a:prstGeom>
+        </p:spPr>
+      </p:pic>
+      <p:sp>
+        <p:nvSpPr>
+          <p:cNvPr id="26" name="文本框 25"/>
+          <p:cNvSpPr txBox="1"/>
+          <p:nvPr/>
+        </p:nvSpPr>
+        <p:spPr>
+          <a:xfrm>
+            <a:off x="3633177" y="5275690"/>
+            <a:ext cx="712696" cy="369332"/>
+          </a:xfrm>
+          <a:prstGeom prst="rect">
+            <a:avLst/>
+          </a:prstGeom>
+          <a:noFill/>
+        </p:spPr>
+        <p:txBody>
+          <a:bodyPr wrap="none" rtlCol="0">
+            <a:spAutoFit/>
+          </a:bodyPr>
+          <a:lstStyle/>
+          <a:p>
+            <a:r>
+              <a:rPr lang="en-US" altLang="zh-CN" dirty="0" smtClean="0"/>
+              <a:t>string</a:t>
+            </a:r>
+            <a:endParaRPr lang="zh-CN" altLang="en-US" dirty="0"/>
+          </a:p>
+        </p:txBody>
+      </p:sp>
+      <p:cxnSp>
+        <p:nvCxnSpPr>
+          <p:cNvPr id="28" name="直接箭头连接符 27"/>
+          <p:cNvCxnSpPr>
+            <a:stCxn id="26" idx="1"/>
+          </p:cNvCxnSpPr>
+          <p:nvPr/>
+        </p:nvCxnSpPr>
+        <p:spPr>
+          <a:xfrm flipH="1">
+            <a:off x="2704123" y="5460356"/>
+            <a:ext cx="929054" cy="0"/>
+          </a:xfrm>
+          <a:prstGeom prst="straightConnector1">
+            <a:avLst/>
+          </a:prstGeom>
+          <a:ln>
+            <a:tailEnd type="triangle"/>
+          </a:ln>
+        </p:spPr>
+        <p:style>
+          <a:lnRef idx="1">
+            <a:schemeClr val="accent1"/>
+          </a:lnRef>
+          <a:fillRef idx="0">
+            <a:schemeClr val="accent1"/>
+          </a:fillRef>
+          <a:effectRef idx="0">
+            <a:schemeClr val="accent1"/>
+          </a:effectRef>
+          <a:fontRef idx="minor">
+            <a:schemeClr val="tx1"/>
+          </a:fontRef>
+        </p:style>
+      </p:cxnSp>
+      <p:sp>
+        <p:nvSpPr>
+          <p:cNvPr id="29" name="文本框 28"/>
+          <p:cNvSpPr txBox="1"/>
+          <p:nvPr/>
+        </p:nvSpPr>
+        <p:spPr>
+          <a:xfrm>
+            <a:off x="3658857" y="5635299"/>
+            <a:ext cx="661335" cy="369332"/>
+          </a:xfrm>
+          <a:prstGeom prst="rect">
+            <a:avLst/>
+          </a:prstGeom>
+          <a:noFill/>
+        </p:spPr>
+        <p:txBody>
+          <a:bodyPr wrap="none" rtlCol="0">
+            <a:spAutoFit/>
+          </a:bodyPr>
+          <a:lstStyle/>
+          <a:p>
+            <a:r>
+              <a:rPr lang="en-US" altLang="zh-CN" dirty="0" smtClean="0"/>
+              <a:t>array</a:t>
+            </a:r>
+            <a:endParaRPr lang="zh-CN" altLang="en-US" dirty="0"/>
+          </a:p>
+        </p:txBody>
+      </p:sp>
+      <p:cxnSp>
+        <p:nvCxnSpPr>
+          <p:cNvPr id="31" name="直接箭头连接符 30"/>
+          <p:cNvCxnSpPr>
+            <a:stCxn id="29" idx="1"/>
+          </p:cNvCxnSpPr>
+          <p:nvPr/>
+        </p:nvCxnSpPr>
+        <p:spPr>
+          <a:xfrm flipH="1">
+            <a:off x="3137388" y="5819965"/>
+            <a:ext cx="521469" cy="0"/>
+          </a:xfrm>
+          <a:prstGeom prst="straightConnector1">
+            <a:avLst/>
+          </a:prstGeom>
+          <a:ln>
+            <a:tailEnd type="triangle"/>
+          </a:ln>
+        </p:spPr>
+        <p:style>
+          <a:lnRef idx="1">
+            <a:schemeClr val="accent1"/>
+          </a:lnRef>
+          <a:fillRef idx="0">
+            <a:schemeClr val="accent1"/>
+          </a:fillRef>
+          <a:effectRef idx="0">
+            <a:schemeClr val="accent1"/>
+          </a:effectRef>
+          <a:fontRef idx="minor">
+            <a:schemeClr val="tx1"/>
+          </a:fontRef>
+        </p:style>
+      </p:cxnSp>
+      <p:sp>
+        <p:nvSpPr>
+          <p:cNvPr id="38" name="文本框 37"/>
+          <p:cNvSpPr txBox="1"/>
+          <p:nvPr/>
+        </p:nvSpPr>
+        <p:spPr>
+          <a:xfrm>
+            <a:off x="3658857" y="3813495"/>
+            <a:ext cx="849784" cy="369332"/>
+          </a:xfrm>
+          <a:prstGeom prst="rect">
+            <a:avLst/>
+          </a:prstGeom>
+          <a:noFill/>
+        </p:spPr>
+        <p:txBody>
+          <a:bodyPr wrap="none" rtlCol="0">
+            <a:spAutoFit/>
+          </a:bodyPr>
+          <a:lstStyle/>
+          <a:p>
+            <a:r>
+              <a:rPr lang="en-US" altLang="zh-CN" dirty="0" smtClean="0"/>
+              <a:t>integer</a:t>
+            </a:r>
+            <a:endParaRPr lang="zh-CN" altLang="en-US" dirty="0"/>
+          </a:p>
+        </p:txBody>
+      </p:sp>
+      <p:cxnSp>
+        <p:nvCxnSpPr>
+          <p:cNvPr id="40" name="直接箭头连接符 39"/>
+          <p:cNvCxnSpPr/>
+          <p:nvPr/>
+        </p:nvCxnSpPr>
+        <p:spPr>
+          <a:xfrm flipH="1">
+            <a:off x="2641600" y="3998161"/>
+            <a:ext cx="991577" cy="0"/>
+          </a:xfrm>
+          <a:prstGeom prst="straightConnector1">
+            <a:avLst/>
+          </a:prstGeom>
+          <a:ln>
+            <a:tailEnd type="triangle"/>
+          </a:ln>
+        </p:spPr>
+        <p:style>
+          <a:lnRef idx="1">
+            <a:schemeClr val="accent1"/>
+          </a:lnRef>
+          <a:fillRef idx="0">
+            <a:schemeClr val="accent1"/>
+          </a:fillRef>
+          <a:effectRef idx="0">
+            <a:schemeClr val="accent1"/>
+          </a:effectRef>
+          <a:fontRef idx="minor">
+            <a:schemeClr val="tx1"/>
+          </a:fontRef>
+        </p:style>
+      </p:cxnSp>
+    </p:spTree>
+    <p:extLst>
+      <p:ext uri="{BB962C8B-B14F-4D97-AF65-F5344CB8AC3E}">
+        <p14:creationId xmlns:p14="http://schemas.microsoft.com/office/powerpoint/2010/main" val="3348104257"/>
+      </p:ext>
+    </p:extLst>
+  </p:cSld>
+  <p:clrMapOvr>
+    <a:masterClrMapping/>
+  </p:clrMapOvr>
+</p:sld>
+</file>
+
+<file path=ppt/slides/slide16.xml><?xml version="1.0" encoding="utf-8"?>
+<p:sld xmlns:a="http://schemas.openxmlformats.org/drawingml/2006/main" xmlns:r="http://schemas.openxmlformats.org/officeDocument/2006/relationships" xmlns:p="http://schemas.openxmlformats.org/presentationml/2006/main">
+  <p:cSld>
+    <p:spTree>
+      <p:nvGrpSpPr>
+        <p:cNvPr id="1" name=""/>
+        <p:cNvGrpSpPr/>
+        <p:nvPr/>
+      </p:nvGrpSpPr>
+      <p:grpSpPr>
+        <a:xfrm>
+          <a:off x="0" y="0"/>
+          <a:ext cx="0" cy="0"/>
+          <a:chOff x="0" y="0"/>
+          <a:chExt cx="0" cy="0"/>
+        </a:xfrm>
+      </p:grpSpPr>
+      <p:sp>
+        <p:nvSpPr>
+          <p:cNvPr id="2" name="标题 1"/>
+          <p:cNvSpPr>
+            <a:spLocks noGrp="1"/>
+          </p:cNvSpPr>
+          <p:nvPr>
+            <p:ph type="title"/>
+          </p:nvPr>
+        </p:nvSpPr>
+        <p:spPr/>
+        <p:txBody>
+          <a:bodyPr/>
+          <a:lstStyle/>
+          <a:p>
+            <a:r>
+              <a:rPr lang="en-US" altLang="zh-CN" dirty="0" smtClean="0"/>
+              <a:t>RPC - Comment</a:t>
+            </a:r>
+            <a:endParaRPr lang="zh-CN" altLang="en-US" dirty="0"/>
+          </a:p>
+        </p:txBody>
+      </p:sp>
+      <p:pic>
+        <p:nvPicPr>
+          <p:cNvPr id="4" name="图片 3"/>
+          <p:cNvPicPr>
+            <a:picLocks noChangeAspect="1"/>
+          </p:cNvPicPr>
+          <p:nvPr/>
+        </p:nvPicPr>
+        <p:blipFill>
+          <a:blip r:embed="rId2"/>
+          <a:stretch>
+            <a:fillRect/>
+          </a:stretch>
+        </p:blipFill>
+        <p:spPr>
+          <a:xfrm>
+            <a:off x="838199" y="1690688"/>
+            <a:ext cx="9618785" cy="4366235"/>
+          </a:xfrm>
+          <a:prstGeom prst="rect">
+            <a:avLst/>
+          </a:prstGeom>
+        </p:spPr>
+      </p:pic>
+      <p:sp>
+        <p:nvSpPr>
+          <p:cNvPr id="5" name="文本框 4"/>
+          <p:cNvSpPr txBox="1"/>
+          <p:nvPr/>
+        </p:nvSpPr>
+        <p:spPr>
+          <a:xfrm>
+            <a:off x="3673231" y="2243016"/>
+            <a:ext cx="2110962" cy="369332"/>
+          </a:xfrm>
+          <a:prstGeom prst="rect">
+            <a:avLst/>
+          </a:prstGeom>
+          <a:noFill/>
+        </p:spPr>
+        <p:txBody>
+          <a:bodyPr wrap="none" rtlCol="0">
+            <a:spAutoFit/>
+          </a:bodyPr>
+          <a:lstStyle/>
+          <a:p>
+            <a:r>
+              <a:rPr lang="en-US" altLang="zh-CN" dirty="0" smtClean="0"/>
+              <a:t>Comment of .</a:t>
+            </a:r>
+            <a:r>
+              <a:rPr lang="en-US" altLang="zh-CN" dirty="0" err="1" smtClean="0"/>
+              <a:t>rpc</a:t>
+            </a:r>
+            <a:r>
+              <a:rPr lang="en-US" altLang="zh-CN" dirty="0" smtClean="0"/>
+              <a:t> file</a:t>
+            </a:r>
+            <a:endParaRPr lang="zh-CN" altLang="en-US" dirty="0"/>
+          </a:p>
+        </p:txBody>
+      </p:sp>
+      <p:cxnSp>
+        <p:nvCxnSpPr>
+          <p:cNvPr id="7" name="直接箭头连接符 6"/>
+          <p:cNvCxnSpPr/>
+          <p:nvPr/>
+        </p:nvCxnSpPr>
+        <p:spPr>
+          <a:xfrm flipH="1">
+            <a:off x="3055815" y="2427682"/>
+            <a:ext cx="617416" cy="0"/>
+          </a:xfrm>
+          <a:prstGeom prst="straightConnector1">
+            <a:avLst/>
+          </a:prstGeom>
+          <a:ln>
+            <a:tailEnd type="triangle"/>
+          </a:ln>
+        </p:spPr>
+        <p:style>
+          <a:lnRef idx="1">
+            <a:schemeClr val="accent1"/>
+          </a:lnRef>
+          <a:fillRef idx="0">
+            <a:schemeClr val="accent1"/>
+          </a:fillRef>
+          <a:effectRef idx="0">
+            <a:schemeClr val="accent1"/>
+          </a:effectRef>
+          <a:fontRef idx="minor">
+            <a:schemeClr val="tx1"/>
+          </a:fontRef>
+        </p:style>
+      </p:cxnSp>
+      <p:sp>
+        <p:nvSpPr>
+          <p:cNvPr id="8" name="文本框 7"/>
+          <p:cNvSpPr txBox="1"/>
+          <p:nvPr/>
+        </p:nvSpPr>
+        <p:spPr>
+          <a:xfrm>
+            <a:off x="3833446" y="3630246"/>
+            <a:ext cx="2870979" cy="369332"/>
+          </a:xfrm>
+          <a:prstGeom prst="rect">
+            <a:avLst/>
+          </a:prstGeom>
+          <a:noFill/>
+        </p:spPr>
+        <p:txBody>
+          <a:bodyPr wrap="none" rtlCol="0">
+            <a:spAutoFit/>
+          </a:bodyPr>
+          <a:lstStyle/>
+          <a:p>
+            <a:r>
+              <a:rPr lang="en-US" altLang="zh-CN" dirty="0" smtClean="0"/>
+              <a:t>Comment of target language</a:t>
+            </a:r>
+            <a:endParaRPr lang="zh-CN" altLang="en-US" dirty="0"/>
+          </a:p>
+        </p:txBody>
+      </p:sp>
+      <p:cxnSp>
+        <p:nvCxnSpPr>
+          <p:cNvPr id="10" name="直接箭头连接符 9"/>
+          <p:cNvCxnSpPr>
+            <a:stCxn id="8" idx="0"/>
+          </p:cNvCxnSpPr>
+          <p:nvPr/>
+        </p:nvCxnSpPr>
+        <p:spPr>
+          <a:xfrm flipH="1" flipV="1">
+            <a:off x="3833447" y="3274646"/>
+            <a:ext cx="1435489" cy="355600"/>
+          </a:xfrm>
+          <a:prstGeom prst="straightConnector1">
+            <a:avLst/>
+          </a:prstGeom>
+          <a:ln>
+            <a:tailEnd type="triangle"/>
+          </a:ln>
+        </p:spPr>
+        <p:style>
+          <a:lnRef idx="1">
+            <a:schemeClr val="accent1"/>
+          </a:lnRef>
+          <a:fillRef idx="0">
+            <a:schemeClr val="accent1"/>
+          </a:fillRef>
+          <a:effectRef idx="0">
+            <a:schemeClr val="accent1"/>
+          </a:effectRef>
+          <a:fontRef idx="minor">
+            <a:schemeClr val="tx1"/>
+          </a:fontRef>
+        </p:style>
+      </p:cxnSp>
+    </p:spTree>
+    <p:extLst>
+      <p:ext uri="{BB962C8B-B14F-4D97-AF65-F5344CB8AC3E}">
+        <p14:creationId xmlns:p14="http://schemas.microsoft.com/office/powerpoint/2010/main" val="2935561267"/>
+      </p:ext>
+    </p:extLst>
+  </p:cSld>
+  <p:clrMapOvr>
+    <a:masterClrMapping/>
+  </p:clrMapOvr>
+</p:sld>
+</file>
+
+<file path=ppt/slides/slide17.xml><?xml version="1.0" encoding="utf-8"?>
+<p:sld xmlns:a="http://schemas.openxmlformats.org/drawingml/2006/main" xmlns:r="http://schemas.openxmlformats.org/officeDocument/2006/relationships" xmlns:p="http://schemas.openxmlformats.org/presentationml/2006/main">
+  <p:cSld>
+    <p:spTree>
+      <p:nvGrpSpPr>
+        <p:cNvPr id="1" name=""/>
+        <p:cNvGrpSpPr/>
+        <p:nvPr/>
+      </p:nvGrpSpPr>
+      <p:grpSpPr>
+        <a:xfrm>
+          <a:off x="0" y="0"/>
+          <a:ext cx="0" cy="0"/>
+          <a:chOff x="0" y="0"/>
+          <a:chExt cx="0" cy="0"/>
+        </a:xfrm>
+      </p:grpSpPr>
+      <p:sp>
+        <p:nvSpPr>
+          <p:cNvPr id="2" name="标题 1"/>
+          <p:cNvSpPr>
+            <a:spLocks noGrp="1"/>
+          </p:cNvSpPr>
+          <p:nvPr>
+            <p:ph type="title"/>
+          </p:nvPr>
+        </p:nvSpPr>
+        <p:spPr/>
+        <p:txBody>
+          <a:bodyPr/>
+          <a:lstStyle/>
+          <a:p>
+            <a:r>
+              <a:rPr lang="en-US" altLang="zh-CN" dirty="0" smtClean="0"/>
+              <a:t>RPC code generating</a:t>
+            </a:r>
+            <a:endParaRPr lang="zh-CN" altLang="en-US" dirty="0"/>
+          </a:p>
+        </p:txBody>
+      </p:sp>
+      <p:sp>
+        <p:nvSpPr>
+          <p:cNvPr id="3" name="内容占位符 2"/>
+          <p:cNvSpPr>
+            <a:spLocks noGrp="1"/>
+          </p:cNvSpPr>
+          <p:nvPr>
+            <p:ph idx="1"/>
+          </p:nvPr>
+        </p:nvSpPr>
+        <p:spPr/>
+        <p:txBody>
+          <a:bodyPr/>
+          <a:lstStyle/>
+          <a:p>
+            <a:r>
+              <a:rPr lang="en-US" altLang="zh-CN" dirty="0" err="1"/>
+              <a:t>k</a:t>
+            </a:r>
+            <a:r>
+              <a:rPr lang="en-US" altLang="zh-CN" dirty="0" err="1" smtClean="0"/>
+              <a:t>rpc</a:t>
+            </a:r>
+            <a:endParaRPr lang="en-US" altLang="zh-CN" dirty="0"/>
+          </a:p>
+          <a:p>
+            <a:pPr marL="914400" lvl="1" indent="-457200">
+              <a:buFont typeface="+mj-lt"/>
+              <a:buAutoNum type="alphaLcPeriod"/>
+            </a:pPr>
+            <a:r>
+              <a:rPr lang="en-US" altLang="zh-CN" sz="1600" dirty="0" err="1"/>
+              <a:t>krpc</a:t>
+            </a:r>
+            <a:r>
+              <a:rPr lang="en-US" altLang="zh-CN" sz="1600" dirty="0"/>
+              <a:t> -d output-directory -f </a:t>
+            </a:r>
+            <a:r>
+              <a:rPr lang="en-US" altLang="zh-CN" sz="1600" dirty="0" err="1"/>
+              <a:t>input_rpc_file</a:t>
+            </a:r>
+            <a:r>
+              <a:rPr lang="en-US" altLang="zh-CN" sz="1600" dirty="0"/>
+              <a:t> -n </a:t>
+            </a:r>
+            <a:r>
+              <a:rPr lang="en-US" altLang="zh-CN" sz="1600" dirty="0" err="1"/>
+              <a:t>rpc_class_name</a:t>
+            </a:r>
+            <a:r>
+              <a:rPr lang="en-US" altLang="zh-CN" sz="1600" dirty="0"/>
+              <a:t> -l </a:t>
+            </a:r>
+            <a:r>
+              <a:rPr lang="en-US" altLang="zh-CN" sz="1600" dirty="0" err="1" smtClean="0"/>
+              <a:t>the_language_to_generate</a:t>
+            </a:r>
+            <a:endParaRPr lang="en-US" altLang="zh-CN" sz="1600" dirty="0" smtClean="0"/>
+          </a:p>
+          <a:p>
+            <a:r>
+              <a:rPr lang="en-US" altLang="zh-CN" dirty="0" smtClean="0"/>
+              <a:t>{</a:t>
+            </a:r>
+            <a:r>
+              <a:rPr lang="en-US" altLang="zh-CN" dirty="0" err="1" smtClean="0"/>
+              <a:t>rpc_class_name</a:t>
+            </a:r>
+            <a:r>
+              <a:rPr lang="en-US" altLang="zh-CN" dirty="0" smtClean="0"/>
+              <a:t>}.h</a:t>
+            </a:r>
+          </a:p>
+          <a:p>
+            <a:r>
+              <a:rPr lang="en-US" altLang="zh-CN" dirty="0" smtClean="0"/>
+              <a:t>{rpc_class_name}.cpp</a:t>
+            </a:r>
+          </a:p>
+          <a:p>
+            <a:r>
+              <a:rPr lang="en-US" altLang="zh-CN" dirty="0" smtClean="0"/>
+              <a:t>Mapping </a:t>
+            </a:r>
+            <a:r>
+              <a:rPr lang="en-US" altLang="zh-CN" dirty="0" err="1" smtClean="0"/>
+              <a:t>rpc</a:t>
+            </a:r>
+            <a:r>
+              <a:rPr lang="en-US" altLang="zh-CN" dirty="0" smtClean="0"/>
+              <a:t> type to specific language </a:t>
+            </a:r>
+            <a:r>
+              <a:rPr lang="en-US" altLang="zh-CN" dirty="0" smtClean="0"/>
+              <a:t>type</a:t>
+            </a:r>
+          </a:p>
+          <a:p>
+            <a:r>
+              <a:rPr lang="en-US" altLang="zh-CN" dirty="0" smtClean="0"/>
+              <a:t>Easy </a:t>
+            </a:r>
+            <a:r>
+              <a:rPr lang="en-US" altLang="zh-CN" dirty="0" smtClean="0"/>
+              <a:t>to use</a:t>
+            </a:r>
+            <a:endParaRPr lang="en-US" altLang="zh-CN" dirty="0"/>
+          </a:p>
+          <a:p>
+            <a:pPr marL="0" indent="0">
+              <a:buNone/>
+            </a:pPr>
+            <a:endParaRPr lang="zh-CN" altLang="en-US" dirty="0"/>
+          </a:p>
+        </p:txBody>
+      </p:sp>
+    </p:spTree>
+    <p:extLst>
+      <p:ext uri="{BB962C8B-B14F-4D97-AF65-F5344CB8AC3E}">
+        <p14:creationId xmlns:p14="http://schemas.microsoft.com/office/powerpoint/2010/main" val="3344555893"/>
+      </p:ext>
+    </p:extLst>
+  </p:cSld>
+  <p:clrMapOvr>
+    <a:masterClrMapping/>
+  </p:clrMapOvr>
+  <p:timing>
+    <p:tnLst>
+      <p:par>
+        <p:cTn id="1" dur="indefinite" restart="never" nodeType="tmRoot"/>
+      </p:par>
+    </p:tnLst>
+  </p:timing>
+</p:sld>
+</file>
+
+<file path=ppt/slides/slide18.xml><?xml version="1.0" encoding="utf-8"?>
+<p:sld xmlns:a="http://schemas.openxmlformats.org/drawingml/2006/main" xmlns:r="http://schemas.openxmlformats.org/officeDocument/2006/relationships" xmlns:p="http://schemas.openxmlformats.org/presentationml/2006/main">
+  <p:cSld>
+    <p:spTree>
+      <p:nvGrpSpPr>
+        <p:cNvPr id="1" name=""/>
+        <p:cNvGrpSpPr/>
+        <p:nvPr/>
+      </p:nvGrpSpPr>
+      <p:grpSpPr>
+        <a:xfrm>
+          <a:off x="0" y="0"/>
+          <a:ext cx="0" cy="0"/>
+          <a:chOff x="0" y="0"/>
+          <a:chExt cx="0" cy="0"/>
+        </a:xfrm>
+      </p:grpSpPr>
+      <p:sp>
+        <p:nvSpPr>
+          <p:cNvPr id="2" name="标题 1"/>
+          <p:cNvSpPr>
+            <a:spLocks noGrp="1"/>
+          </p:cNvSpPr>
+          <p:nvPr>
+            <p:ph type="title"/>
+          </p:nvPr>
+        </p:nvSpPr>
+        <p:spPr/>
+        <p:txBody>
+          <a:bodyPr/>
+          <a:lstStyle/>
+          <a:p>
+            <a:r>
+              <a:rPr lang="en-US" altLang="zh-CN" dirty="0" smtClean="0"/>
+              <a:t>Sample – RPC entry class</a:t>
+            </a:r>
+            <a:endParaRPr lang="zh-CN" altLang="en-US" dirty="0"/>
+          </a:p>
+        </p:txBody>
+      </p:sp>
+      <p:pic>
+        <p:nvPicPr>
+          <p:cNvPr id="4" name="图片 3"/>
+          <p:cNvPicPr>
+            <a:picLocks noChangeAspect="1"/>
+          </p:cNvPicPr>
+          <p:nvPr/>
+        </p:nvPicPr>
+        <p:blipFill>
+          <a:blip r:embed="rId2"/>
+          <a:stretch>
+            <a:fillRect/>
+          </a:stretch>
+        </p:blipFill>
+        <p:spPr>
+          <a:xfrm>
+            <a:off x="838200" y="1690688"/>
+            <a:ext cx="9564077" cy="4749189"/>
+          </a:xfrm>
+          <a:prstGeom prst="rect">
+            <a:avLst/>
+          </a:prstGeom>
+        </p:spPr>
+      </p:pic>
+      <p:sp>
+        <p:nvSpPr>
+          <p:cNvPr id="5" name="右大括号 4"/>
+          <p:cNvSpPr/>
+          <p:nvPr/>
+        </p:nvSpPr>
+        <p:spPr>
+          <a:xfrm>
+            <a:off x="7369908" y="3121241"/>
+            <a:ext cx="273539" cy="520728"/>
+          </a:xfrm>
+          <a:prstGeom prst="rightBrace">
+            <a:avLst/>
+          </a:prstGeom>
+        </p:spPr>
+        <p:style>
+          <a:lnRef idx="1">
+            <a:schemeClr val="accent1"/>
+          </a:lnRef>
+          <a:fillRef idx="0">
+            <a:schemeClr val="accent1"/>
+          </a:fillRef>
+          <a:effectRef idx="0">
+            <a:schemeClr val="accent1"/>
+          </a:effectRef>
+          <a:fontRef idx="minor">
+            <a:schemeClr val="tx1"/>
+          </a:fontRef>
+        </p:style>
+        <p:txBody>
+          <a:bodyPr rtlCol="0" anchor="ctr"/>
+          <a:lstStyle/>
+          <a:p>
+            <a:pPr algn="ctr"/>
+            <a:endParaRPr lang="zh-CN" altLang="en-US"/>
+          </a:p>
+        </p:txBody>
+      </p:sp>
+      <p:sp>
+        <p:nvSpPr>
+          <p:cNvPr id="6" name="文本框 5"/>
+          <p:cNvSpPr txBox="1"/>
+          <p:nvPr/>
+        </p:nvSpPr>
+        <p:spPr>
+          <a:xfrm>
+            <a:off x="7622531" y="3191576"/>
+            <a:ext cx="1345625" cy="369332"/>
+          </a:xfrm>
+          <a:prstGeom prst="rect">
+            <a:avLst/>
+          </a:prstGeom>
+          <a:noFill/>
+        </p:spPr>
+        <p:txBody>
+          <a:bodyPr wrap="none" rtlCol="0">
+            <a:spAutoFit/>
+          </a:bodyPr>
+          <a:lstStyle/>
+          <a:p>
+            <a:r>
+              <a:rPr lang="en-US" altLang="zh-CN" dirty="0" smtClean="0"/>
+              <a:t>RPC method</a:t>
+            </a:r>
+            <a:endParaRPr lang="zh-CN" altLang="en-US" dirty="0"/>
+          </a:p>
+        </p:txBody>
+      </p:sp>
+      <p:sp>
+        <p:nvSpPr>
+          <p:cNvPr id="7" name="文本框 6"/>
+          <p:cNvSpPr txBox="1"/>
+          <p:nvPr/>
+        </p:nvSpPr>
+        <p:spPr>
+          <a:xfrm>
+            <a:off x="3911601" y="2451572"/>
+            <a:ext cx="1043619" cy="369332"/>
+          </a:xfrm>
+          <a:prstGeom prst="rect">
+            <a:avLst/>
+          </a:prstGeom>
+          <a:noFill/>
+        </p:spPr>
+        <p:txBody>
+          <a:bodyPr wrap="none" rtlCol="0">
+            <a:spAutoFit/>
+          </a:bodyPr>
+          <a:lstStyle/>
+          <a:p>
+            <a:r>
+              <a:rPr lang="en-US" altLang="zh-CN" dirty="0" smtClean="0"/>
+              <a:t>singleton</a:t>
+            </a:r>
+            <a:endParaRPr lang="zh-CN" altLang="en-US" dirty="0"/>
+          </a:p>
+        </p:txBody>
+      </p:sp>
+      <p:sp>
+        <p:nvSpPr>
+          <p:cNvPr id="12" name="右大括号 11"/>
+          <p:cNvSpPr/>
+          <p:nvPr/>
+        </p:nvSpPr>
+        <p:spPr>
+          <a:xfrm>
+            <a:off x="3638062" y="2516553"/>
+            <a:ext cx="273539" cy="304351"/>
+          </a:xfrm>
+          <a:prstGeom prst="rightBrace">
+            <a:avLst/>
+          </a:prstGeom>
+        </p:spPr>
+        <p:style>
+          <a:lnRef idx="1">
+            <a:schemeClr val="accent1"/>
+          </a:lnRef>
+          <a:fillRef idx="0">
+            <a:schemeClr val="accent1"/>
+          </a:fillRef>
+          <a:effectRef idx="0">
+            <a:schemeClr val="accent1"/>
+          </a:effectRef>
+          <a:fontRef idx="minor">
+            <a:schemeClr val="tx1"/>
+          </a:fontRef>
+        </p:style>
+        <p:txBody>
+          <a:bodyPr rtlCol="0" anchor="ctr"/>
+          <a:lstStyle/>
+          <a:p>
+            <a:pPr algn="ctr"/>
+            <a:endParaRPr lang="zh-CN" altLang="en-US"/>
+          </a:p>
+        </p:txBody>
+      </p:sp>
+      <p:sp>
+        <p:nvSpPr>
+          <p:cNvPr id="13" name="文本框 12"/>
+          <p:cNvSpPr txBox="1"/>
+          <p:nvPr/>
+        </p:nvSpPr>
+        <p:spPr>
+          <a:xfrm>
+            <a:off x="5044028" y="2690943"/>
+            <a:ext cx="2111347" cy="369332"/>
+          </a:xfrm>
+          <a:prstGeom prst="rect">
+            <a:avLst/>
+          </a:prstGeom>
+          <a:noFill/>
+        </p:spPr>
+        <p:txBody>
+          <a:bodyPr wrap="none" rtlCol="0">
+            <a:spAutoFit/>
+          </a:bodyPr>
+          <a:lstStyle/>
+          <a:p>
+            <a:r>
+              <a:rPr lang="en-US" altLang="zh-CN" dirty="0" smtClean="0"/>
+              <a:t>RPC process method</a:t>
+            </a:r>
+            <a:endParaRPr lang="zh-CN" altLang="en-US" dirty="0"/>
+          </a:p>
+        </p:txBody>
+      </p:sp>
+      <p:cxnSp>
+        <p:nvCxnSpPr>
+          <p:cNvPr id="15" name="直接箭头连接符 14"/>
+          <p:cNvCxnSpPr>
+            <a:stCxn id="13" idx="1"/>
+          </p:cNvCxnSpPr>
+          <p:nvPr/>
+        </p:nvCxnSpPr>
+        <p:spPr>
+          <a:xfrm flipH="1">
+            <a:off x="3556000" y="2875609"/>
+            <a:ext cx="1488028" cy="109865"/>
+          </a:xfrm>
+          <a:prstGeom prst="straightConnector1">
+            <a:avLst/>
+          </a:prstGeom>
+          <a:ln>
+            <a:tailEnd type="triangle"/>
+          </a:ln>
+        </p:spPr>
+        <p:style>
+          <a:lnRef idx="1">
+            <a:schemeClr val="accent1"/>
+          </a:lnRef>
+          <a:fillRef idx="0">
+            <a:schemeClr val="accent1"/>
+          </a:fillRef>
+          <a:effectRef idx="0">
+            <a:schemeClr val="accent1"/>
+          </a:effectRef>
+          <a:fontRef idx="minor">
+            <a:schemeClr val="tx1"/>
+          </a:fontRef>
+        </p:style>
+      </p:cxnSp>
+      <p:sp>
+        <p:nvSpPr>
+          <p:cNvPr id="17" name="右大括号 16"/>
+          <p:cNvSpPr/>
+          <p:nvPr/>
+        </p:nvSpPr>
+        <p:spPr>
+          <a:xfrm>
+            <a:off x="4433410" y="5724537"/>
+            <a:ext cx="273539" cy="520728"/>
+          </a:xfrm>
+          <a:prstGeom prst="rightBrace">
+            <a:avLst/>
+          </a:prstGeom>
+        </p:spPr>
+        <p:style>
+          <a:lnRef idx="1">
+            <a:schemeClr val="accent1"/>
+          </a:lnRef>
+          <a:fillRef idx="0">
+            <a:schemeClr val="accent1"/>
+          </a:fillRef>
+          <a:effectRef idx="0">
+            <a:schemeClr val="accent1"/>
+          </a:effectRef>
+          <a:fontRef idx="minor">
+            <a:schemeClr val="tx1"/>
+          </a:fontRef>
+        </p:style>
+        <p:txBody>
+          <a:bodyPr rtlCol="0" anchor="ctr"/>
+          <a:lstStyle/>
+          <a:p>
+            <a:pPr algn="ctr"/>
+            <a:endParaRPr lang="zh-CN" altLang="en-US"/>
+          </a:p>
+        </p:txBody>
+      </p:sp>
+      <p:sp>
+        <p:nvSpPr>
+          <p:cNvPr id="18" name="文本框 17"/>
+          <p:cNvSpPr txBox="1"/>
+          <p:nvPr/>
+        </p:nvSpPr>
+        <p:spPr>
+          <a:xfrm>
+            <a:off x="4706949" y="5800235"/>
+            <a:ext cx="3269678" cy="369332"/>
+          </a:xfrm>
+          <a:prstGeom prst="rect">
+            <a:avLst/>
+          </a:prstGeom>
+          <a:noFill/>
+        </p:spPr>
+        <p:txBody>
+          <a:bodyPr wrap="none" rtlCol="0">
+            <a:spAutoFit/>
+          </a:bodyPr>
+          <a:lstStyle/>
+          <a:p>
+            <a:r>
+              <a:rPr lang="en-US" altLang="zh-CN" dirty="0" smtClean="0"/>
+              <a:t>Helper macro of singleton access</a:t>
+            </a:r>
+            <a:endParaRPr lang="zh-CN" altLang="en-US" dirty="0"/>
+          </a:p>
+        </p:txBody>
+      </p:sp>
+    </p:spTree>
+    <p:extLst>
+      <p:ext uri="{BB962C8B-B14F-4D97-AF65-F5344CB8AC3E}">
+        <p14:creationId xmlns:p14="http://schemas.microsoft.com/office/powerpoint/2010/main" val="356892155"/>
+      </p:ext>
+    </p:extLst>
+  </p:cSld>
+  <p:clrMapOvr>
+    <a:masterClrMapping/>
+  </p:clrMapOvr>
+</p:sld>
+</file>
+
+<file path=ppt/slides/slide19.xml><?xml version="1.0" encoding="utf-8"?>
+<p:sld xmlns:a="http://schemas.openxmlformats.org/drawingml/2006/main" xmlns:r="http://schemas.openxmlformats.org/officeDocument/2006/relationships" xmlns:p="http://schemas.openxmlformats.org/presentationml/2006/main">
+  <p:cSld>
+    <p:spTree>
+      <p:nvGrpSpPr>
+        <p:cNvPr id="1" name=""/>
+        <p:cNvGrpSpPr/>
+        <p:nvPr/>
+      </p:nvGrpSpPr>
+      <p:grpSpPr>
+        <a:xfrm>
+          <a:off x="0" y="0"/>
+          <a:ext cx="0" cy="0"/>
+          <a:chOff x="0" y="0"/>
+          <a:chExt cx="0" cy="0"/>
+        </a:xfrm>
+      </p:grpSpPr>
+      <p:sp>
+        <p:nvSpPr>
+          <p:cNvPr id="2" name="标题 1"/>
+          <p:cNvSpPr>
+            <a:spLocks noGrp="1"/>
+          </p:cNvSpPr>
+          <p:nvPr>
+            <p:ph type="title"/>
+          </p:nvPr>
+        </p:nvSpPr>
+        <p:spPr/>
+        <p:txBody>
+          <a:bodyPr/>
+          <a:lstStyle/>
+          <a:p>
+            <a:r>
+              <a:rPr lang="en-US" altLang="zh-CN" dirty="0" smtClean="0"/>
               <a:t>Thanks</a:t>
             </a:r>
             <a:endParaRPr lang="zh-CN" altLang="en-US" dirty="0"/>
@@ -3450,11 +6049,7 @@
             </a:r>
             <a:r>
               <a:rPr lang="en-US" altLang="zh-CN" dirty="0" smtClean="0"/>
-              <a:t>alancer &amp; </a:t>
-            </a:r>
-            <a:r>
-              <a:rPr lang="en-US" altLang="zh-CN" dirty="0" smtClean="0"/>
-              <a:t>loop</a:t>
+              <a:t>alancer &amp; loop</a:t>
             </a:r>
             <a:endParaRPr lang="zh-CN" altLang="en-US" dirty="0"/>
           </a:p>
@@ -4611,11 +7206,7 @@
             </a:r>
             <a:r>
               <a:rPr lang="en-US" altLang="zh-CN" dirty="0" smtClean="0"/>
-              <a:t>oop &amp; </a:t>
-            </a:r>
-            <a:r>
-              <a:rPr lang="en-US" altLang="zh-CN" dirty="0" smtClean="0"/>
-              <a:t>channel</a:t>
+              <a:t>oop &amp; channel</a:t>
             </a:r>
             <a:endParaRPr lang="zh-CN" altLang="en-US" dirty="0"/>
           </a:p>
@@ -5808,96 +8399,46 @@
           <a:p>
             <a:r>
               <a:rPr lang="en-US" altLang="zh-CN" dirty="0" smtClean="0"/>
-              <a:t>RPC framework</a:t>
+              <a:t>Sample – Acceptor</a:t>
             </a:r>
             <a:endParaRPr lang="zh-CN" altLang="en-US" dirty="0"/>
           </a:p>
         </p:txBody>
       </p:sp>
-      <p:sp>
-        <p:nvSpPr>
-          <p:cNvPr id="3" name="内容占位符 2"/>
-          <p:cNvSpPr>
-            <a:spLocks noGrp="1"/>
-          </p:cNvSpPr>
-          <p:nvPr>
-            <p:ph idx="1"/>
-          </p:nvPr>
-        </p:nvSpPr>
-        <p:spPr/>
-        <p:txBody>
-          <a:bodyPr/>
-          <a:lstStyle/>
-          <a:p>
-            <a:r>
-              <a:rPr lang="en-US" altLang="zh-CN" dirty="0" smtClean="0"/>
-              <a:t>Light weight</a:t>
-            </a:r>
-          </a:p>
-          <a:p>
-            <a:r>
-              <a:rPr lang="en-US" altLang="zh-CN" dirty="0" smtClean="0"/>
-              <a:t>Proxy &amp; stub</a:t>
-            </a:r>
-          </a:p>
-          <a:p>
-            <a:r>
-              <a:rPr lang="en-US" altLang="zh-CN" dirty="0" smtClean="0"/>
-              <a:t>No return</a:t>
-            </a:r>
-          </a:p>
-          <a:p>
-            <a:r>
-              <a:rPr lang="en-US" altLang="zh-CN" dirty="0" smtClean="0"/>
-              <a:t>Simple object type system</a:t>
-            </a:r>
-          </a:p>
-          <a:p>
-            <a:pPr lvl="1"/>
-            <a:r>
-              <a:rPr lang="en-US" altLang="zh-CN" dirty="0" smtClean="0"/>
-              <a:t>Number</a:t>
-            </a:r>
-          </a:p>
-          <a:p>
-            <a:pPr lvl="1"/>
-            <a:r>
-              <a:rPr lang="en-US" altLang="zh-CN" dirty="0" smtClean="0"/>
-              <a:t>String</a:t>
-            </a:r>
-          </a:p>
-          <a:p>
-            <a:pPr lvl="1"/>
-            <a:r>
-              <a:rPr lang="en-US" altLang="zh-CN" dirty="0" smtClean="0"/>
-              <a:t>Array</a:t>
-            </a:r>
-          </a:p>
-          <a:p>
-            <a:r>
-              <a:rPr lang="en-US" altLang="zh-CN" dirty="0" smtClean="0"/>
-              <a:t>Not easy to use</a:t>
-            </a:r>
-          </a:p>
-        </p:txBody>
-      </p:sp>
+      <p:pic>
+        <p:nvPicPr>
+          <p:cNvPr id="8" name="图片 7"/>
+          <p:cNvPicPr>
+            <a:picLocks noChangeAspect="1"/>
+          </p:cNvPicPr>
+          <p:nvPr/>
+        </p:nvPicPr>
+        <p:blipFill>
+          <a:blip r:embed="rId2"/>
+          <a:stretch>
+            <a:fillRect/>
+          </a:stretch>
+        </p:blipFill>
+        <p:spPr>
+          <a:xfrm>
+            <a:off x="838199" y="1690688"/>
+            <a:ext cx="9228015" cy="4819527"/>
+          </a:xfrm>
+          <a:prstGeom prst="rect">
+            <a:avLst/>
+          </a:prstGeom>
+        </p:spPr>
+      </p:pic>
     </p:spTree>
     <p:extLst>
       <p:ext uri="{BB962C8B-B14F-4D97-AF65-F5344CB8AC3E}">
-        <p14:creationId xmlns:p14="http://schemas.microsoft.com/office/powerpoint/2010/main" val="2769061827"/>
+        <p14:creationId xmlns:p14="http://schemas.microsoft.com/office/powerpoint/2010/main" val="1076486722"/>
       </p:ext>
     </p:extLst>
   </p:cSld>
   <p:clrMapOvr>
     <a:masterClrMapping/>
   </p:clrMapOvr>
-  <p:timing>
-    <p:tnLst>
-      <p:par>
-        <p:cTn id="1" dur="indefinite" restart="never" nodeType="tmRoot"/>
-      </p:par>
-    </p:tnLst>
-  </p:timing>
 </p:sld>
 </file>
 
@@ -5935,150 +8476,46 @@
           <a:p>
             <a:r>
               <a:rPr lang="en-US" altLang="zh-CN" dirty="0" smtClean="0"/>
-              <a:t>RPC code generating</a:t>
+              <a:t>Sample - Connector</a:t>
             </a:r>
             <a:endParaRPr lang="zh-CN" altLang="en-US" dirty="0"/>
           </a:p>
         </p:txBody>
       </p:sp>
-      <p:sp>
-        <p:nvSpPr>
-          <p:cNvPr id="3" name="内容占位符 2"/>
-          <p:cNvSpPr>
-            <a:spLocks noGrp="1"/>
-          </p:cNvSpPr>
-          <p:nvPr>
-            <p:ph idx="1"/>
-          </p:nvPr>
-        </p:nvSpPr>
-        <p:spPr/>
-        <p:txBody>
-          <a:bodyPr/>
-          <a:lstStyle/>
-          <a:p>
-            <a:r>
-              <a:rPr lang="en-US" altLang="zh-CN" dirty="0" err="1"/>
-              <a:t>k</a:t>
-            </a:r>
-            <a:r>
-              <a:rPr lang="en-US" altLang="zh-CN" dirty="0" err="1" smtClean="0"/>
-              <a:t>rpc</a:t>
-            </a:r>
-            <a:endParaRPr lang="en-US" altLang="zh-CN" dirty="0"/>
-          </a:p>
-          <a:p>
-            <a:pPr marL="914400" lvl="1" indent="-457200">
-              <a:buFont typeface="+mj-lt"/>
-              <a:buAutoNum type="alphaLcPeriod"/>
-            </a:pPr>
-            <a:r>
-              <a:rPr lang="en-US" altLang="zh-CN" sz="1600" dirty="0" err="1"/>
-              <a:t>krpc</a:t>
-            </a:r>
-            <a:r>
-              <a:rPr lang="en-US" altLang="zh-CN" sz="1600" dirty="0"/>
-              <a:t> -d output-directory -f </a:t>
-            </a:r>
-            <a:r>
-              <a:rPr lang="en-US" altLang="zh-CN" sz="1600" dirty="0" err="1"/>
-              <a:t>input_rpc_file</a:t>
-            </a:r>
-            <a:r>
-              <a:rPr lang="en-US" altLang="zh-CN" sz="1600" dirty="0"/>
-              <a:t> -n </a:t>
-            </a:r>
-            <a:r>
-              <a:rPr lang="en-US" altLang="zh-CN" sz="1600" dirty="0" err="1"/>
-              <a:t>rpc_class_name</a:t>
-            </a:r>
-            <a:r>
-              <a:rPr lang="en-US" altLang="zh-CN" sz="1600" dirty="0"/>
-              <a:t> -l </a:t>
-            </a:r>
-            <a:r>
-              <a:rPr lang="en-US" altLang="zh-CN" sz="1600" dirty="0" err="1" smtClean="0"/>
-              <a:t>the_language_to_generate</a:t>
-            </a:r>
-            <a:endParaRPr lang="en-US" altLang="zh-CN" sz="1600" dirty="0" smtClean="0"/>
-          </a:p>
-          <a:p>
-            <a:r>
-              <a:rPr lang="en-US" altLang="zh-CN" dirty="0" smtClean="0"/>
-              <a:t>{</a:t>
-            </a:r>
-            <a:r>
-              <a:rPr lang="en-US" altLang="zh-CN" dirty="0" err="1" smtClean="0"/>
-              <a:t>rpc_class_name</a:t>
-            </a:r>
-            <a:r>
-              <a:rPr lang="en-US" altLang="zh-CN" dirty="0" smtClean="0"/>
-              <a:t>}.h</a:t>
-            </a:r>
-          </a:p>
-          <a:p>
-            <a:r>
-              <a:rPr lang="en-US" altLang="zh-CN" dirty="0" smtClean="0"/>
-              <a:t>{rpc_class_name}.cpp</a:t>
-            </a:r>
-          </a:p>
-          <a:p>
-            <a:r>
-              <a:rPr lang="en-US" altLang="zh-CN" dirty="0" smtClean="0"/>
-              <a:t>Mapping </a:t>
-            </a:r>
-            <a:r>
-              <a:rPr lang="en-US" altLang="zh-CN" dirty="0" err="1" smtClean="0"/>
-              <a:t>rpc</a:t>
-            </a:r>
-            <a:r>
-              <a:rPr lang="en-US" altLang="zh-CN" dirty="0" smtClean="0"/>
-              <a:t> type to specific language type</a:t>
-            </a:r>
-          </a:p>
-          <a:p>
-            <a:r>
-              <a:rPr lang="en-US" altLang="zh-CN" dirty="0" smtClean="0"/>
-              <a:t>Non-blocking</a:t>
-            </a:r>
-          </a:p>
-          <a:p>
-            <a:r>
-              <a:rPr lang="en-US" altLang="zh-CN" dirty="0" smtClean="0"/>
-              <a:t>No return</a:t>
-            </a:r>
-          </a:p>
-          <a:p>
-            <a:r>
-              <a:rPr lang="en-US" altLang="zh-CN" dirty="0" smtClean="0"/>
-              <a:t>Easy to use</a:t>
-            </a:r>
-            <a:endParaRPr lang="en-US" altLang="zh-CN" dirty="0"/>
-          </a:p>
-          <a:p>
-            <a:pPr marL="0" indent="0">
-              <a:buNone/>
-            </a:pPr>
-            <a:endParaRPr lang="zh-CN" altLang="en-US" dirty="0"/>
-          </a:p>
-        </p:txBody>
-      </p:sp>
+      <p:pic>
+        <p:nvPicPr>
+          <p:cNvPr id="4" name="图片 3"/>
+          <p:cNvPicPr>
+            <a:picLocks noChangeAspect="1"/>
+          </p:cNvPicPr>
+          <p:nvPr/>
+        </p:nvPicPr>
+        <p:blipFill>
+          <a:blip r:embed="rId2"/>
+          <a:stretch>
+            <a:fillRect/>
+          </a:stretch>
+        </p:blipFill>
+        <p:spPr>
+          <a:xfrm>
+            <a:off x="838200" y="1690687"/>
+            <a:ext cx="9454662" cy="4139589"/>
+          </a:xfrm>
+          <a:prstGeom prst="rect">
+            <a:avLst/>
+          </a:prstGeom>
+        </p:spPr>
+      </p:pic>
     </p:spTree>
     <p:extLst>
       <p:ext uri="{BB962C8B-B14F-4D97-AF65-F5344CB8AC3E}">
-        <p14:creationId xmlns:p14="http://schemas.microsoft.com/office/powerpoint/2010/main" val="3344555893"/>
+        <p14:creationId xmlns:p14="http://schemas.microsoft.com/office/powerpoint/2010/main" val="1497730588"/>
       </p:ext>
     </p:extLst>
   </p:cSld>
   <p:clrMapOvr>
     <a:masterClrMapping/>
   </p:clrMapOvr>
-  <p:timing>
-    <p:tnLst>
-      <p:par>
-        <p:cTn id="1" dur="indefinite" restart="never" nodeType="tmRoot"/>
-      </p:par>
-    </p:tnLst>
-  </p:timing>
 </p:sld>
 </file>
 

--- a/doc/knet.pptx
+++ b/doc/knet.pptx
@@ -261,7 +261,7 @@
           <a:p>
             <a:fld id="{5D0EEB5A-FAFB-4970-8082-181E922B6EBC}" type="datetimeFigureOut">
               <a:rPr lang="zh-CN" altLang="en-US" smtClean="0"/>
-              <a:t>2015/6/30</a:t>
+              <a:t>2015/7/2</a:t>
             </a:fld>
             <a:endParaRPr lang="zh-CN" altLang="en-US"/>
           </a:p>
@@ -431,7 +431,7 @@
           <a:p>
             <a:fld id="{5D0EEB5A-FAFB-4970-8082-181E922B6EBC}" type="datetimeFigureOut">
               <a:rPr lang="zh-CN" altLang="en-US" smtClean="0"/>
-              <a:t>2015/6/30</a:t>
+              <a:t>2015/7/2</a:t>
             </a:fld>
             <a:endParaRPr lang="zh-CN" altLang="en-US"/>
           </a:p>
@@ -611,7 +611,7 @@
           <a:p>
             <a:fld id="{5D0EEB5A-FAFB-4970-8082-181E922B6EBC}" type="datetimeFigureOut">
               <a:rPr lang="zh-CN" altLang="en-US" smtClean="0"/>
-              <a:t>2015/6/30</a:t>
+              <a:t>2015/7/2</a:t>
             </a:fld>
             <a:endParaRPr lang="zh-CN" altLang="en-US"/>
           </a:p>
@@ -781,7 +781,7 @@
           <a:p>
             <a:fld id="{5D0EEB5A-FAFB-4970-8082-181E922B6EBC}" type="datetimeFigureOut">
               <a:rPr lang="zh-CN" altLang="en-US" smtClean="0"/>
-              <a:t>2015/6/30</a:t>
+              <a:t>2015/7/2</a:t>
             </a:fld>
             <a:endParaRPr lang="zh-CN" altLang="en-US"/>
           </a:p>
@@ -1027,7 +1027,7 @@
           <a:p>
             <a:fld id="{5D0EEB5A-FAFB-4970-8082-181E922B6EBC}" type="datetimeFigureOut">
               <a:rPr lang="zh-CN" altLang="en-US" smtClean="0"/>
-              <a:t>2015/6/30</a:t>
+              <a:t>2015/7/2</a:t>
             </a:fld>
             <a:endParaRPr lang="zh-CN" altLang="en-US"/>
           </a:p>
@@ -1259,7 +1259,7 @@
           <a:p>
             <a:fld id="{5D0EEB5A-FAFB-4970-8082-181E922B6EBC}" type="datetimeFigureOut">
               <a:rPr lang="zh-CN" altLang="en-US" smtClean="0"/>
-              <a:t>2015/6/30</a:t>
+              <a:t>2015/7/2</a:t>
             </a:fld>
             <a:endParaRPr lang="zh-CN" altLang="en-US"/>
           </a:p>
@@ -1626,7 +1626,7 @@
           <a:p>
             <a:fld id="{5D0EEB5A-FAFB-4970-8082-181E922B6EBC}" type="datetimeFigureOut">
               <a:rPr lang="zh-CN" altLang="en-US" smtClean="0"/>
-              <a:t>2015/6/30</a:t>
+              <a:t>2015/7/2</a:t>
             </a:fld>
             <a:endParaRPr lang="zh-CN" altLang="en-US"/>
           </a:p>
@@ -1744,7 +1744,7 @@
           <a:p>
             <a:fld id="{5D0EEB5A-FAFB-4970-8082-181E922B6EBC}" type="datetimeFigureOut">
               <a:rPr lang="zh-CN" altLang="en-US" smtClean="0"/>
-              <a:t>2015/6/30</a:t>
+              <a:t>2015/7/2</a:t>
             </a:fld>
             <a:endParaRPr lang="zh-CN" altLang="en-US"/>
           </a:p>
@@ -1839,7 +1839,7 @@
           <a:p>
             <a:fld id="{5D0EEB5A-FAFB-4970-8082-181E922B6EBC}" type="datetimeFigureOut">
               <a:rPr lang="zh-CN" altLang="en-US" smtClean="0"/>
-              <a:t>2015/6/30</a:t>
+              <a:t>2015/7/2</a:t>
             </a:fld>
             <a:endParaRPr lang="zh-CN" altLang="en-US"/>
           </a:p>
@@ -2116,7 +2116,7 @@
           <a:p>
             <a:fld id="{5D0EEB5A-FAFB-4970-8082-181E922B6EBC}" type="datetimeFigureOut">
               <a:rPr lang="zh-CN" altLang="en-US" smtClean="0"/>
-              <a:t>2015/6/30</a:t>
+              <a:t>2015/7/2</a:t>
             </a:fld>
             <a:endParaRPr lang="zh-CN" altLang="en-US"/>
           </a:p>
@@ -2369,7 +2369,7 @@
           <a:p>
             <a:fld id="{5D0EEB5A-FAFB-4970-8082-181E922B6EBC}" type="datetimeFigureOut">
               <a:rPr lang="zh-CN" altLang="en-US" smtClean="0"/>
-              <a:t>2015/6/30</a:t>
+              <a:t>2015/7/2</a:t>
             </a:fld>
             <a:endParaRPr lang="zh-CN" altLang="en-US"/>
           </a:p>
@@ -2582,7 +2582,7 @@
           <a:p>
             <a:fld id="{5D0EEB5A-FAFB-4970-8082-181E922B6EBC}" type="datetimeFigureOut">
               <a:rPr lang="zh-CN" altLang="en-US" smtClean="0"/>
-              <a:t>2015/6/30</a:t>
+              <a:t>2015/7/2</a:t>
             </a:fld>
             <a:endParaRPr lang="zh-CN" altLang="en-US"/>
           </a:p>
@@ -3547,13 +3547,8 @@
           <a:p>
             <a:r>
               <a:rPr lang="en-US" altLang="zh-CN" dirty="0" smtClean="0"/>
-              <a:t>Non-blocking &amp; n</a:t>
-            </a:r>
-            <a:r>
-              <a:rPr lang="en-US" altLang="zh-CN" dirty="0" smtClean="0"/>
-              <a:t>o return RPC method</a:t>
-            </a:r>
-            <a:endParaRPr lang="en-US" altLang="zh-CN" dirty="0" smtClean="0"/>
+              <a:t>Non-blocking &amp; no return RPC method</a:t>
+            </a:r>
           </a:p>
           <a:p>
             <a:r>
@@ -3581,7 +3576,6 @@
               <a:rPr lang="en-US" altLang="zh-CN" dirty="0" smtClean="0"/>
               <a:t>Array</a:t>
             </a:r>
-            <a:endParaRPr lang="en-US" altLang="zh-CN" dirty="0" smtClean="0"/>
           </a:p>
           <a:p>
             <a:r>
@@ -3661,14 +3655,14 @@
             <p:ph idx="1"/>
             <p:extLst>
               <p:ext uri="{D42A27DB-BD31-4B8C-83A1-F6EECF244321}">
-                <p14:modId xmlns:p14="http://schemas.microsoft.com/office/powerpoint/2010/main" val="2632064570"/>
+                <p14:modId xmlns:p14="http://schemas.microsoft.com/office/powerpoint/2010/main" val="1228517992"/>
               </p:ext>
             </p:extLst>
           </p:nvPr>
         </p:nvGraphicFramePr>
         <p:xfrm>
           <a:off x="838200" y="1825625"/>
-          <a:ext cx="7211646" cy="4450080"/>
+          <a:ext cx="7211646" cy="4820920"/>
         </p:xfrm>
         <a:graphic>
           <a:graphicData uri="http://schemas.openxmlformats.org/drawingml/2006/table">
@@ -4409,6 +4403,69 @@
                   <a:tcPr/>
                 </a:tc>
               </a:tr>
+              <a:tr h="370840">
+                <a:tc>
+                  <a:txBody>
+                    <a:bodyPr/>
+                    <a:lstStyle/>
+                    <a:p>
+                      <a:pPr algn="ctr"/>
+                      <a:r>
+                        <a:rPr lang="en-US" altLang="zh-CN" dirty="0" smtClean="0"/>
+                        <a:t>&lt;&gt;</a:t>
+                      </a:r>
+                      <a:endParaRPr lang="zh-CN" altLang="en-US" dirty="0"/>
+                    </a:p>
+                  </a:txBody>
+                  <a:tcPr/>
+                </a:tc>
+                <a:tc>
+                  <a:txBody>
+                    <a:bodyPr/>
+                    <a:lstStyle/>
+                    <a:p>
+                      <a:pPr algn="ctr"/>
+                      <a:r>
+                        <a:rPr lang="en-US" altLang="zh-CN" dirty="0" smtClean="0"/>
+                        <a:t>-</a:t>
+                      </a:r>
+                      <a:endParaRPr lang="zh-CN" altLang="en-US" dirty="0"/>
+                    </a:p>
+                  </a:txBody>
+                  <a:tcPr/>
+                </a:tc>
+                <a:tc>
+                  <a:txBody>
+                    <a:bodyPr/>
+                    <a:lstStyle/>
+                    <a:p>
+                      <a:pPr marL="0" marR="0" indent="0" algn="ctr" defTabSz="914400" rtl="0" eaLnBrk="1" fontAlgn="auto" latinLnBrk="0" hangingPunct="1">
+                        <a:lnSpc>
+                          <a:spcPct val="100000"/>
+                        </a:lnSpc>
+                        <a:spcBef>
+                          <a:spcPts val="0"/>
+                        </a:spcBef>
+                        <a:spcAft>
+                          <a:spcPts val="0"/>
+                        </a:spcAft>
+                        <a:buClrTx/>
+                        <a:buSzTx/>
+                        <a:buFontTx/>
+                        <a:buNone/>
+                        <a:tabLst/>
+                        <a:defRPr/>
+                      </a:pPr>
+                      <a:r>
+                        <a:rPr lang="en-US" altLang="zh-CN" dirty="0" smtClean="0"/>
+                        <a:t>Table</a:t>
+                      </a:r>
+                      <a:endParaRPr lang="zh-CN" altLang="en-US" dirty="0" smtClean="0"/>
+                    </a:p>
+                  </a:txBody>
+                  <a:tcPr/>
+                </a:tc>
+              </a:tr>
             </a:tbl>
           </a:graphicData>
         </a:graphic>
@@ -5265,21 +5322,13 @@
             </a:r>
             <a:r>
               <a:rPr lang="en-US" altLang="zh-CN" dirty="0" smtClean="0"/>
-              <a:t> type to specific language </a:t>
-            </a:r>
-            <a:r>
-              <a:rPr lang="en-US" altLang="zh-CN" dirty="0" smtClean="0"/>
-              <a:t>type</a:t>
-            </a:r>
-          </a:p>
-          <a:p>
-            <a:r>
-              <a:rPr lang="en-US" altLang="zh-CN" dirty="0" smtClean="0"/>
-              <a:t>Easy </a:t>
-            </a:r>
-            <a:r>
-              <a:rPr lang="en-US" altLang="zh-CN" dirty="0" smtClean="0"/>
-              <a:t>to use</a:t>
+              <a:t> type to specific language type</a:t>
+            </a:r>
+          </a:p>
+          <a:p>
+            <a:r>
+              <a:rPr lang="en-US" altLang="zh-CN" dirty="0" smtClean="0"/>
+              <a:t>Easy to use</a:t>
             </a:r>
             <a:endParaRPr lang="en-US" altLang="zh-CN" dirty="0"/>
           </a:p>

--- a/doc/knet.pptx
+++ b/doc/knet.pptx
@@ -15,15 +15,16 @@
     <p:sldId id="266" r:id="rId9"/>
     <p:sldId id="268" r:id="rId10"/>
     <p:sldId id="267" r:id="rId11"/>
-    <p:sldId id="269" r:id="rId12"/>
-    <p:sldId id="270" r:id="rId13"/>
-    <p:sldId id="263" r:id="rId14"/>
-    <p:sldId id="271" r:id="rId15"/>
-    <p:sldId id="272" r:id="rId16"/>
-    <p:sldId id="273" r:id="rId17"/>
-    <p:sldId id="264" r:id="rId18"/>
-    <p:sldId id="274" r:id="rId19"/>
-    <p:sldId id="265" r:id="rId20"/>
+    <p:sldId id="275" r:id="rId12"/>
+    <p:sldId id="269" r:id="rId13"/>
+    <p:sldId id="270" r:id="rId14"/>
+    <p:sldId id="263" r:id="rId15"/>
+    <p:sldId id="271" r:id="rId16"/>
+    <p:sldId id="272" r:id="rId17"/>
+    <p:sldId id="273" r:id="rId18"/>
+    <p:sldId id="264" r:id="rId19"/>
+    <p:sldId id="274" r:id="rId20"/>
+    <p:sldId id="265" r:id="rId21"/>
   </p:sldIdLst>
   <p:sldSz cx="12192000" cy="6858000"/>
   <p:notesSz cx="6858000" cy="9144000"/>
@@ -261,7 +262,7 @@
           <a:p>
             <a:fld id="{5D0EEB5A-FAFB-4970-8082-181E922B6EBC}" type="datetimeFigureOut">
               <a:rPr lang="zh-CN" altLang="en-US" smtClean="0"/>
-              <a:t>2015/7/2</a:t>
+              <a:t>2015/7/3</a:t>
             </a:fld>
             <a:endParaRPr lang="zh-CN" altLang="en-US"/>
           </a:p>
@@ -431,7 +432,7 @@
           <a:p>
             <a:fld id="{5D0EEB5A-FAFB-4970-8082-181E922B6EBC}" type="datetimeFigureOut">
               <a:rPr lang="zh-CN" altLang="en-US" smtClean="0"/>
-              <a:t>2015/7/2</a:t>
+              <a:t>2015/7/3</a:t>
             </a:fld>
             <a:endParaRPr lang="zh-CN" altLang="en-US"/>
           </a:p>
@@ -611,7 +612,7 @@
           <a:p>
             <a:fld id="{5D0EEB5A-FAFB-4970-8082-181E922B6EBC}" type="datetimeFigureOut">
               <a:rPr lang="zh-CN" altLang="en-US" smtClean="0"/>
-              <a:t>2015/7/2</a:t>
+              <a:t>2015/7/3</a:t>
             </a:fld>
             <a:endParaRPr lang="zh-CN" altLang="en-US"/>
           </a:p>
@@ -781,7 +782,7 @@
           <a:p>
             <a:fld id="{5D0EEB5A-FAFB-4970-8082-181E922B6EBC}" type="datetimeFigureOut">
               <a:rPr lang="zh-CN" altLang="en-US" smtClean="0"/>
-              <a:t>2015/7/2</a:t>
+              <a:t>2015/7/3</a:t>
             </a:fld>
             <a:endParaRPr lang="zh-CN" altLang="en-US"/>
           </a:p>
@@ -1027,7 +1028,7 @@
           <a:p>
             <a:fld id="{5D0EEB5A-FAFB-4970-8082-181E922B6EBC}" type="datetimeFigureOut">
               <a:rPr lang="zh-CN" altLang="en-US" smtClean="0"/>
-              <a:t>2015/7/2</a:t>
+              <a:t>2015/7/3</a:t>
             </a:fld>
             <a:endParaRPr lang="zh-CN" altLang="en-US"/>
           </a:p>
@@ -1259,7 +1260,7 @@
           <a:p>
             <a:fld id="{5D0EEB5A-FAFB-4970-8082-181E922B6EBC}" type="datetimeFigureOut">
               <a:rPr lang="zh-CN" altLang="en-US" smtClean="0"/>
-              <a:t>2015/7/2</a:t>
+              <a:t>2015/7/3</a:t>
             </a:fld>
             <a:endParaRPr lang="zh-CN" altLang="en-US"/>
           </a:p>
@@ -1626,7 +1627,7 @@
           <a:p>
             <a:fld id="{5D0EEB5A-FAFB-4970-8082-181E922B6EBC}" type="datetimeFigureOut">
               <a:rPr lang="zh-CN" altLang="en-US" smtClean="0"/>
-              <a:t>2015/7/2</a:t>
+              <a:t>2015/7/3</a:t>
             </a:fld>
             <a:endParaRPr lang="zh-CN" altLang="en-US"/>
           </a:p>
@@ -1744,7 +1745,7 @@
           <a:p>
             <a:fld id="{5D0EEB5A-FAFB-4970-8082-181E922B6EBC}" type="datetimeFigureOut">
               <a:rPr lang="zh-CN" altLang="en-US" smtClean="0"/>
-              <a:t>2015/7/2</a:t>
+              <a:t>2015/7/3</a:t>
             </a:fld>
             <a:endParaRPr lang="zh-CN" altLang="en-US"/>
           </a:p>
@@ -1839,7 +1840,7 @@
           <a:p>
             <a:fld id="{5D0EEB5A-FAFB-4970-8082-181E922B6EBC}" type="datetimeFigureOut">
               <a:rPr lang="zh-CN" altLang="en-US" smtClean="0"/>
-              <a:t>2015/7/2</a:t>
+              <a:t>2015/7/3</a:t>
             </a:fld>
             <a:endParaRPr lang="zh-CN" altLang="en-US"/>
           </a:p>
@@ -2116,7 +2117,7 @@
           <a:p>
             <a:fld id="{5D0EEB5A-FAFB-4970-8082-181E922B6EBC}" type="datetimeFigureOut">
               <a:rPr lang="zh-CN" altLang="en-US" smtClean="0"/>
-              <a:t>2015/7/2</a:t>
+              <a:t>2015/7/3</a:t>
             </a:fld>
             <a:endParaRPr lang="zh-CN" altLang="en-US"/>
           </a:p>
@@ -2369,7 +2370,7 @@
           <a:p>
             <a:fld id="{5D0EEB5A-FAFB-4970-8082-181E922B6EBC}" type="datetimeFigureOut">
               <a:rPr lang="zh-CN" altLang="en-US" smtClean="0"/>
-              <a:t>2015/7/2</a:t>
+              <a:t>2015/7/3</a:t>
             </a:fld>
             <a:endParaRPr lang="zh-CN" altLang="en-US"/>
           </a:p>
@@ -2582,7 +2583,7 @@
           <a:p>
             <a:fld id="{5D0EEB5A-FAFB-4970-8082-181E922B6EBC}" type="datetimeFigureOut">
               <a:rPr lang="zh-CN" altLang="en-US" smtClean="0"/>
-              <a:t>2015/7/2</a:t>
+              <a:t>2015/7/3</a:t>
             </a:fld>
             <a:endParaRPr lang="zh-CN" altLang="en-US"/>
           </a:p>
@@ -3305,7 +3306,7 @@
           <a:p>
             <a:r>
               <a:rPr lang="en-US" altLang="zh-CN" dirty="0" smtClean="0"/>
-              <a:t>balancer</a:t>
+              <a:t>Channel reference</a:t>
             </a:r>
             <a:endParaRPr lang="zh-CN" altLang="en-US" dirty="0"/>
           </a:p>
@@ -3323,23 +3324,16 @@
         </p:nvSpPr>
         <p:spPr/>
         <p:txBody>
-          <a:bodyPr/>
-          <a:lstStyle/>
-          <a:p>
-            <a:r>
-              <a:rPr lang="en-US" altLang="zh-CN" dirty="0"/>
-              <a:t>The </a:t>
-            </a:r>
-            <a:r>
-              <a:rPr lang="en-US" altLang="zh-CN" dirty="0" smtClean="0"/>
-              <a:t>mediator of loops’ balance</a:t>
-            </a:r>
-          </a:p>
-          <a:p>
-            <a:r>
-              <a:rPr lang="en-US" altLang="zh-CN" dirty="0" smtClean="0"/>
-              <a:t>Dynamic load balancing</a:t>
-            </a:r>
+          <a:bodyPr>
+            <a:normAutofit lnSpcReduction="10000"/>
+          </a:bodyPr>
+          <a:lstStyle/>
+          <a:p>
+            <a:r>
+              <a:rPr lang="en-US" altLang="zh-CN" dirty="0" err="1" smtClean="0"/>
+              <a:t>channel_ref_share</a:t>
+            </a:r>
+            <a:endParaRPr lang="en-US" altLang="zh-CN" dirty="0" smtClean="0"/>
           </a:p>
           <a:p>
             <a:pPr marL="914400" lvl="1" indent="-457200">
@@ -3348,20 +3342,13 @@
             </a:pPr>
             <a:r>
               <a:rPr lang="en-US" altLang="zh-CN" dirty="0" smtClean="0"/>
-              <a:t>Balance according to active channel count</a:t>
-            </a:r>
-          </a:p>
-          <a:p>
-            <a:r>
-              <a:rPr lang="en-US" altLang="zh-CN" dirty="0" smtClean="0"/>
-              <a:t>Balance accepted channels only</a:t>
-            </a:r>
-          </a:p>
-          <a:p>
-            <a:r>
-              <a:rPr lang="en-US" altLang="zh-CN" dirty="0" smtClean="0"/>
-              <a:t>Thread safety</a:t>
-            </a:r>
+              <a:t>Increase the reference count of </a:t>
+            </a:r>
+            <a:r>
+              <a:rPr lang="en-US" altLang="zh-CN" dirty="0" err="1" smtClean="0"/>
+              <a:t>channel_ref_t</a:t>
+            </a:r>
+            <a:endParaRPr lang="en-US" altLang="zh-CN" dirty="0" smtClean="0"/>
           </a:p>
           <a:p>
             <a:pPr marL="914400" lvl="1" indent="-457200">
@@ -3370,8 +3357,28 @@
             </a:pPr>
             <a:r>
               <a:rPr lang="en-US" altLang="zh-CN" dirty="0" smtClean="0"/>
-              <a:t>Attach</a:t>
-            </a:r>
+              <a:t>Call the method when you hold </a:t>
+            </a:r>
+            <a:r>
+              <a:rPr lang="en-US" altLang="zh-CN" dirty="0" err="1" smtClean="0"/>
+              <a:t>channe_ref_t</a:t>
+            </a:r>
+            <a:r>
+              <a:rPr lang="en-US" altLang="zh-CN" dirty="0" smtClean="0"/>
+              <a:t> out of hosted </a:t>
+            </a:r>
+            <a:r>
+              <a:rPr lang="en-US" altLang="zh-CN" dirty="0" err="1" smtClean="0"/>
+              <a:t>loop_t</a:t>
+            </a:r>
+            <a:endParaRPr lang="en-US" altLang="zh-CN" dirty="0" smtClean="0"/>
+          </a:p>
+          <a:p>
+            <a:r>
+              <a:rPr lang="en-US" altLang="zh-CN" dirty="0" err="1" smtClean="0"/>
+              <a:t>channel_ref_leave</a:t>
+            </a:r>
+            <a:endParaRPr lang="en-US" altLang="zh-CN" dirty="0" smtClean="0"/>
           </a:p>
           <a:p>
             <a:pPr marL="914400" lvl="1" indent="-457200">
@@ -3380,18 +3387,81 @@
             </a:pPr>
             <a:r>
               <a:rPr lang="en-US" altLang="zh-CN" dirty="0" smtClean="0"/>
-              <a:t>Detach</a:t>
-            </a:r>
-          </a:p>
-          <a:p>
-            <a:endParaRPr lang="zh-CN" altLang="en-US" dirty="0"/>
+              <a:t>Decrease the reference count of </a:t>
+            </a:r>
+            <a:r>
+              <a:rPr lang="en-US" altLang="zh-CN" dirty="0" err="1" smtClean="0"/>
+              <a:t>channel_ref_t</a:t>
+            </a:r>
+            <a:endParaRPr lang="en-US" altLang="zh-CN" dirty="0" smtClean="0"/>
+          </a:p>
+          <a:p>
+            <a:pPr marL="914400" lvl="1" indent="-457200">
+              <a:buFont typeface="+mj-lt"/>
+              <a:buAutoNum type="alphaLcPeriod"/>
+            </a:pPr>
+            <a:r>
+              <a:rPr lang="en-US" altLang="zh-CN" dirty="0" smtClean="0"/>
+              <a:t>Call the method when you don’t need this channel in current thread</a:t>
+            </a:r>
+          </a:p>
+          <a:p>
+            <a:r>
+              <a:rPr lang="en-US" altLang="zh-CN" dirty="0" err="1" smtClean="0"/>
+              <a:t>channel_ref_t</a:t>
+            </a:r>
+            <a:r>
+              <a:rPr lang="en-US" altLang="zh-CN" dirty="0" smtClean="0"/>
+              <a:t> can be destroyed when reference count reach to zero</a:t>
+            </a:r>
+          </a:p>
+          <a:p>
+            <a:r>
+              <a:rPr lang="en-US" altLang="zh-CN" dirty="0" err="1" smtClean="0"/>
+              <a:t>channel_ref_close</a:t>
+            </a:r>
+            <a:endParaRPr lang="en-US" altLang="zh-CN" dirty="0" smtClean="0"/>
+          </a:p>
+          <a:p>
+            <a:pPr marL="914400" lvl="1" indent="-457200">
+              <a:buFont typeface="+mj-lt"/>
+              <a:buAutoNum type="alphaLcPeriod"/>
+            </a:pPr>
+            <a:r>
+              <a:rPr lang="en-US" altLang="zh-CN" dirty="0" smtClean="0"/>
+              <a:t>Close channel and switch channel from active channel list to closed channel list</a:t>
+            </a:r>
+          </a:p>
+          <a:p>
+            <a:pPr marL="914400" lvl="1" indent="-457200">
+              <a:buFont typeface="+mj-lt"/>
+              <a:buAutoNum type="alphaLcPeriod"/>
+            </a:pPr>
+            <a:r>
+              <a:rPr lang="en-US" altLang="zh-CN" dirty="0" err="1"/>
+              <a:t>l</a:t>
+            </a:r>
+            <a:r>
+              <a:rPr lang="en-US" altLang="zh-CN" dirty="0" err="1" smtClean="0"/>
+              <a:t>oop_t</a:t>
+            </a:r>
+            <a:r>
+              <a:rPr lang="en-US" altLang="zh-CN" dirty="0" smtClean="0"/>
+              <a:t> iterate closed list periodically and destroy zero-reference channel</a:t>
+            </a:r>
+          </a:p>
+          <a:p>
+            <a:endParaRPr lang="en-US" altLang="zh-CN" dirty="0" smtClean="0"/>
+          </a:p>
+          <a:p>
+            <a:endParaRPr lang="en-US" altLang="zh-CN" dirty="0" smtClean="0"/>
           </a:p>
         </p:txBody>
       </p:sp>
     </p:spTree>
     <p:extLst>
       <p:ext uri="{BB962C8B-B14F-4D97-AF65-F5344CB8AC3E}">
-        <p14:creationId xmlns:p14="http://schemas.microsoft.com/office/powerpoint/2010/main" val="242591050"/>
+        <p14:creationId xmlns:p14="http://schemas.microsoft.com/office/powerpoint/2010/main" val="2048873816"/>
       </p:ext>
     </p:extLst>
   </p:cSld>
@@ -3435,40 +3505,93 @@
           <a:p>
             <a:r>
               <a:rPr lang="en-US" altLang="zh-CN" dirty="0" smtClean="0"/>
-              <a:t>Sample - Balancer</a:t>
+              <a:t>balancer</a:t>
             </a:r>
             <a:endParaRPr lang="zh-CN" altLang="en-US" dirty="0"/>
           </a:p>
         </p:txBody>
       </p:sp>
-      <p:pic>
-        <p:nvPicPr>
-          <p:cNvPr id="5" name="图片 4"/>
-          <p:cNvPicPr>
-            <a:picLocks noChangeAspect="1"/>
-          </p:cNvPicPr>
-          <p:nvPr/>
-        </p:nvPicPr>
-        <p:blipFill>
-          <a:blip r:embed="rId2"/>
-          <a:stretch>
-            <a:fillRect/>
-          </a:stretch>
-        </p:blipFill>
-        <p:spPr>
-          <a:xfrm>
-            <a:off x="838200" y="1876668"/>
-            <a:ext cx="9634415" cy="4274039"/>
-          </a:xfrm>
-          <a:prstGeom prst="rect">
-            <a:avLst/>
-          </a:prstGeom>
-        </p:spPr>
-      </p:pic>
+      <p:sp>
+        <p:nvSpPr>
+          <p:cNvPr id="3" name="内容占位符 2"/>
+          <p:cNvSpPr>
+            <a:spLocks noGrp="1"/>
+          </p:cNvSpPr>
+          <p:nvPr>
+            <p:ph idx="1"/>
+          </p:nvPr>
+        </p:nvSpPr>
+        <p:spPr/>
+        <p:txBody>
+          <a:bodyPr/>
+          <a:lstStyle/>
+          <a:p>
+            <a:r>
+              <a:rPr lang="en-US" altLang="zh-CN" dirty="0"/>
+              <a:t>The </a:t>
+            </a:r>
+            <a:r>
+              <a:rPr lang="en-US" altLang="zh-CN" dirty="0" smtClean="0"/>
+              <a:t>mediator of loops’ balance</a:t>
+            </a:r>
+          </a:p>
+          <a:p>
+            <a:r>
+              <a:rPr lang="en-US" altLang="zh-CN" dirty="0" smtClean="0"/>
+              <a:t>Dynamic load balancing</a:t>
+            </a:r>
+          </a:p>
+          <a:p>
+            <a:pPr marL="914400" lvl="1" indent="-457200">
+              <a:buFont typeface="+mj-lt"/>
+              <a:buAutoNum type="alphaLcPeriod"/>
+            </a:pPr>
+            <a:r>
+              <a:rPr lang="en-US" altLang="zh-CN" dirty="0" smtClean="0"/>
+              <a:t>Balance according to active channel count</a:t>
+            </a:r>
+          </a:p>
+          <a:p>
+            <a:r>
+              <a:rPr lang="en-US" altLang="zh-CN" dirty="0" smtClean="0"/>
+              <a:t>Balance accepted channels only</a:t>
+            </a:r>
+          </a:p>
+          <a:p>
+            <a:r>
+              <a:rPr lang="en-US" altLang="zh-CN" dirty="0" smtClean="0"/>
+              <a:t>Thread safety</a:t>
+            </a:r>
+          </a:p>
+          <a:p>
+            <a:pPr marL="914400" lvl="1" indent="-457200">
+              <a:buFont typeface="+mj-lt"/>
+              <a:buAutoNum type="alphaLcPeriod"/>
+            </a:pPr>
+            <a:r>
+              <a:rPr lang="en-US" altLang="zh-CN" dirty="0" smtClean="0"/>
+              <a:t>Attach</a:t>
+            </a:r>
+          </a:p>
+          <a:p>
+            <a:pPr marL="914400" lvl="1" indent="-457200">
+              <a:buFont typeface="+mj-lt"/>
+              <a:buAutoNum type="alphaLcPeriod"/>
+            </a:pPr>
+            <a:r>
+              <a:rPr lang="en-US" altLang="zh-CN" dirty="0" smtClean="0"/>
+              <a:t>Detach</a:t>
+            </a:r>
+          </a:p>
+          <a:p>
+            <a:endParaRPr lang="zh-CN" altLang="en-US" dirty="0"/>
+          </a:p>
+        </p:txBody>
+      </p:sp>
     </p:spTree>
     <p:extLst>
       <p:ext uri="{BB962C8B-B14F-4D97-AF65-F5344CB8AC3E}">
-        <p14:creationId xmlns:p14="http://schemas.microsoft.com/office/powerpoint/2010/main" val="3553078888"/>
+        <p14:creationId xmlns:p14="http://schemas.microsoft.com/office/powerpoint/2010/main" val="242591050"/>
       </p:ext>
     </p:extLst>
   </p:cSld>
@@ -3512,6 +3635,83 @@
           <a:p>
             <a:r>
               <a:rPr lang="en-US" altLang="zh-CN" dirty="0" smtClean="0"/>
+              <a:t>Sample - Balancer</a:t>
+            </a:r>
+            <a:endParaRPr lang="zh-CN" altLang="en-US" dirty="0"/>
+          </a:p>
+        </p:txBody>
+      </p:sp>
+      <p:pic>
+        <p:nvPicPr>
+          <p:cNvPr id="5" name="图片 4"/>
+          <p:cNvPicPr>
+            <a:picLocks noChangeAspect="1"/>
+          </p:cNvPicPr>
+          <p:nvPr/>
+        </p:nvPicPr>
+        <p:blipFill>
+          <a:blip r:embed="rId2"/>
+          <a:stretch>
+            <a:fillRect/>
+          </a:stretch>
+        </p:blipFill>
+        <p:spPr>
+          <a:xfrm>
+            <a:off x="838200" y="1876668"/>
+            <a:ext cx="9634415" cy="4274039"/>
+          </a:xfrm>
+          <a:prstGeom prst="rect">
+            <a:avLst/>
+          </a:prstGeom>
+        </p:spPr>
+      </p:pic>
+    </p:spTree>
+    <p:extLst>
+      <p:ext uri="{BB962C8B-B14F-4D97-AF65-F5344CB8AC3E}">
+        <p14:creationId xmlns:p14="http://schemas.microsoft.com/office/powerpoint/2010/main" val="3553078888"/>
+      </p:ext>
+    </p:extLst>
+  </p:cSld>
+  <p:clrMapOvr>
+    <a:masterClrMapping/>
+  </p:clrMapOvr>
+</p:sld>
+</file>
+
+<file path=ppt/slides/slide14.xml><?xml version="1.0" encoding="utf-8"?>
+<p:sld xmlns:a="http://schemas.openxmlformats.org/drawingml/2006/main" xmlns:r="http://schemas.openxmlformats.org/officeDocument/2006/relationships" xmlns:p="http://schemas.openxmlformats.org/presentationml/2006/main">
+  <p:cSld>
+    <p:spTree>
+      <p:nvGrpSpPr>
+        <p:cNvPr id="1" name=""/>
+        <p:cNvGrpSpPr/>
+        <p:nvPr/>
+      </p:nvGrpSpPr>
+      <p:grpSpPr>
+        <a:xfrm>
+          <a:off x="0" y="0"/>
+          <a:ext cx="0" cy="0"/>
+          <a:chOff x="0" y="0"/>
+          <a:chExt cx="0" cy="0"/>
+        </a:xfrm>
+      </p:grpSpPr>
+      <p:sp>
+        <p:nvSpPr>
+          <p:cNvPr id="2" name="标题 1"/>
+          <p:cNvSpPr>
+            <a:spLocks noGrp="1"/>
+          </p:cNvSpPr>
+          <p:nvPr>
+            <p:ph type="title"/>
+          </p:nvPr>
+        </p:nvSpPr>
+        <p:spPr/>
+        <p:txBody>
+          <a:bodyPr/>
+          <a:lstStyle/>
+          <a:p>
+            <a:r>
+              <a:rPr lang="en-US" altLang="zh-CN" dirty="0" smtClean="0"/>
               <a:t>RPC framework</a:t>
             </a:r>
             <a:endParaRPr lang="zh-CN" altLang="en-US" dirty="0"/>
@@ -3605,7 +3805,7 @@
 </p:sld>
 </file>
 
-<file path=ppt/slides/slide14.xml><?xml version="1.0" encoding="utf-8"?>
+<file path=ppt/slides/slide15.xml><?xml version="1.0" encoding="utf-8"?>
 <p:sld xmlns:a="http://schemas.openxmlformats.org/drawingml/2006/main" xmlns:r="http://schemas.openxmlformats.org/officeDocument/2006/relationships" xmlns:p="http://schemas.openxmlformats.org/presentationml/2006/main">
   <p:cSld>
     <p:spTree>
@@ -4483,7 +4683,7 @@
 </p:sld>
 </file>
 
-<file path=ppt/slides/slide15.xml><?xml version="1.0" encoding="utf-8"?>
+<file path=ppt/slides/slide16.xml><?xml version="1.0" encoding="utf-8"?>
 <p:sld xmlns:a="http://schemas.openxmlformats.org/drawingml/2006/main" xmlns:r="http://schemas.openxmlformats.org/officeDocument/2006/relationships" xmlns:p="http://schemas.openxmlformats.org/presentationml/2006/main">
   <p:cSld>
     <p:spTree>
@@ -4969,219 +5169,6 @@
     <p:extLst>
       <p:ext uri="{BB962C8B-B14F-4D97-AF65-F5344CB8AC3E}">
         <p14:creationId xmlns:p14="http://schemas.microsoft.com/office/powerpoint/2010/main" val="3348104257"/>
-      </p:ext>
-    </p:extLst>
-  </p:cSld>
-  <p:clrMapOvr>
-    <a:masterClrMapping/>
-  </p:clrMapOvr>
-</p:sld>
-</file>
-
-<file path=ppt/slides/slide16.xml><?xml version="1.0" encoding="utf-8"?>
-<p:sld xmlns:a="http://schemas.openxmlformats.org/drawingml/2006/main" xmlns:r="http://schemas.openxmlformats.org/officeDocument/2006/relationships" xmlns:p="http://schemas.openxmlformats.org/presentationml/2006/main">
-  <p:cSld>
-    <p:spTree>
-      <p:nvGrpSpPr>
-        <p:cNvPr id="1" name=""/>
-        <p:cNvGrpSpPr/>
-        <p:nvPr/>
-      </p:nvGrpSpPr>
-      <p:grpSpPr>
-        <a:xfrm>
-          <a:off x="0" y="0"/>
-          <a:ext cx="0" cy="0"/>
-          <a:chOff x="0" y="0"/>
-          <a:chExt cx="0" cy="0"/>
-        </a:xfrm>
-      </p:grpSpPr>
-      <p:sp>
-        <p:nvSpPr>
-          <p:cNvPr id="2" name="标题 1"/>
-          <p:cNvSpPr>
-            <a:spLocks noGrp="1"/>
-          </p:cNvSpPr>
-          <p:nvPr>
-            <p:ph type="title"/>
-          </p:nvPr>
-        </p:nvSpPr>
-        <p:spPr/>
-        <p:txBody>
-          <a:bodyPr/>
-          <a:lstStyle/>
-          <a:p>
-            <a:r>
-              <a:rPr lang="en-US" altLang="zh-CN" dirty="0" smtClean="0"/>
-              <a:t>RPC - Comment</a:t>
-            </a:r>
-            <a:endParaRPr lang="zh-CN" altLang="en-US" dirty="0"/>
-          </a:p>
-        </p:txBody>
-      </p:sp>
-      <p:pic>
-        <p:nvPicPr>
-          <p:cNvPr id="4" name="图片 3"/>
-          <p:cNvPicPr>
-            <a:picLocks noChangeAspect="1"/>
-          </p:cNvPicPr>
-          <p:nvPr/>
-        </p:nvPicPr>
-        <p:blipFill>
-          <a:blip r:embed="rId2"/>
-          <a:stretch>
-            <a:fillRect/>
-          </a:stretch>
-        </p:blipFill>
-        <p:spPr>
-          <a:xfrm>
-            <a:off x="838199" y="1690688"/>
-            <a:ext cx="9618785" cy="4366235"/>
-          </a:xfrm>
-          <a:prstGeom prst="rect">
-            <a:avLst/>
-          </a:prstGeom>
-        </p:spPr>
-      </p:pic>
-      <p:sp>
-        <p:nvSpPr>
-          <p:cNvPr id="5" name="文本框 4"/>
-          <p:cNvSpPr txBox="1"/>
-          <p:nvPr/>
-        </p:nvSpPr>
-        <p:spPr>
-          <a:xfrm>
-            <a:off x="3673231" y="2243016"/>
-            <a:ext cx="2110962" cy="369332"/>
-          </a:xfrm>
-          <a:prstGeom prst="rect">
-            <a:avLst/>
-          </a:prstGeom>
-          <a:noFill/>
-        </p:spPr>
-        <p:txBody>
-          <a:bodyPr wrap="none" rtlCol="0">
-            <a:spAutoFit/>
-          </a:bodyPr>
-          <a:lstStyle/>
-          <a:p>
-            <a:r>
-              <a:rPr lang="en-US" altLang="zh-CN" dirty="0" smtClean="0"/>
-              <a:t>Comment of .</a:t>
-            </a:r>
-            <a:r>
-              <a:rPr lang="en-US" altLang="zh-CN" dirty="0" err="1" smtClean="0"/>
-              <a:t>rpc</a:t>
-            </a:r>
-            <a:r>
-              <a:rPr lang="en-US" altLang="zh-CN" dirty="0" smtClean="0"/>
-              <a:t> file</a:t>
-            </a:r>
-            <a:endParaRPr lang="zh-CN" altLang="en-US" dirty="0"/>
-          </a:p>
-        </p:txBody>
-      </p:sp>
-      <p:cxnSp>
-        <p:nvCxnSpPr>
-          <p:cNvPr id="7" name="直接箭头连接符 6"/>
-          <p:cNvCxnSpPr/>
-          <p:nvPr/>
-        </p:nvCxnSpPr>
-        <p:spPr>
-          <a:xfrm flipH="1">
-            <a:off x="3055815" y="2427682"/>
-            <a:ext cx="617416" cy="0"/>
-          </a:xfrm>
-          <a:prstGeom prst="straightConnector1">
-            <a:avLst/>
-          </a:prstGeom>
-          <a:ln>
-            <a:tailEnd type="triangle"/>
-          </a:ln>
-        </p:spPr>
-        <p:style>
-          <a:lnRef idx="1">
-            <a:schemeClr val="accent1"/>
-          </a:lnRef>
-          <a:fillRef idx="0">
-            <a:schemeClr val="accent1"/>
-          </a:fillRef>
-          <a:effectRef idx="0">
-            <a:schemeClr val="accent1"/>
-          </a:effectRef>
-          <a:fontRef idx="minor">
-            <a:schemeClr val="tx1"/>
-          </a:fontRef>
-        </p:style>
-      </p:cxnSp>
-      <p:sp>
-        <p:nvSpPr>
-          <p:cNvPr id="8" name="文本框 7"/>
-          <p:cNvSpPr txBox="1"/>
-          <p:nvPr/>
-        </p:nvSpPr>
-        <p:spPr>
-          <a:xfrm>
-            <a:off x="3833446" y="3630246"/>
-            <a:ext cx="2870979" cy="369332"/>
-          </a:xfrm>
-          <a:prstGeom prst="rect">
-            <a:avLst/>
-          </a:prstGeom>
-          <a:noFill/>
-        </p:spPr>
-        <p:txBody>
-          <a:bodyPr wrap="none" rtlCol="0">
-            <a:spAutoFit/>
-          </a:bodyPr>
-          <a:lstStyle/>
-          <a:p>
-            <a:r>
-              <a:rPr lang="en-US" altLang="zh-CN" dirty="0" smtClean="0"/>
-              <a:t>Comment of target language</a:t>
-            </a:r>
-            <a:endParaRPr lang="zh-CN" altLang="en-US" dirty="0"/>
-          </a:p>
-        </p:txBody>
-      </p:sp>
-      <p:cxnSp>
-        <p:nvCxnSpPr>
-          <p:cNvPr id="10" name="直接箭头连接符 9"/>
-          <p:cNvCxnSpPr>
-            <a:stCxn id="8" idx="0"/>
-          </p:cNvCxnSpPr>
-          <p:nvPr/>
-        </p:nvCxnSpPr>
-        <p:spPr>
-          <a:xfrm flipH="1" flipV="1">
-            <a:off x="3833447" y="3274646"/>
-            <a:ext cx="1435489" cy="355600"/>
-          </a:xfrm>
-          <a:prstGeom prst="straightConnector1">
-            <a:avLst/>
-          </a:prstGeom>
-          <a:ln>
-            <a:tailEnd type="triangle"/>
-          </a:ln>
-        </p:spPr>
-        <p:style>
-          <a:lnRef idx="1">
-            <a:schemeClr val="accent1"/>
-          </a:lnRef>
-          <a:fillRef idx="0">
-            <a:schemeClr val="accent1"/>
-          </a:fillRef>
-          <a:effectRef idx="0">
-            <a:schemeClr val="accent1"/>
-          </a:effectRef>
-          <a:fontRef idx="minor">
-            <a:schemeClr val="tx1"/>
-          </a:fontRef>
-        </p:style>
-      </p:cxnSp>
-    </p:spTree>
-    <p:extLst>
-      <p:ext uri="{BB962C8B-B14F-4D97-AF65-F5344CB8AC3E}">
-        <p14:creationId xmlns:p14="http://schemas.microsoft.com/office/powerpoint/2010/main" val="2935561267"/>
       </p:ext>
     </p:extLst>
   </p:cSld>
@@ -5225,6 +5212,219 @@
           <a:p>
             <a:r>
               <a:rPr lang="en-US" altLang="zh-CN" dirty="0" smtClean="0"/>
+              <a:t>RPC - Comment</a:t>
+            </a:r>
+            <a:endParaRPr lang="zh-CN" altLang="en-US" dirty="0"/>
+          </a:p>
+        </p:txBody>
+      </p:sp>
+      <p:pic>
+        <p:nvPicPr>
+          <p:cNvPr id="4" name="图片 3"/>
+          <p:cNvPicPr>
+            <a:picLocks noChangeAspect="1"/>
+          </p:cNvPicPr>
+          <p:nvPr/>
+        </p:nvPicPr>
+        <p:blipFill>
+          <a:blip r:embed="rId2"/>
+          <a:stretch>
+            <a:fillRect/>
+          </a:stretch>
+        </p:blipFill>
+        <p:spPr>
+          <a:xfrm>
+            <a:off x="838199" y="1690688"/>
+            <a:ext cx="9618785" cy="4366235"/>
+          </a:xfrm>
+          <a:prstGeom prst="rect">
+            <a:avLst/>
+          </a:prstGeom>
+        </p:spPr>
+      </p:pic>
+      <p:sp>
+        <p:nvSpPr>
+          <p:cNvPr id="5" name="文本框 4"/>
+          <p:cNvSpPr txBox="1"/>
+          <p:nvPr/>
+        </p:nvSpPr>
+        <p:spPr>
+          <a:xfrm>
+            <a:off x="3673231" y="2243016"/>
+            <a:ext cx="2110962" cy="369332"/>
+          </a:xfrm>
+          <a:prstGeom prst="rect">
+            <a:avLst/>
+          </a:prstGeom>
+          <a:noFill/>
+        </p:spPr>
+        <p:txBody>
+          <a:bodyPr wrap="none" rtlCol="0">
+            <a:spAutoFit/>
+          </a:bodyPr>
+          <a:lstStyle/>
+          <a:p>
+            <a:r>
+              <a:rPr lang="en-US" altLang="zh-CN" dirty="0" smtClean="0"/>
+              <a:t>Comment of .</a:t>
+            </a:r>
+            <a:r>
+              <a:rPr lang="en-US" altLang="zh-CN" dirty="0" err="1" smtClean="0"/>
+              <a:t>rpc</a:t>
+            </a:r>
+            <a:r>
+              <a:rPr lang="en-US" altLang="zh-CN" dirty="0" smtClean="0"/>
+              <a:t> file</a:t>
+            </a:r>
+            <a:endParaRPr lang="zh-CN" altLang="en-US" dirty="0"/>
+          </a:p>
+        </p:txBody>
+      </p:sp>
+      <p:cxnSp>
+        <p:nvCxnSpPr>
+          <p:cNvPr id="7" name="直接箭头连接符 6"/>
+          <p:cNvCxnSpPr/>
+          <p:nvPr/>
+        </p:nvCxnSpPr>
+        <p:spPr>
+          <a:xfrm flipH="1">
+            <a:off x="3055815" y="2427682"/>
+            <a:ext cx="617416" cy="0"/>
+          </a:xfrm>
+          <a:prstGeom prst="straightConnector1">
+            <a:avLst/>
+          </a:prstGeom>
+          <a:ln>
+            <a:tailEnd type="triangle"/>
+          </a:ln>
+        </p:spPr>
+        <p:style>
+          <a:lnRef idx="1">
+            <a:schemeClr val="accent1"/>
+          </a:lnRef>
+          <a:fillRef idx="0">
+            <a:schemeClr val="accent1"/>
+          </a:fillRef>
+          <a:effectRef idx="0">
+            <a:schemeClr val="accent1"/>
+          </a:effectRef>
+          <a:fontRef idx="minor">
+            <a:schemeClr val="tx1"/>
+          </a:fontRef>
+        </p:style>
+      </p:cxnSp>
+      <p:sp>
+        <p:nvSpPr>
+          <p:cNvPr id="8" name="文本框 7"/>
+          <p:cNvSpPr txBox="1"/>
+          <p:nvPr/>
+        </p:nvSpPr>
+        <p:spPr>
+          <a:xfrm>
+            <a:off x="3833446" y="3630246"/>
+            <a:ext cx="2870979" cy="369332"/>
+          </a:xfrm>
+          <a:prstGeom prst="rect">
+            <a:avLst/>
+          </a:prstGeom>
+          <a:noFill/>
+        </p:spPr>
+        <p:txBody>
+          <a:bodyPr wrap="none" rtlCol="0">
+            <a:spAutoFit/>
+          </a:bodyPr>
+          <a:lstStyle/>
+          <a:p>
+            <a:r>
+              <a:rPr lang="en-US" altLang="zh-CN" dirty="0" smtClean="0"/>
+              <a:t>Comment of target language</a:t>
+            </a:r>
+            <a:endParaRPr lang="zh-CN" altLang="en-US" dirty="0"/>
+          </a:p>
+        </p:txBody>
+      </p:sp>
+      <p:cxnSp>
+        <p:nvCxnSpPr>
+          <p:cNvPr id="10" name="直接箭头连接符 9"/>
+          <p:cNvCxnSpPr>
+            <a:stCxn id="8" idx="0"/>
+          </p:cNvCxnSpPr>
+          <p:nvPr/>
+        </p:nvCxnSpPr>
+        <p:spPr>
+          <a:xfrm flipH="1" flipV="1">
+            <a:off x="3833447" y="3274646"/>
+            <a:ext cx="1435489" cy="355600"/>
+          </a:xfrm>
+          <a:prstGeom prst="straightConnector1">
+            <a:avLst/>
+          </a:prstGeom>
+          <a:ln>
+            <a:tailEnd type="triangle"/>
+          </a:ln>
+        </p:spPr>
+        <p:style>
+          <a:lnRef idx="1">
+            <a:schemeClr val="accent1"/>
+          </a:lnRef>
+          <a:fillRef idx="0">
+            <a:schemeClr val="accent1"/>
+          </a:fillRef>
+          <a:effectRef idx="0">
+            <a:schemeClr val="accent1"/>
+          </a:effectRef>
+          <a:fontRef idx="minor">
+            <a:schemeClr val="tx1"/>
+          </a:fontRef>
+        </p:style>
+      </p:cxnSp>
+    </p:spTree>
+    <p:extLst>
+      <p:ext uri="{BB962C8B-B14F-4D97-AF65-F5344CB8AC3E}">
+        <p14:creationId xmlns:p14="http://schemas.microsoft.com/office/powerpoint/2010/main" val="2935561267"/>
+      </p:ext>
+    </p:extLst>
+  </p:cSld>
+  <p:clrMapOvr>
+    <a:masterClrMapping/>
+  </p:clrMapOvr>
+</p:sld>
+</file>
+
+<file path=ppt/slides/slide18.xml><?xml version="1.0" encoding="utf-8"?>
+<p:sld xmlns:a="http://schemas.openxmlformats.org/drawingml/2006/main" xmlns:r="http://schemas.openxmlformats.org/officeDocument/2006/relationships" xmlns:p="http://schemas.openxmlformats.org/presentationml/2006/main">
+  <p:cSld>
+    <p:spTree>
+      <p:nvGrpSpPr>
+        <p:cNvPr id="1" name=""/>
+        <p:cNvGrpSpPr/>
+        <p:nvPr/>
+      </p:nvGrpSpPr>
+      <p:grpSpPr>
+        <a:xfrm>
+          <a:off x="0" y="0"/>
+          <a:ext cx="0" cy="0"/>
+          <a:chOff x="0" y="0"/>
+          <a:chExt cx="0" cy="0"/>
+        </a:xfrm>
+      </p:grpSpPr>
+      <p:sp>
+        <p:nvSpPr>
+          <p:cNvPr id="2" name="标题 1"/>
+          <p:cNvSpPr>
+            <a:spLocks noGrp="1"/>
+          </p:cNvSpPr>
+          <p:nvPr>
+            <p:ph type="title"/>
+          </p:nvPr>
+        </p:nvSpPr>
+        <p:spPr/>
+        <p:txBody>
+          <a:bodyPr/>
+          <a:lstStyle/>
+          <a:p>
+            <a:r>
+              <a:rPr lang="en-US" altLang="zh-CN" dirty="0" smtClean="0"/>
               <a:t>RPC code generating</a:t>
             </a:r>
             <a:endParaRPr lang="zh-CN" altLang="en-US" dirty="0"/>
@@ -5360,352 +5560,6 @@
 </p:sld>
 </file>
 
-<file path=ppt/slides/slide18.xml><?xml version="1.0" encoding="utf-8"?>
-<p:sld xmlns:a="http://schemas.openxmlformats.org/drawingml/2006/main" xmlns:r="http://schemas.openxmlformats.org/officeDocument/2006/relationships" xmlns:p="http://schemas.openxmlformats.org/presentationml/2006/main">
-  <p:cSld>
-    <p:spTree>
-      <p:nvGrpSpPr>
-        <p:cNvPr id="1" name=""/>
-        <p:cNvGrpSpPr/>
-        <p:nvPr/>
-      </p:nvGrpSpPr>
-      <p:grpSpPr>
-        <a:xfrm>
-          <a:off x="0" y="0"/>
-          <a:ext cx="0" cy="0"/>
-          <a:chOff x="0" y="0"/>
-          <a:chExt cx="0" cy="0"/>
-        </a:xfrm>
-      </p:grpSpPr>
-      <p:sp>
-        <p:nvSpPr>
-          <p:cNvPr id="2" name="标题 1"/>
-          <p:cNvSpPr>
-            <a:spLocks noGrp="1"/>
-          </p:cNvSpPr>
-          <p:nvPr>
-            <p:ph type="title"/>
-          </p:nvPr>
-        </p:nvSpPr>
-        <p:spPr/>
-        <p:txBody>
-          <a:bodyPr/>
-          <a:lstStyle/>
-          <a:p>
-            <a:r>
-              <a:rPr lang="en-US" altLang="zh-CN" dirty="0" smtClean="0"/>
-              <a:t>Sample – RPC entry class</a:t>
-            </a:r>
-            <a:endParaRPr lang="zh-CN" altLang="en-US" dirty="0"/>
-          </a:p>
-        </p:txBody>
-      </p:sp>
-      <p:pic>
-        <p:nvPicPr>
-          <p:cNvPr id="4" name="图片 3"/>
-          <p:cNvPicPr>
-            <a:picLocks noChangeAspect="1"/>
-          </p:cNvPicPr>
-          <p:nvPr/>
-        </p:nvPicPr>
-        <p:blipFill>
-          <a:blip r:embed="rId2"/>
-          <a:stretch>
-            <a:fillRect/>
-          </a:stretch>
-        </p:blipFill>
-        <p:spPr>
-          <a:xfrm>
-            <a:off x="838200" y="1690688"/>
-            <a:ext cx="9564077" cy="4749189"/>
-          </a:xfrm>
-          <a:prstGeom prst="rect">
-            <a:avLst/>
-          </a:prstGeom>
-        </p:spPr>
-      </p:pic>
-      <p:sp>
-        <p:nvSpPr>
-          <p:cNvPr id="5" name="右大括号 4"/>
-          <p:cNvSpPr/>
-          <p:nvPr/>
-        </p:nvSpPr>
-        <p:spPr>
-          <a:xfrm>
-            <a:off x="7369908" y="3121241"/>
-            <a:ext cx="273539" cy="520728"/>
-          </a:xfrm>
-          <a:prstGeom prst="rightBrace">
-            <a:avLst/>
-          </a:prstGeom>
-        </p:spPr>
-        <p:style>
-          <a:lnRef idx="1">
-            <a:schemeClr val="accent1"/>
-          </a:lnRef>
-          <a:fillRef idx="0">
-            <a:schemeClr val="accent1"/>
-          </a:fillRef>
-          <a:effectRef idx="0">
-            <a:schemeClr val="accent1"/>
-          </a:effectRef>
-          <a:fontRef idx="minor">
-            <a:schemeClr val="tx1"/>
-          </a:fontRef>
-        </p:style>
-        <p:txBody>
-          <a:bodyPr rtlCol="0" anchor="ctr"/>
-          <a:lstStyle/>
-          <a:p>
-            <a:pPr algn="ctr"/>
-            <a:endParaRPr lang="zh-CN" altLang="en-US"/>
-          </a:p>
-        </p:txBody>
-      </p:sp>
-      <p:sp>
-        <p:nvSpPr>
-          <p:cNvPr id="6" name="文本框 5"/>
-          <p:cNvSpPr txBox="1"/>
-          <p:nvPr/>
-        </p:nvSpPr>
-        <p:spPr>
-          <a:xfrm>
-            <a:off x="7622531" y="3191576"/>
-            <a:ext cx="1345625" cy="369332"/>
-          </a:xfrm>
-          <a:prstGeom prst="rect">
-            <a:avLst/>
-          </a:prstGeom>
-          <a:noFill/>
-        </p:spPr>
-        <p:txBody>
-          <a:bodyPr wrap="none" rtlCol="0">
-            <a:spAutoFit/>
-          </a:bodyPr>
-          <a:lstStyle/>
-          <a:p>
-            <a:r>
-              <a:rPr lang="en-US" altLang="zh-CN" dirty="0" smtClean="0"/>
-              <a:t>RPC method</a:t>
-            </a:r>
-            <a:endParaRPr lang="zh-CN" altLang="en-US" dirty="0"/>
-          </a:p>
-        </p:txBody>
-      </p:sp>
-      <p:sp>
-        <p:nvSpPr>
-          <p:cNvPr id="7" name="文本框 6"/>
-          <p:cNvSpPr txBox="1"/>
-          <p:nvPr/>
-        </p:nvSpPr>
-        <p:spPr>
-          <a:xfrm>
-            <a:off x="3911601" y="2451572"/>
-            <a:ext cx="1043619" cy="369332"/>
-          </a:xfrm>
-          <a:prstGeom prst="rect">
-            <a:avLst/>
-          </a:prstGeom>
-          <a:noFill/>
-        </p:spPr>
-        <p:txBody>
-          <a:bodyPr wrap="none" rtlCol="0">
-            <a:spAutoFit/>
-          </a:bodyPr>
-          <a:lstStyle/>
-          <a:p>
-            <a:r>
-              <a:rPr lang="en-US" altLang="zh-CN" dirty="0" smtClean="0"/>
-              <a:t>singleton</a:t>
-            </a:r>
-            <a:endParaRPr lang="zh-CN" altLang="en-US" dirty="0"/>
-          </a:p>
-        </p:txBody>
-      </p:sp>
-      <p:sp>
-        <p:nvSpPr>
-          <p:cNvPr id="12" name="右大括号 11"/>
-          <p:cNvSpPr/>
-          <p:nvPr/>
-        </p:nvSpPr>
-        <p:spPr>
-          <a:xfrm>
-            <a:off x="3638062" y="2516553"/>
-            <a:ext cx="273539" cy="304351"/>
-          </a:xfrm>
-          <a:prstGeom prst="rightBrace">
-            <a:avLst/>
-          </a:prstGeom>
-        </p:spPr>
-        <p:style>
-          <a:lnRef idx="1">
-            <a:schemeClr val="accent1"/>
-          </a:lnRef>
-          <a:fillRef idx="0">
-            <a:schemeClr val="accent1"/>
-          </a:fillRef>
-          <a:effectRef idx="0">
-            <a:schemeClr val="accent1"/>
-          </a:effectRef>
-          <a:fontRef idx="minor">
-            <a:schemeClr val="tx1"/>
-          </a:fontRef>
-        </p:style>
-        <p:txBody>
-          <a:bodyPr rtlCol="0" anchor="ctr"/>
-          <a:lstStyle/>
-          <a:p>
-            <a:pPr algn="ctr"/>
-            <a:endParaRPr lang="zh-CN" altLang="en-US"/>
-          </a:p>
-        </p:txBody>
-      </p:sp>
-      <p:sp>
-        <p:nvSpPr>
-          <p:cNvPr id="13" name="文本框 12"/>
-          <p:cNvSpPr txBox="1"/>
-          <p:nvPr/>
-        </p:nvSpPr>
-        <p:spPr>
-          <a:xfrm>
-            <a:off x="5044028" y="2690943"/>
-            <a:ext cx="2111347" cy="369332"/>
-          </a:xfrm>
-          <a:prstGeom prst="rect">
-            <a:avLst/>
-          </a:prstGeom>
-          <a:noFill/>
-        </p:spPr>
-        <p:txBody>
-          <a:bodyPr wrap="none" rtlCol="0">
-            <a:spAutoFit/>
-          </a:bodyPr>
-          <a:lstStyle/>
-          <a:p>
-            <a:r>
-              <a:rPr lang="en-US" altLang="zh-CN" dirty="0" smtClean="0"/>
-              <a:t>RPC process method</a:t>
-            </a:r>
-            <a:endParaRPr lang="zh-CN" altLang="en-US" dirty="0"/>
-          </a:p>
-        </p:txBody>
-      </p:sp>
-      <p:cxnSp>
-        <p:nvCxnSpPr>
-          <p:cNvPr id="15" name="直接箭头连接符 14"/>
-          <p:cNvCxnSpPr>
-            <a:stCxn id="13" idx="1"/>
-          </p:cNvCxnSpPr>
-          <p:nvPr/>
-        </p:nvCxnSpPr>
-        <p:spPr>
-          <a:xfrm flipH="1">
-            <a:off x="3556000" y="2875609"/>
-            <a:ext cx="1488028" cy="109865"/>
-          </a:xfrm>
-          <a:prstGeom prst="straightConnector1">
-            <a:avLst/>
-          </a:prstGeom>
-          <a:ln>
-            <a:tailEnd type="triangle"/>
-          </a:ln>
-        </p:spPr>
-        <p:style>
-          <a:lnRef idx="1">
-            <a:schemeClr val="accent1"/>
-          </a:lnRef>
-          <a:fillRef idx="0">
-            <a:schemeClr val="accent1"/>
-          </a:fillRef>
-          <a:effectRef idx="0">
-            <a:schemeClr val="accent1"/>
-          </a:effectRef>
-          <a:fontRef idx="minor">
-            <a:schemeClr val="tx1"/>
-          </a:fontRef>
-        </p:style>
-      </p:cxnSp>
-      <p:sp>
-        <p:nvSpPr>
-          <p:cNvPr id="17" name="右大括号 16"/>
-          <p:cNvSpPr/>
-          <p:nvPr/>
-        </p:nvSpPr>
-        <p:spPr>
-          <a:xfrm>
-            <a:off x="4433410" y="5724537"/>
-            <a:ext cx="273539" cy="520728"/>
-          </a:xfrm>
-          <a:prstGeom prst="rightBrace">
-            <a:avLst/>
-          </a:prstGeom>
-        </p:spPr>
-        <p:style>
-          <a:lnRef idx="1">
-            <a:schemeClr val="accent1"/>
-          </a:lnRef>
-          <a:fillRef idx="0">
-            <a:schemeClr val="accent1"/>
-          </a:fillRef>
-          <a:effectRef idx="0">
-            <a:schemeClr val="accent1"/>
-          </a:effectRef>
-          <a:fontRef idx="minor">
-            <a:schemeClr val="tx1"/>
-          </a:fontRef>
-        </p:style>
-        <p:txBody>
-          <a:bodyPr rtlCol="0" anchor="ctr"/>
-          <a:lstStyle/>
-          <a:p>
-            <a:pPr algn="ctr"/>
-            <a:endParaRPr lang="zh-CN" altLang="en-US"/>
-          </a:p>
-        </p:txBody>
-      </p:sp>
-      <p:sp>
-        <p:nvSpPr>
-          <p:cNvPr id="18" name="文本框 17"/>
-          <p:cNvSpPr txBox="1"/>
-          <p:nvPr/>
-        </p:nvSpPr>
-        <p:spPr>
-          <a:xfrm>
-            <a:off x="4706949" y="5800235"/>
-            <a:ext cx="3269678" cy="369332"/>
-          </a:xfrm>
-          <a:prstGeom prst="rect">
-            <a:avLst/>
-          </a:prstGeom>
-          <a:noFill/>
-        </p:spPr>
-        <p:txBody>
-          <a:bodyPr wrap="none" rtlCol="0">
-            <a:spAutoFit/>
-          </a:bodyPr>
-          <a:lstStyle/>
-          <a:p>
-            <a:r>
-              <a:rPr lang="en-US" altLang="zh-CN" dirty="0" smtClean="0"/>
-              <a:t>Helper macro of singleton access</a:t>
-            </a:r>
-            <a:endParaRPr lang="zh-CN" altLang="en-US" dirty="0"/>
-          </a:p>
-        </p:txBody>
-      </p:sp>
-    </p:spTree>
-    <p:extLst>
-      <p:ext uri="{BB962C8B-B14F-4D97-AF65-F5344CB8AC3E}">
-        <p14:creationId xmlns:p14="http://schemas.microsoft.com/office/powerpoint/2010/main" val="356892155"/>
-      </p:ext>
-    </p:extLst>
-  </p:cSld>
-  <p:clrMapOvr>
-    <a:masterClrMapping/>
-  </p:clrMapOvr>
-</p:sld>
-</file>
-
 <file path=ppt/slides/slide19.xml><?xml version="1.0" encoding="utf-8"?>
 <p:sld xmlns:a="http://schemas.openxmlformats.org/drawingml/2006/main" xmlns:r="http://schemas.openxmlformats.org/officeDocument/2006/relationships" xmlns:p="http://schemas.openxmlformats.org/presentationml/2006/main">
   <p:cSld>
@@ -5740,50 +5594,300 @@
           <a:p>
             <a:r>
               <a:rPr lang="en-US" altLang="zh-CN" dirty="0" smtClean="0"/>
-              <a:t>Thanks</a:t>
+              <a:t>Sample – RPC entry class</a:t>
             </a:r>
             <a:endParaRPr lang="zh-CN" altLang="en-US" dirty="0"/>
           </a:p>
         </p:txBody>
       </p:sp>
-      <p:sp>
-        <p:nvSpPr>
-          <p:cNvPr id="3" name="内容占位符 2"/>
-          <p:cNvSpPr>
-            <a:spLocks noGrp="1"/>
-          </p:cNvSpPr>
-          <p:nvPr>
-            <p:ph idx="1"/>
-          </p:nvPr>
-        </p:nvSpPr>
-        <p:spPr/>
-        <p:txBody>
-          <a:bodyPr/>
-          <a:lstStyle/>
-          <a:p>
-            <a:r>
-              <a:rPr lang="en-US" altLang="zh-CN" dirty="0" smtClean="0">
-                <a:hlinkClick r:id="rId2"/>
-              </a:rPr>
-              <a:t>https://github.com/dennis-kk/knet</a:t>
-            </a:r>
-            <a:endParaRPr lang="en-US" altLang="zh-CN" dirty="0" smtClean="0"/>
-          </a:p>
-          <a:p>
-            <a:r>
-              <a:rPr lang="en-US" altLang="zh-CN" dirty="0" smtClean="0">
-                <a:hlinkClick r:id="rId3"/>
-              </a:rPr>
-              <a:t>https://github.com/dennis-kk/knet/tree/master/examples</a:t>
-            </a:r>
-            <a:endParaRPr lang="en-US" altLang="zh-CN" dirty="0" smtClean="0"/>
-          </a:p>
-          <a:p>
-            <a:r>
-              <a:rPr lang="en-US" altLang="zh-CN" dirty="0" smtClean="0">
-                <a:hlinkClick r:id="rId4"/>
-              </a:rPr>
-              <a:t>https://github.com/dennis-kk/knet/tree/master/krpc/examples</a:t>
+      <p:pic>
+        <p:nvPicPr>
+          <p:cNvPr id="4" name="图片 3"/>
+          <p:cNvPicPr>
+            <a:picLocks noChangeAspect="1"/>
+          </p:cNvPicPr>
+          <p:nvPr/>
+        </p:nvPicPr>
+        <p:blipFill>
+          <a:blip r:embed="rId2"/>
+          <a:stretch>
+            <a:fillRect/>
+          </a:stretch>
+        </p:blipFill>
+        <p:spPr>
+          <a:xfrm>
+            <a:off x="838200" y="1690688"/>
+            <a:ext cx="9564077" cy="4749189"/>
+          </a:xfrm>
+          <a:prstGeom prst="rect">
+            <a:avLst/>
+          </a:prstGeom>
+        </p:spPr>
+      </p:pic>
+      <p:sp>
+        <p:nvSpPr>
+          <p:cNvPr id="5" name="右大括号 4"/>
+          <p:cNvSpPr/>
+          <p:nvPr/>
+        </p:nvSpPr>
+        <p:spPr>
+          <a:xfrm>
+            <a:off x="7369908" y="3121241"/>
+            <a:ext cx="273539" cy="520728"/>
+          </a:xfrm>
+          <a:prstGeom prst="rightBrace">
+            <a:avLst/>
+          </a:prstGeom>
+        </p:spPr>
+        <p:style>
+          <a:lnRef idx="1">
+            <a:schemeClr val="accent1"/>
+          </a:lnRef>
+          <a:fillRef idx="0">
+            <a:schemeClr val="accent1"/>
+          </a:fillRef>
+          <a:effectRef idx="0">
+            <a:schemeClr val="accent1"/>
+          </a:effectRef>
+          <a:fontRef idx="minor">
+            <a:schemeClr val="tx1"/>
+          </a:fontRef>
+        </p:style>
+        <p:txBody>
+          <a:bodyPr rtlCol="0" anchor="ctr"/>
+          <a:lstStyle/>
+          <a:p>
+            <a:pPr algn="ctr"/>
+            <a:endParaRPr lang="zh-CN" altLang="en-US"/>
+          </a:p>
+        </p:txBody>
+      </p:sp>
+      <p:sp>
+        <p:nvSpPr>
+          <p:cNvPr id="6" name="文本框 5"/>
+          <p:cNvSpPr txBox="1"/>
+          <p:nvPr/>
+        </p:nvSpPr>
+        <p:spPr>
+          <a:xfrm>
+            <a:off x="7622531" y="3191576"/>
+            <a:ext cx="1345625" cy="369332"/>
+          </a:xfrm>
+          <a:prstGeom prst="rect">
+            <a:avLst/>
+          </a:prstGeom>
+          <a:noFill/>
+        </p:spPr>
+        <p:txBody>
+          <a:bodyPr wrap="none" rtlCol="0">
+            <a:spAutoFit/>
+          </a:bodyPr>
+          <a:lstStyle/>
+          <a:p>
+            <a:r>
+              <a:rPr lang="en-US" altLang="zh-CN" dirty="0" smtClean="0"/>
+              <a:t>RPC method</a:t>
+            </a:r>
+            <a:endParaRPr lang="zh-CN" altLang="en-US" dirty="0"/>
+          </a:p>
+        </p:txBody>
+      </p:sp>
+      <p:sp>
+        <p:nvSpPr>
+          <p:cNvPr id="7" name="文本框 6"/>
+          <p:cNvSpPr txBox="1"/>
+          <p:nvPr/>
+        </p:nvSpPr>
+        <p:spPr>
+          <a:xfrm>
+            <a:off x="3911601" y="2451572"/>
+            <a:ext cx="1043619" cy="369332"/>
+          </a:xfrm>
+          <a:prstGeom prst="rect">
+            <a:avLst/>
+          </a:prstGeom>
+          <a:noFill/>
+        </p:spPr>
+        <p:txBody>
+          <a:bodyPr wrap="none" rtlCol="0">
+            <a:spAutoFit/>
+          </a:bodyPr>
+          <a:lstStyle/>
+          <a:p>
+            <a:r>
+              <a:rPr lang="en-US" altLang="zh-CN" dirty="0" smtClean="0"/>
+              <a:t>singleton</a:t>
+            </a:r>
+            <a:endParaRPr lang="zh-CN" altLang="en-US" dirty="0"/>
+          </a:p>
+        </p:txBody>
+      </p:sp>
+      <p:sp>
+        <p:nvSpPr>
+          <p:cNvPr id="12" name="右大括号 11"/>
+          <p:cNvSpPr/>
+          <p:nvPr/>
+        </p:nvSpPr>
+        <p:spPr>
+          <a:xfrm>
+            <a:off x="3638062" y="2516553"/>
+            <a:ext cx="273539" cy="304351"/>
+          </a:xfrm>
+          <a:prstGeom prst="rightBrace">
+            <a:avLst/>
+          </a:prstGeom>
+        </p:spPr>
+        <p:style>
+          <a:lnRef idx="1">
+            <a:schemeClr val="accent1"/>
+          </a:lnRef>
+          <a:fillRef idx="0">
+            <a:schemeClr val="accent1"/>
+          </a:fillRef>
+          <a:effectRef idx="0">
+            <a:schemeClr val="accent1"/>
+          </a:effectRef>
+          <a:fontRef idx="minor">
+            <a:schemeClr val="tx1"/>
+          </a:fontRef>
+        </p:style>
+        <p:txBody>
+          <a:bodyPr rtlCol="0" anchor="ctr"/>
+          <a:lstStyle/>
+          <a:p>
+            <a:pPr algn="ctr"/>
+            <a:endParaRPr lang="zh-CN" altLang="en-US"/>
+          </a:p>
+        </p:txBody>
+      </p:sp>
+      <p:sp>
+        <p:nvSpPr>
+          <p:cNvPr id="13" name="文本框 12"/>
+          <p:cNvSpPr txBox="1"/>
+          <p:nvPr/>
+        </p:nvSpPr>
+        <p:spPr>
+          <a:xfrm>
+            <a:off x="5044028" y="2690943"/>
+            <a:ext cx="2111347" cy="369332"/>
+          </a:xfrm>
+          <a:prstGeom prst="rect">
+            <a:avLst/>
+          </a:prstGeom>
+          <a:noFill/>
+        </p:spPr>
+        <p:txBody>
+          <a:bodyPr wrap="none" rtlCol="0">
+            <a:spAutoFit/>
+          </a:bodyPr>
+          <a:lstStyle/>
+          <a:p>
+            <a:r>
+              <a:rPr lang="en-US" altLang="zh-CN" dirty="0" smtClean="0"/>
+              <a:t>RPC process method</a:t>
+            </a:r>
+            <a:endParaRPr lang="zh-CN" altLang="en-US" dirty="0"/>
+          </a:p>
+        </p:txBody>
+      </p:sp>
+      <p:cxnSp>
+        <p:nvCxnSpPr>
+          <p:cNvPr id="15" name="直接箭头连接符 14"/>
+          <p:cNvCxnSpPr>
+            <a:stCxn id="13" idx="1"/>
+          </p:cNvCxnSpPr>
+          <p:nvPr/>
+        </p:nvCxnSpPr>
+        <p:spPr>
+          <a:xfrm flipH="1">
+            <a:off x="3556000" y="2875609"/>
+            <a:ext cx="1488028" cy="109865"/>
+          </a:xfrm>
+          <a:prstGeom prst="straightConnector1">
+            <a:avLst/>
+          </a:prstGeom>
+          <a:ln>
+            <a:tailEnd type="triangle"/>
+          </a:ln>
+        </p:spPr>
+        <p:style>
+          <a:lnRef idx="1">
+            <a:schemeClr val="accent1"/>
+          </a:lnRef>
+          <a:fillRef idx="0">
+            <a:schemeClr val="accent1"/>
+          </a:fillRef>
+          <a:effectRef idx="0">
+            <a:schemeClr val="accent1"/>
+          </a:effectRef>
+          <a:fontRef idx="minor">
+            <a:schemeClr val="tx1"/>
+          </a:fontRef>
+        </p:style>
+      </p:cxnSp>
+      <p:sp>
+        <p:nvSpPr>
+          <p:cNvPr id="17" name="右大括号 16"/>
+          <p:cNvSpPr/>
+          <p:nvPr/>
+        </p:nvSpPr>
+        <p:spPr>
+          <a:xfrm>
+            <a:off x="4433410" y="5724537"/>
+            <a:ext cx="273539" cy="520728"/>
+          </a:xfrm>
+          <a:prstGeom prst="rightBrace">
+            <a:avLst/>
+          </a:prstGeom>
+        </p:spPr>
+        <p:style>
+          <a:lnRef idx="1">
+            <a:schemeClr val="accent1"/>
+          </a:lnRef>
+          <a:fillRef idx="0">
+            <a:schemeClr val="accent1"/>
+          </a:fillRef>
+          <a:effectRef idx="0">
+            <a:schemeClr val="accent1"/>
+          </a:effectRef>
+          <a:fontRef idx="minor">
+            <a:schemeClr val="tx1"/>
+          </a:fontRef>
+        </p:style>
+        <p:txBody>
+          <a:bodyPr rtlCol="0" anchor="ctr"/>
+          <a:lstStyle/>
+          <a:p>
+            <a:pPr algn="ctr"/>
+            <a:endParaRPr lang="zh-CN" altLang="en-US"/>
+          </a:p>
+        </p:txBody>
+      </p:sp>
+      <p:sp>
+        <p:nvSpPr>
+          <p:cNvPr id="18" name="文本框 17"/>
+          <p:cNvSpPr txBox="1"/>
+          <p:nvPr/>
+        </p:nvSpPr>
+        <p:spPr>
+          <a:xfrm>
+            <a:off x="4706949" y="5800235"/>
+            <a:ext cx="3269678" cy="369332"/>
+          </a:xfrm>
+          <a:prstGeom prst="rect">
+            <a:avLst/>
+          </a:prstGeom>
+          <a:noFill/>
+        </p:spPr>
+        <p:txBody>
+          <a:bodyPr wrap="none" rtlCol="0">
+            <a:spAutoFit/>
+          </a:bodyPr>
+          <a:lstStyle/>
+          <a:p>
+            <a:r>
+              <a:rPr lang="en-US" altLang="zh-CN" dirty="0" smtClean="0"/>
+              <a:t>Helper macro of singleton access</a:t>
             </a:r>
             <a:endParaRPr lang="zh-CN" altLang="en-US" dirty="0"/>
           </a:p>
@@ -5792,20 +5896,13 @@
     </p:spTree>
     <p:extLst>
       <p:ext uri="{BB962C8B-B14F-4D97-AF65-F5344CB8AC3E}">
-        <p14:creationId xmlns:p14="http://schemas.microsoft.com/office/powerpoint/2010/main" val="4169602789"/>
+        <p14:creationId xmlns:p14="http://schemas.microsoft.com/office/powerpoint/2010/main" val="356892155"/>
       </p:ext>
     </p:extLst>
   </p:cSld>
   <p:clrMapOvr>
     <a:masterClrMapping/>
   </p:clrMapOvr>
-  <p:timing>
-    <p:tnLst>
-      <p:par>
-        <p:cTn id="1" dur="indefinite" restart="never" nodeType="tmRoot"/>
-      </p:par>
-    </p:tnLst>
-  </p:timing>
 </p:sld>
 </file>
 
@@ -5931,6 +6028,109 @@
     <p:extLst>
       <p:ext uri="{BB962C8B-B14F-4D97-AF65-F5344CB8AC3E}">
         <p14:creationId xmlns:p14="http://schemas.microsoft.com/office/powerpoint/2010/main" val="190894768"/>
+      </p:ext>
+    </p:extLst>
+  </p:cSld>
+  <p:clrMapOvr>
+    <a:masterClrMapping/>
+  </p:clrMapOvr>
+  <p:timing>
+    <p:tnLst>
+      <p:par>
+        <p:cTn id="1" dur="indefinite" restart="never" nodeType="tmRoot"/>
+      </p:par>
+    </p:tnLst>
+  </p:timing>
+</p:sld>
+</file>
+
+<file path=ppt/slides/slide20.xml><?xml version="1.0" encoding="utf-8"?>
+<p:sld xmlns:a="http://schemas.openxmlformats.org/drawingml/2006/main" xmlns:r="http://schemas.openxmlformats.org/officeDocument/2006/relationships" xmlns:p="http://schemas.openxmlformats.org/presentationml/2006/main">
+  <p:cSld>
+    <p:spTree>
+      <p:nvGrpSpPr>
+        <p:cNvPr id="1" name=""/>
+        <p:cNvGrpSpPr/>
+        <p:nvPr/>
+      </p:nvGrpSpPr>
+      <p:grpSpPr>
+        <a:xfrm>
+          <a:off x="0" y="0"/>
+          <a:ext cx="0" cy="0"/>
+          <a:chOff x="0" y="0"/>
+          <a:chExt cx="0" cy="0"/>
+        </a:xfrm>
+      </p:grpSpPr>
+      <p:sp>
+        <p:nvSpPr>
+          <p:cNvPr id="2" name="标题 1"/>
+          <p:cNvSpPr>
+            <a:spLocks noGrp="1"/>
+          </p:cNvSpPr>
+          <p:nvPr>
+            <p:ph type="title"/>
+          </p:nvPr>
+        </p:nvSpPr>
+        <p:spPr/>
+        <p:txBody>
+          <a:bodyPr/>
+          <a:lstStyle/>
+          <a:p>
+            <a:r>
+              <a:rPr lang="en-US" altLang="zh-CN" dirty="0" smtClean="0"/>
+              <a:t>Thanks</a:t>
+            </a:r>
+            <a:endParaRPr lang="zh-CN" altLang="en-US" dirty="0"/>
+          </a:p>
+        </p:txBody>
+      </p:sp>
+      <p:sp>
+        <p:nvSpPr>
+          <p:cNvPr id="3" name="内容占位符 2"/>
+          <p:cNvSpPr>
+            <a:spLocks noGrp="1"/>
+          </p:cNvSpPr>
+          <p:nvPr>
+            <p:ph idx="1"/>
+          </p:nvPr>
+        </p:nvSpPr>
+        <p:spPr/>
+        <p:txBody>
+          <a:bodyPr/>
+          <a:lstStyle/>
+          <a:p>
+            <a:r>
+              <a:rPr lang="en-US" altLang="zh-CN" dirty="0" smtClean="0">
+                <a:hlinkClick r:id="rId2"/>
+              </a:rPr>
+              <a:t>https://github.com/dennis-kk/knet</a:t>
+            </a:r>
+            <a:endParaRPr lang="en-US" altLang="zh-CN" dirty="0" smtClean="0"/>
+          </a:p>
+          <a:p>
+            <a:r>
+              <a:rPr lang="en-US" altLang="zh-CN" dirty="0" smtClean="0">
+                <a:hlinkClick r:id="rId3"/>
+              </a:rPr>
+              <a:t>https://github.com/dennis-kk/knet/tree/master/examples</a:t>
+            </a:r>
+            <a:endParaRPr lang="en-US" altLang="zh-CN" dirty="0" smtClean="0"/>
+          </a:p>
+          <a:p>
+            <a:r>
+              <a:rPr lang="en-US" altLang="zh-CN" dirty="0" smtClean="0">
+                <a:hlinkClick r:id="rId4"/>
+              </a:rPr>
+              <a:t>https://github.com/dennis-kk/knet/tree/master/krpc/examples</a:t>
+            </a:r>
+            <a:endParaRPr lang="zh-CN" altLang="en-US" dirty="0"/>
+          </a:p>
+        </p:txBody>
+      </p:sp>
+    </p:spTree>
+    <p:extLst>
+      <p:ext uri="{BB962C8B-B14F-4D97-AF65-F5344CB8AC3E}">
+        <p14:creationId xmlns:p14="http://schemas.microsoft.com/office/powerpoint/2010/main" val="4169602789"/>
       </p:ext>
     </p:extLst>
   </p:cSld>

--- a/doc/knet.pptx
+++ b/doc/knet.pptx
@@ -262,7 +262,7 @@
           <a:p>
             <a:fld id="{5D0EEB5A-FAFB-4970-8082-181E922B6EBC}" type="datetimeFigureOut">
               <a:rPr lang="zh-CN" altLang="en-US" smtClean="0"/>
-              <a:t>2015/7/3</a:t>
+              <a:t>2015/7/17</a:t>
             </a:fld>
             <a:endParaRPr lang="zh-CN" altLang="en-US"/>
           </a:p>
@@ -432,7 +432,7 @@
           <a:p>
             <a:fld id="{5D0EEB5A-FAFB-4970-8082-181E922B6EBC}" type="datetimeFigureOut">
               <a:rPr lang="zh-CN" altLang="en-US" smtClean="0"/>
-              <a:t>2015/7/3</a:t>
+              <a:t>2015/7/17</a:t>
             </a:fld>
             <a:endParaRPr lang="zh-CN" altLang="en-US"/>
           </a:p>
@@ -612,7 +612,7 @@
           <a:p>
             <a:fld id="{5D0EEB5A-FAFB-4970-8082-181E922B6EBC}" type="datetimeFigureOut">
               <a:rPr lang="zh-CN" altLang="en-US" smtClean="0"/>
-              <a:t>2015/7/3</a:t>
+              <a:t>2015/7/17</a:t>
             </a:fld>
             <a:endParaRPr lang="zh-CN" altLang="en-US"/>
           </a:p>
@@ -782,7 +782,7 @@
           <a:p>
             <a:fld id="{5D0EEB5A-FAFB-4970-8082-181E922B6EBC}" type="datetimeFigureOut">
               <a:rPr lang="zh-CN" altLang="en-US" smtClean="0"/>
-              <a:t>2015/7/3</a:t>
+              <a:t>2015/7/17</a:t>
             </a:fld>
             <a:endParaRPr lang="zh-CN" altLang="en-US"/>
           </a:p>
@@ -1028,7 +1028,7 @@
           <a:p>
             <a:fld id="{5D0EEB5A-FAFB-4970-8082-181E922B6EBC}" type="datetimeFigureOut">
               <a:rPr lang="zh-CN" altLang="en-US" smtClean="0"/>
-              <a:t>2015/7/3</a:t>
+              <a:t>2015/7/17</a:t>
             </a:fld>
             <a:endParaRPr lang="zh-CN" altLang="en-US"/>
           </a:p>
@@ -1260,7 +1260,7 @@
           <a:p>
             <a:fld id="{5D0EEB5A-FAFB-4970-8082-181E922B6EBC}" type="datetimeFigureOut">
               <a:rPr lang="zh-CN" altLang="en-US" smtClean="0"/>
-              <a:t>2015/7/3</a:t>
+              <a:t>2015/7/17</a:t>
             </a:fld>
             <a:endParaRPr lang="zh-CN" altLang="en-US"/>
           </a:p>
@@ -1627,7 +1627,7 @@
           <a:p>
             <a:fld id="{5D0EEB5A-FAFB-4970-8082-181E922B6EBC}" type="datetimeFigureOut">
               <a:rPr lang="zh-CN" altLang="en-US" smtClean="0"/>
-              <a:t>2015/7/3</a:t>
+              <a:t>2015/7/17</a:t>
             </a:fld>
             <a:endParaRPr lang="zh-CN" altLang="en-US"/>
           </a:p>
@@ -1745,7 +1745,7 @@
           <a:p>
             <a:fld id="{5D0EEB5A-FAFB-4970-8082-181E922B6EBC}" type="datetimeFigureOut">
               <a:rPr lang="zh-CN" altLang="en-US" smtClean="0"/>
-              <a:t>2015/7/3</a:t>
+              <a:t>2015/7/17</a:t>
             </a:fld>
             <a:endParaRPr lang="zh-CN" altLang="en-US"/>
           </a:p>
@@ -1840,7 +1840,7 @@
           <a:p>
             <a:fld id="{5D0EEB5A-FAFB-4970-8082-181E922B6EBC}" type="datetimeFigureOut">
               <a:rPr lang="zh-CN" altLang="en-US" smtClean="0"/>
-              <a:t>2015/7/3</a:t>
+              <a:t>2015/7/17</a:t>
             </a:fld>
             <a:endParaRPr lang="zh-CN" altLang="en-US"/>
           </a:p>
@@ -2117,7 +2117,7 @@
           <a:p>
             <a:fld id="{5D0EEB5A-FAFB-4970-8082-181E922B6EBC}" type="datetimeFigureOut">
               <a:rPr lang="zh-CN" altLang="en-US" smtClean="0"/>
-              <a:t>2015/7/3</a:t>
+              <a:t>2015/7/17</a:t>
             </a:fld>
             <a:endParaRPr lang="zh-CN" altLang="en-US"/>
           </a:p>
@@ -2370,7 +2370,7 @@
           <a:p>
             <a:fld id="{5D0EEB5A-FAFB-4970-8082-181E922B6EBC}" type="datetimeFigureOut">
               <a:rPr lang="zh-CN" altLang="en-US" smtClean="0"/>
-              <a:t>2015/7/3</a:t>
+              <a:t>2015/7/17</a:t>
             </a:fld>
             <a:endParaRPr lang="zh-CN" altLang="en-US"/>
           </a:p>
@@ -2583,7 +2583,7 @@
           <a:p>
             <a:fld id="{5D0EEB5A-FAFB-4970-8082-181E922B6EBC}" type="datetimeFigureOut">
               <a:rPr lang="zh-CN" altLang="en-US" smtClean="0"/>
-              <a:t>2015/7/3</a:t>
+              <a:t>2015/7/17</a:t>
             </a:fld>
             <a:endParaRPr lang="zh-CN" altLang="en-US"/>
           </a:p>
@@ -3554,13 +3554,11 @@
           <a:p>
             <a:r>
               <a:rPr lang="en-US" altLang="zh-CN" dirty="0" smtClean="0"/>
-              <a:t>Balance accepted channels only</a:t>
-            </a:r>
-          </a:p>
-          <a:p>
-            <a:r>
-              <a:rPr lang="en-US" altLang="zh-CN" dirty="0" smtClean="0"/>
-              <a:t>Thread safety</a:t>
+              <a:t>Thread </a:t>
+            </a:r>
+            <a:r>
+              <a:rPr lang="en-US" altLang="zh-CN" dirty="0" smtClean="0"/>
+              <a:t>safety</a:t>
             </a:r>
           </a:p>
           <a:p>
@@ -7083,8 +7081,8 @@
         </p:nvSpPr>
         <p:spPr>
           <a:xfrm>
-            <a:off x="4288070" y="2700019"/>
-            <a:ext cx="804003" cy="369332"/>
+            <a:off x="3516542" y="2688073"/>
+            <a:ext cx="1641090" cy="369332"/>
           </a:xfrm>
           <a:prstGeom prst="rect">
             <a:avLst/>
@@ -7106,7 +7104,15 @@
                   <a:srgbClr val="FF0000"/>
                 </a:solidFill>
               </a:rPr>
-              <a:t>accept</a:t>
+              <a:t>a</a:t>
+            </a:r>
+            <a:r>
+              <a:rPr lang="en-US" altLang="zh-CN" dirty="0" smtClean="0">
+                <a:solidFill>
+                  <a:srgbClr val="FF0000"/>
+                </a:solidFill>
+              </a:rPr>
+              <a:t>ccept/connect</a:t>
             </a:r>
             <a:endParaRPr lang="zh-CN" altLang="en-US" dirty="0">
               <a:solidFill>
@@ -7711,7 +7717,7 @@
         </p:nvSpPr>
         <p:spPr>
           <a:xfrm rot="16200000">
-            <a:off x="4280928" y="3329927"/>
+            <a:off x="4364459" y="2806665"/>
             <a:ext cx="371061" cy="2075897"/>
           </a:xfrm>
           <a:prstGeom prst="bracketPair">
@@ -7749,7 +7755,7 @@
         </p:nvSpPr>
         <p:spPr>
           <a:xfrm>
-            <a:off x="3497596" y="4193152"/>
+            <a:off x="3512787" y="3669888"/>
             <a:ext cx="1993559" cy="369332"/>
           </a:xfrm>
           <a:prstGeom prst="rect">
@@ -7776,14 +7782,13 @@
           <p:cNvPr id="15" name="直接箭头连接符 14"/>
           <p:cNvCxnSpPr>
             <a:stCxn id="12" idx="1"/>
-            <a:endCxn id="6" idx="0"/>
           </p:cNvCxnSpPr>
           <p:nvPr/>
         </p:nvCxnSpPr>
         <p:spPr>
           <a:xfrm>
-            <a:off x="4466459" y="4553406"/>
-            <a:ext cx="1764212" cy="614942"/>
+            <a:off x="4549990" y="4030144"/>
+            <a:ext cx="1297256" cy="1156995"/>
           </a:xfrm>
           <a:prstGeom prst="straightConnector1">
             <a:avLst/>
@@ -7884,7 +7889,7 @@
         </p:nvSpPr>
         <p:spPr>
           <a:xfrm>
-            <a:off x="4494375" y="4744529"/>
+            <a:off x="4509566" y="4351721"/>
             <a:ext cx="592470" cy="369332"/>
           </a:xfrm>
           <a:prstGeom prst="rect">
@@ -7914,7 +7919,7 @@
         </p:nvSpPr>
         <p:spPr>
           <a:xfrm>
-            <a:off x="5687108" y="2784471"/>
+            <a:off x="5601478" y="3044325"/>
             <a:ext cx="1399294" cy="369332"/>
           </a:xfrm>
           <a:prstGeom prst="rect">
@@ -7948,7 +7953,7 @@
         </p:nvSpPr>
         <p:spPr>
           <a:xfrm>
-            <a:off x="5909092" y="4273179"/>
+            <a:off x="5912325" y="4358119"/>
             <a:ext cx="592470" cy="369332"/>
           </a:xfrm>
           <a:prstGeom prst="rect">
@@ -8103,6 +8108,39 @@
           </a:p>
         </p:txBody>
       </p:sp>
+      <p:cxnSp>
+        <p:nvCxnSpPr>
+          <p:cNvPr id="14" name="直接箭头连接符 13"/>
+          <p:cNvCxnSpPr/>
+          <p:nvPr/>
+        </p:nvCxnSpPr>
+        <p:spPr>
+          <a:xfrm flipV="1">
+            <a:off x="5019262" y="2020014"/>
+            <a:ext cx="2362125" cy="1548230"/>
+          </a:xfrm>
+          <a:prstGeom prst="straightConnector1">
+            <a:avLst/>
+          </a:prstGeom>
+          <a:ln>
+            <a:tailEnd type="triangle"/>
+          </a:ln>
+        </p:spPr>
+        <p:style>
+          <a:lnRef idx="1">
+            <a:schemeClr val="accent1"/>
+          </a:lnRef>
+          <a:fillRef idx="0">
+            <a:schemeClr val="accent1"/>
+          </a:fillRef>
+          <a:effectRef idx="0">
+            <a:schemeClr val="accent1"/>
+          </a:effectRef>
+          <a:fontRef idx="minor">
+            <a:schemeClr val="tx1"/>
+          </a:fontRef>
+        </p:style>
+      </p:cxnSp>
     </p:spTree>
     <p:extLst>
       <p:ext uri="{BB962C8B-B14F-4D97-AF65-F5344CB8AC3E}">

--- a/doc/knet.pptx
+++ b/doc/knet.pptx
@@ -262,7 +262,7 @@
           <a:p>
             <a:fld id="{5D0EEB5A-FAFB-4970-8082-181E922B6EBC}" type="datetimeFigureOut">
               <a:rPr lang="zh-CN" altLang="en-US" smtClean="0"/>
-              <a:t>2015/7/17</a:t>
+              <a:t>2015/7/21</a:t>
             </a:fld>
             <a:endParaRPr lang="zh-CN" altLang="en-US"/>
           </a:p>
@@ -432,7 +432,7 @@
           <a:p>
             <a:fld id="{5D0EEB5A-FAFB-4970-8082-181E922B6EBC}" type="datetimeFigureOut">
               <a:rPr lang="zh-CN" altLang="en-US" smtClean="0"/>
-              <a:t>2015/7/17</a:t>
+              <a:t>2015/7/21</a:t>
             </a:fld>
             <a:endParaRPr lang="zh-CN" altLang="en-US"/>
           </a:p>
@@ -612,7 +612,7 @@
           <a:p>
             <a:fld id="{5D0EEB5A-FAFB-4970-8082-181E922B6EBC}" type="datetimeFigureOut">
               <a:rPr lang="zh-CN" altLang="en-US" smtClean="0"/>
-              <a:t>2015/7/17</a:t>
+              <a:t>2015/7/21</a:t>
             </a:fld>
             <a:endParaRPr lang="zh-CN" altLang="en-US"/>
           </a:p>
@@ -782,7 +782,7 @@
           <a:p>
             <a:fld id="{5D0EEB5A-FAFB-4970-8082-181E922B6EBC}" type="datetimeFigureOut">
               <a:rPr lang="zh-CN" altLang="en-US" smtClean="0"/>
-              <a:t>2015/7/17</a:t>
+              <a:t>2015/7/21</a:t>
             </a:fld>
             <a:endParaRPr lang="zh-CN" altLang="en-US"/>
           </a:p>
@@ -1028,7 +1028,7 @@
           <a:p>
             <a:fld id="{5D0EEB5A-FAFB-4970-8082-181E922B6EBC}" type="datetimeFigureOut">
               <a:rPr lang="zh-CN" altLang="en-US" smtClean="0"/>
-              <a:t>2015/7/17</a:t>
+              <a:t>2015/7/21</a:t>
             </a:fld>
             <a:endParaRPr lang="zh-CN" altLang="en-US"/>
           </a:p>
@@ -1260,7 +1260,7 @@
           <a:p>
             <a:fld id="{5D0EEB5A-FAFB-4970-8082-181E922B6EBC}" type="datetimeFigureOut">
               <a:rPr lang="zh-CN" altLang="en-US" smtClean="0"/>
-              <a:t>2015/7/17</a:t>
+              <a:t>2015/7/21</a:t>
             </a:fld>
             <a:endParaRPr lang="zh-CN" altLang="en-US"/>
           </a:p>
@@ -1627,7 +1627,7 @@
           <a:p>
             <a:fld id="{5D0EEB5A-FAFB-4970-8082-181E922B6EBC}" type="datetimeFigureOut">
               <a:rPr lang="zh-CN" altLang="en-US" smtClean="0"/>
-              <a:t>2015/7/17</a:t>
+              <a:t>2015/7/21</a:t>
             </a:fld>
             <a:endParaRPr lang="zh-CN" altLang="en-US"/>
           </a:p>
@@ -1745,7 +1745,7 @@
           <a:p>
             <a:fld id="{5D0EEB5A-FAFB-4970-8082-181E922B6EBC}" type="datetimeFigureOut">
               <a:rPr lang="zh-CN" altLang="en-US" smtClean="0"/>
-              <a:t>2015/7/17</a:t>
+              <a:t>2015/7/21</a:t>
             </a:fld>
             <a:endParaRPr lang="zh-CN" altLang="en-US"/>
           </a:p>
@@ -1840,7 +1840,7 @@
           <a:p>
             <a:fld id="{5D0EEB5A-FAFB-4970-8082-181E922B6EBC}" type="datetimeFigureOut">
               <a:rPr lang="zh-CN" altLang="en-US" smtClean="0"/>
-              <a:t>2015/7/17</a:t>
+              <a:t>2015/7/21</a:t>
             </a:fld>
             <a:endParaRPr lang="zh-CN" altLang="en-US"/>
           </a:p>
@@ -2117,7 +2117,7 @@
           <a:p>
             <a:fld id="{5D0EEB5A-FAFB-4970-8082-181E922B6EBC}" type="datetimeFigureOut">
               <a:rPr lang="zh-CN" altLang="en-US" smtClean="0"/>
-              <a:t>2015/7/17</a:t>
+              <a:t>2015/7/21</a:t>
             </a:fld>
             <a:endParaRPr lang="zh-CN" altLang="en-US"/>
           </a:p>
@@ -2370,7 +2370,7 @@
           <a:p>
             <a:fld id="{5D0EEB5A-FAFB-4970-8082-181E922B6EBC}" type="datetimeFigureOut">
               <a:rPr lang="zh-CN" altLang="en-US" smtClean="0"/>
-              <a:t>2015/7/17</a:t>
+              <a:t>2015/7/21</a:t>
             </a:fld>
             <a:endParaRPr lang="zh-CN" altLang="en-US"/>
           </a:p>
@@ -2583,7 +2583,7 @@
           <a:p>
             <a:fld id="{5D0EEB5A-FAFB-4970-8082-181E922B6EBC}" type="datetimeFigureOut">
               <a:rPr lang="zh-CN" altLang="en-US" smtClean="0"/>
-              <a:t>2015/7/17</a:t>
+              <a:t>2015/7/21</a:t>
             </a:fld>
             <a:endParaRPr lang="zh-CN" altLang="en-US"/>
           </a:p>
@@ -3331,7 +3331,7 @@
           <a:p>
             <a:r>
               <a:rPr lang="en-US" altLang="zh-CN" dirty="0" err="1" smtClean="0"/>
-              <a:t>channel_ref_share</a:t>
+              <a:t>kchannel_ref_share</a:t>
             </a:r>
             <a:endParaRPr lang="en-US" altLang="zh-CN" dirty="0" smtClean="0"/>
           </a:p>
@@ -3346,7 +3346,7 @@
             </a:r>
             <a:r>
               <a:rPr lang="en-US" altLang="zh-CN" dirty="0" err="1" smtClean="0"/>
-              <a:t>channel_ref_t</a:t>
+              <a:t>kchannel_ref_t</a:t>
             </a:r>
             <a:endParaRPr lang="en-US" altLang="zh-CN" dirty="0" smtClean="0"/>
           </a:p>
@@ -3361,7 +3361,7 @@
             </a:r>
             <a:r>
               <a:rPr lang="en-US" altLang="zh-CN" dirty="0" err="1" smtClean="0"/>
-              <a:t>channe_ref_t</a:t>
+              <a:t>kchanne_ref_t</a:t>
             </a:r>
             <a:r>
               <a:rPr lang="en-US" altLang="zh-CN" dirty="0" smtClean="0"/>
@@ -3369,14 +3369,14 @@
             </a:r>
             <a:r>
               <a:rPr lang="en-US" altLang="zh-CN" dirty="0" err="1" smtClean="0"/>
-              <a:t>loop_t</a:t>
+              <a:t>kloop_t</a:t>
             </a:r>
             <a:endParaRPr lang="en-US" altLang="zh-CN" dirty="0" smtClean="0"/>
           </a:p>
           <a:p>
             <a:r>
               <a:rPr lang="en-US" altLang="zh-CN" dirty="0" err="1" smtClean="0"/>
-              <a:t>channel_ref_leave</a:t>
+              <a:t>kchannel_ref_leave</a:t>
             </a:r>
             <a:endParaRPr lang="en-US" altLang="zh-CN" dirty="0" smtClean="0"/>
           </a:p>
@@ -3391,7 +3391,7 @@
             </a:r>
             <a:r>
               <a:rPr lang="en-US" altLang="zh-CN" dirty="0" err="1" smtClean="0"/>
-              <a:t>channel_ref_t</a:t>
+              <a:t>kchannel_ref_t</a:t>
             </a:r>
             <a:endParaRPr lang="en-US" altLang="zh-CN" dirty="0" smtClean="0"/>
           </a:p>
@@ -3408,7 +3408,7 @@
           <a:p>
             <a:r>
               <a:rPr lang="en-US" altLang="zh-CN" dirty="0" err="1" smtClean="0"/>
-              <a:t>channel_ref_t</a:t>
+              <a:t>kchannel_ref_t</a:t>
             </a:r>
             <a:r>
               <a:rPr lang="en-US" altLang="zh-CN" dirty="0" smtClean="0"/>
@@ -3418,7 +3418,7 @@
           <a:p>
             <a:r>
               <a:rPr lang="en-US" altLang="zh-CN" dirty="0" err="1" smtClean="0"/>
-              <a:t>channel_ref_close</a:t>
+              <a:t>kchannel_ref_close</a:t>
             </a:r>
             <a:endParaRPr lang="en-US" altLang="zh-CN" dirty="0" smtClean="0"/>
           </a:p>
@@ -3438,12 +3438,8 @@
               <a:buAutoNum type="alphaLcPeriod"/>
             </a:pPr>
             <a:r>
-              <a:rPr lang="en-US" altLang="zh-CN" dirty="0" err="1"/>
-              <a:t>l</a:t>
-            </a:r>
-            <a:r>
               <a:rPr lang="en-US" altLang="zh-CN" dirty="0" err="1" smtClean="0"/>
-              <a:t>oop_t</a:t>
+              <a:t>kloop_t</a:t>
             </a:r>
             <a:r>
               <a:rPr lang="en-US" altLang="zh-CN" dirty="0" smtClean="0"/>
@@ -3554,11 +3550,7 @@
           <a:p>
             <a:r>
               <a:rPr lang="en-US" altLang="zh-CN" dirty="0" smtClean="0"/>
-              <a:t>Thread </a:t>
-            </a:r>
-            <a:r>
-              <a:rPr lang="en-US" altLang="zh-CN" dirty="0" smtClean="0"/>
-              <a:t>safety</a:t>
+              <a:t>Thread safety</a:t>
             </a:r>
           </a:p>
           <a:p>
@@ -6213,15 +6205,34 @@
           </a:p>
           <a:p>
             <a:r>
-              <a:rPr lang="en-US" altLang="zh-CN" dirty="0" smtClean="0"/>
-              <a:t>Channel &amp; channel reference</a:t>
-            </a:r>
-          </a:p>
-          <a:p>
-            <a:r>
-              <a:rPr lang="en-US" altLang="zh-CN" dirty="0" smtClean="0"/>
-              <a:t>timer</a:t>
-            </a:r>
+              <a:rPr lang="en-US" altLang="zh-CN" dirty="0"/>
+              <a:t>c</a:t>
+            </a:r>
+            <a:r>
+              <a:rPr lang="en-US" altLang="zh-CN" dirty="0" smtClean="0"/>
+              <a:t>hannel </a:t>
+            </a:r>
+            <a:r>
+              <a:rPr lang="en-US" altLang="zh-CN" dirty="0" smtClean="0"/>
+              <a:t>&amp; channel reference</a:t>
+            </a:r>
+          </a:p>
+          <a:p>
+            <a:r>
+              <a:rPr lang="en-US" altLang="zh-CN" dirty="0"/>
+              <a:t>t</a:t>
+            </a:r>
+            <a:r>
+              <a:rPr lang="en-US" altLang="zh-CN" dirty="0" smtClean="0"/>
+              <a:t>imer</a:t>
+            </a:r>
+          </a:p>
+          <a:p>
+            <a:r>
+              <a:rPr lang="en-US" altLang="zh-CN" dirty="0" smtClean="0"/>
+              <a:t>framework</a:t>
+            </a:r>
+            <a:endParaRPr lang="en-US" altLang="zh-CN" dirty="0" smtClean="0"/>
           </a:p>
           <a:p>
             <a:r>
@@ -7104,15 +7115,7 @@
                   <a:srgbClr val="FF0000"/>
                 </a:solidFill>
               </a:rPr>
-              <a:t>a</a:t>
-            </a:r>
-            <a:r>
-              <a:rPr lang="en-US" altLang="zh-CN" dirty="0" smtClean="0">
-                <a:solidFill>
-                  <a:srgbClr val="FF0000"/>
-                </a:solidFill>
-              </a:rPr>
-              <a:t>ccept/connect</a:t>
+              <a:t>accept/connect</a:t>
             </a:r>
             <a:endParaRPr lang="zh-CN" altLang="en-US" dirty="0">
               <a:solidFill>
@@ -8224,7 +8227,7 @@
           <a:p>
             <a:r>
               <a:rPr lang="en-US" altLang="zh-CN" dirty="0" err="1" smtClean="0"/>
-              <a:t>loop_t</a:t>
+              <a:t>kloop_t</a:t>
             </a:r>
             <a:endParaRPr lang="en-US" altLang="zh-CN" dirty="0" smtClean="0"/>
           </a:p>
@@ -8455,7 +8458,7 @@
             </a:r>
             <a:r>
               <a:rPr lang="en-US" altLang="zh-CN" dirty="0" err="1" smtClean="0"/>
-              <a:t>loop_t</a:t>
+              <a:t>kloop_t</a:t>
             </a:r>
             <a:r>
               <a:rPr lang="en-US" altLang="zh-CN" dirty="0" smtClean="0"/>
@@ -8463,7 +8466,7 @@
             </a:r>
             <a:r>
               <a:rPr lang="en-US" altLang="zh-CN" dirty="0" err="1" smtClean="0"/>
-              <a:t>loop_create_channel</a:t>
+              <a:t>kloop_create_channel</a:t>
             </a:r>
             <a:r>
               <a:rPr lang="en-US" altLang="zh-CN" dirty="0" smtClean="0"/>
@@ -8487,7 +8490,7 @@
             </a:r>
             <a:r>
               <a:rPr lang="en-US" altLang="zh-CN" dirty="0" err="1" smtClean="0"/>
-              <a:t>loop_balancer_t</a:t>
+              <a:t>kloop_balancer_t</a:t>
             </a:r>
             <a:endParaRPr lang="en-US" altLang="zh-CN" dirty="0" smtClean="0"/>
           </a:p>
@@ -8502,7 +8505,7 @@
             </a:r>
             <a:r>
               <a:rPr lang="en-US" altLang="zh-CN" dirty="0" err="1" smtClean="0"/>
-              <a:t>loop_balancer_t</a:t>
+              <a:t>kloop_balancer_t</a:t>
             </a:r>
             <a:r>
               <a:rPr lang="en-US" altLang="zh-CN" dirty="0" smtClean="0"/>
@@ -8510,7 +8513,7 @@
             </a:r>
             <a:r>
               <a:rPr lang="en-US" altLang="zh-CN" dirty="0" err="1" smtClean="0"/>
-              <a:t>loop_t</a:t>
+              <a:t>kloop_t</a:t>
             </a:r>
             <a:endParaRPr lang="en-US" altLang="zh-CN" dirty="0" smtClean="0"/>
           </a:p>
@@ -8525,7 +8528,7 @@
             </a:r>
             <a:r>
               <a:rPr lang="en-US" altLang="zh-CN" dirty="0" err="1" smtClean="0"/>
-              <a:t>loop_t</a:t>
+              <a:t>kloop_t</a:t>
             </a:r>
             <a:endParaRPr lang="en-US" altLang="zh-CN" dirty="0" smtClean="0"/>
           </a:p>
@@ -8540,7 +8543,7 @@
             </a:r>
             <a:r>
               <a:rPr lang="en-US" altLang="zh-CN" dirty="0" err="1" smtClean="0"/>
-              <a:t>loop_balancer_t</a:t>
+              <a:t>kloop_balancer_t</a:t>
             </a:r>
             <a:endParaRPr lang="en-US" altLang="zh-CN" dirty="0" smtClean="0"/>
           </a:p>
@@ -8555,7 +8558,7 @@
             </a:r>
             <a:r>
               <a:rPr lang="en-US" altLang="zh-CN" dirty="0" err="1" smtClean="0"/>
-              <a:t>loop_t</a:t>
+              <a:t>kloop_t</a:t>
             </a:r>
             <a:r>
               <a:rPr lang="en-US" altLang="zh-CN" dirty="0" smtClean="0"/>
@@ -8563,7 +8566,7 @@
             </a:r>
             <a:r>
               <a:rPr lang="en-US" altLang="zh-CN" dirty="0" err="1" smtClean="0"/>
-              <a:t>loop_create_channel</a:t>
+              <a:t>kloop_create_channel</a:t>
             </a:r>
             <a:r>
               <a:rPr lang="en-US" altLang="zh-CN" dirty="0" smtClean="0"/>
@@ -8584,7 +8587,7 @@
             </a:r>
             <a:r>
               <a:rPr lang="en-US" altLang="zh-CN" dirty="0" err="1" smtClean="0"/>
-              <a:t>loop_t</a:t>
+              <a:t>kloop_t</a:t>
             </a:r>
             <a:endParaRPr lang="en-US" altLang="zh-CN" dirty="0" smtClean="0"/>
           </a:p>
@@ -8596,7 +8599,7 @@
             </a:r>
             <a:r>
               <a:rPr lang="en-US" altLang="zh-CN" dirty="0" err="1" smtClean="0"/>
-              <a:t>loop_t</a:t>
+              <a:t>kloop_t</a:t>
             </a:r>
             <a:endParaRPr lang="en-US" altLang="zh-CN" dirty="0" smtClean="0"/>
           </a:p>
@@ -8609,24 +8612,16 @@
           <a:p>
             <a:pPr lvl="1"/>
             <a:r>
-              <a:rPr lang="en-US" altLang="zh-CN" dirty="0" err="1"/>
-              <a:t>c</a:t>
-            </a:r>
-            <a:r>
               <a:rPr lang="en-US" altLang="zh-CN" dirty="0" err="1" smtClean="0"/>
-              <a:t>hannel_ref_share</a:t>
+              <a:t>kchannel_ref_share</a:t>
             </a:r>
             <a:endParaRPr lang="en-US" altLang="zh-CN" dirty="0" smtClean="0"/>
           </a:p>
           <a:p>
             <a:pPr lvl="1"/>
             <a:r>
-              <a:rPr lang="en-US" altLang="zh-CN" dirty="0" err="1"/>
-              <a:t>c</a:t>
-            </a:r>
-            <a:r>
               <a:rPr lang="en-US" altLang="zh-CN" dirty="0" err="1" smtClean="0"/>
-              <a:t>hannel_ref_leave</a:t>
+              <a:t>kchannel_ref_leave</a:t>
             </a:r>
             <a:endParaRPr lang="en-US" altLang="zh-CN" dirty="0" smtClean="0"/>
           </a:p>

--- a/doc/knet.pptx
+++ b/doc/knet.pptx
@@ -18,13 +18,7 @@
     <p:sldId id="275" r:id="rId12"/>
     <p:sldId id="269" r:id="rId13"/>
     <p:sldId id="270" r:id="rId14"/>
-    <p:sldId id="263" r:id="rId15"/>
-    <p:sldId id="271" r:id="rId16"/>
-    <p:sldId id="272" r:id="rId17"/>
-    <p:sldId id="273" r:id="rId18"/>
-    <p:sldId id="264" r:id="rId19"/>
-    <p:sldId id="274" r:id="rId20"/>
-    <p:sldId id="265" r:id="rId21"/>
+    <p:sldId id="265" r:id="rId15"/>
   </p:sldIdLst>
   <p:sldSz cx="12192000" cy="6858000"/>
   <p:notesSz cx="6858000" cy="9144000"/>
@@ -262,7 +256,7 @@
           <a:p>
             <a:fld id="{5D0EEB5A-FAFB-4970-8082-181E922B6EBC}" type="datetimeFigureOut">
               <a:rPr lang="zh-CN" altLang="en-US" smtClean="0"/>
-              <a:t>2015/7/21</a:t>
+              <a:t>2016/5/26</a:t>
             </a:fld>
             <a:endParaRPr lang="zh-CN" altLang="en-US"/>
           </a:p>
@@ -432,7 +426,7 @@
           <a:p>
             <a:fld id="{5D0EEB5A-FAFB-4970-8082-181E922B6EBC}" type="datetimeFigureOut">
               <a:rPr lang="zh-CN" altLang="en-US" smtClean="0"/>
-              <a:t>2015/7/21</a:t>
+              <a:t>2016/5/26</a:t>
             </a:fld>
             <a:endParaRPr lang="zh-CN" altLang="en-US"/>
           </a:p>
@@ -612,7 +606,7 @@
           <a:p>
             <a:fld id="{5D0EEB5A-FAFB-4970-8082-181E922B6EBC}" type="datetimeFigureOut">
               <a:rPr lang="zh-CN" altLang="en-US" smtClean="0"/>
-              <a:t>2015/7/21</a:t>
+              <a:t>2016/5/26</a:t>
             </a:fld>
             <a:endParaRPr lang="zh-CN" altLang="en-US"/>
           </a:p>
@@ -782,7 +776,7 @@
           <a:p>
             <a:fld id="{5D0EEB5A-FAFB-4970-8082-181E922B6EBC}" type="datetimeFigureOut">
               <a:rPr lang="zh-CN" altLang="en-US" smtClean="0"/>
-              <a:t>2015/7/21</a:t>
+              <a:t>2016/5/26</a:t>
             </a:fld>
             <a:endParaRPr lang="zh-CN" altLang="en-US"/>
           </a:p>
@@ -1028,7 +1022,7 @@
           <a:p>
             <a:fld id="{5D0EEB5A-FAFB-4970-8082-181E922B6EBC}" type="datetimeFigureOut">
               <a:rPr lang="zh-CN" altLang="en-US" smtClean="0"/>
-              <a:t>2015/7/21</a:t>
+              <a:t>2016/5/26</a:t>
             </a:fld>
             <a:endParaRPr lang="zh-CN" altLang="en-US"/>
           </a:p>
@@ -1260,7 +1254,7 @@
           <a:p>
             <a:fld id="{5D0EEB5A-FAFB-4970-8082-181E922B6EBC}" type="datetimeFigureOut">
               <a:rPr lang="zh-CN" altLang="en-US" smtClean="0"/>
-              <a:t>2015/7/21</a:t>
+              <a:t>2016/5/26</a:t>
             </a:fld>
             <a:endParaRPr lang="zh-CN" altLang="en-US"/>
           </a:p>
@@ -1627,7 +1621,7 @@
           <a:p>
             <a:fld id="{5D0EEB5A-FAFB-4970-8082-181E922B6EBC}" type="datetimeFigureOut">
               <a:rPr lang="zh-CN" altLang="en-US" smtClean="0"/>
-              <a:t>2015/7/21</a:t>
+              <a:t>2016/5/26</a:t>
             </a:fld>
             <a:endParaRPr lang="zh-CN" altLang="en-US"/>
           </a:p>
@@ -1745,7 +1739,7 @@
           <a:p>
             <a:fld id="{5D0EEB5A-FAFB-4970-8082-181E922B6EBC}" type="datetimeFigureOut">
               <a:rPr lang="zh-CN" altLang="en-US" smtClean="0"/>
-              <a:t>2015/7/21</a:t>
+              <a:t>2016/5/26</a:t>
             </a:fld>
             <a:endParaRPr lang="zh-CN" altLang="en-US"/>
           </a:p>
@@ -1840,7 +1834,7 @@
           <a:p>
             <a:fld id="{5D0EEB5A-FAFB-4970-8082-181E922B6EBC}" type="datetimeFigureOut">
               <a:rPr lang="zh-CN" altLang="en-US" smtClean="0"/>
-              <a:t>2015/7/21</a:t>
+              <a:t>2016/5/26</a:t>
             </a:fld>
             <a:endParaRPr lang="zh-CN" altLang="en-US"/>
           </a:p>
@@ -2117,7 +2111,7 @@
           <a:p>
             <a:fld id="{5D0EEB5A-FAFB-4970-8082-181E922B6EBC}" type="datetimeFigureOut">
               <a:rPr lang="zh-CN" altLang="en-US" smtClean="0"/>
-              <a:t>2015/7/21</a:t>
+              <a:t>2016/5/26</a:t>
             </a:fld>
             <a:endParaRPr lang="zh-CN" altLang="en-US"/>
           </a:p>
@@ -2370,7 +2364,7 @@
           <a:p>
             <a:fld id="{5D0EEB5A-FAFB-4970-8082-181E922B6EBC}" type="datetimeFigureOut">
               <a:rPr lang="zh-CN" altLang="en-US" smtClean="0"/>
-              <a:t>2015/7/21</a:t>
+              <a:t>2016/5/26</a:t>
             </a:fld>
             <a:endParaRPr lang="zh-CN" altLang="en-US"/>
           </a:p>
@@ -2583,7 +2577,7 @@
           <a:p>
             <a:fld id="{5D0EEB5A-FAFB-4970-8082-181E922B6EBC}" type="datetimeFigureOut">
               <a:rPr lang="zh-CN" altLang="en-US" smtClean="0"/>
-              <a:t>2015/7/21</a:t>
+              <a:t>2016/5/26</a:t>
             </a:fld>
             <a:endParaRPr lang="zh-CN" altLang="en-US"/>
           </a:p>
@@ -3702,7 +3696,7 @@
           <a:p>
             <a:r>
               <a:rPr lang="en-US" altLang="zh-CN" dirty="0" smtClean="0"/>
-              <a:t>RPC framework</a:t>
+              <a:t>Thanks</a:t>
             </a:r>
             <a:endParaRPr lang="zh-CN" altLang="en-US" dirty="0"/>
           </a:p>
@@ -3724,61 +3718,31 @@
           <a:lstStyle/>
           <a:p>
             <a:r>
-              <a:rPr lang="en-US" altLang="zh-CN" dirty="0" smtClean="0"/>
-              <a:t>Light weight</a:t>
-            </a:r>
-          </a:p>
-          <a:p>
-            <a:r>
-              <a:rPr lang="en-US" altLang="zh-CN" dirty="0" smtClean="0"/>
-              <a:t>Proxy &amp; stub</a:t>
-            </a:r>
-          </a:p>
-          <a:p>
-            <a:r>
-              <a:rPr lang="en-US" altLang="zh-CN" dirty="0" smtClean="0"/>
-              <a:t>Non-blocking &amp; no return RPC method</a:t>
-            </a:r>
-          </a:p>
-          <a:p>
-            <a:r>
-              <a:rPr lang="en-US" altLang="zh-CN" dirty="0" smtClean="0"/>
-              <a:t>Simple object type system</a:t>
-            </a:r>
-          </a:p>
-          <a:p>
-            <a:pPr lvl="1"/>
-            <a:r>
-              <a:rPr lang="en-US" altLang="zh-CN" dirty="0" smtClean="0"/>
-              <a:t>Number</a:t>
-            </a:r>
-          </a:p>
-          <a:p>
-            <a:pPr lvl="1"/>
-            <a:r>
-              <a:rPr lang="en-US" altLang="zh-CN" dirty="0" smtClean="0"/>
-              <a:t>String</a:t>
-            </a:r>
-          </a:p>
-          <a:p>
-            <a:pPr lvl="1"/>
-            <a:r>
-              <a:rPr lang="en-US" altLang="zh-CN" dirty="0" smtClean="0"/>
-              <a:t>Array</a:t>
-            </a:r>
-          </a:p>
-          <a:p>
-            <a:r>
-              <a:rPr lang="en-US" altLang="zh-CN" dirty="0" smtClean="0"/>
-              <a:t>Not easy to use</a:t>
-            </a:r>
+              <a:rPr lang="en-US" altLang="zh-CN" dirty="0" smtClean="0">
+                <a:hlinkClick r:id="rId2"/>
+              </a:rPr>
+              <a:t>https</a:t>
+            </a:r>
+            <a:r>
+              <a:rPr lang="en-US" altLang="zh-CN" smtClean="0">
+                <a:hlinkClick r:id="rId2"/>
+              </a:rPr>
+              <a:t>://</a:t>
+            </a:r>
+            <a:r>
+              <a:rPr lang="en-US" altLang="zh-CN" smtClean="0">
+                <a:hlinkClick r:id="rId2"/>
+              </a:rPr>
+              <a:t>github.com/dennis-kk/knet</a:t>
+            </a:r>
+            <a:endParaRPr lang="zh-CN" altLang="en-US" dirty="0"/>
           </a:p>
         </p:txBody>
       </p:sp>
     </p:spTree>
     <p:extLst>
       <p:ext uri="{BB962C8B-B14F-4D97-AF65-F5344CB8AC3E}">
-        <p14:creationId xmlns:p14="http://schemas.microsoft.com/office/powerpoint/2010/main" val="2769061827"/>
+        <p14:creationId xmlns:p14="http://schemas.microsoft.com/office/powerpoint/2010/main" val="4169602789"/>
       </p:ext>
     </p:extLst>
   </p:cSld>
@@ -3792,2107 +3756,6 @@
       </p:par>
     </p:tnLst>
   </p:timing>
-</p:sld>
-</file>
-
-<file path=ppt/slides/slide15.xml><?xml version="1.0" encoding="utf-8"?>
-<p:sld xmlns:a="http://schemas.openxmlformats.org/drawingml/2006/main" xmlns:r="http://schemas.openxmlformats.org/officeDocument/2006/relationships" xmlns:p="http://schemas.openxmlformats.org/presentationml/2006/main">
-  <p:cSld>
-    <p:spTree>
-      <p:nvGrpSpPr>
-        <p:cNvPr id="1" name=""/>
-        <p:cNvGrpSpPr/>
-        <p:nvPr/>
-      </p:nvGrpSpPr>
-      <p:grpSpPr>
-        <a:xfrm>
-          <a:off x="0" y="0"/>
-          <a:ext cx="0" cy="0"/>
-          <a:chOff x="0" y="0"/>
-          <a:chExt cx="0" cy="0"/>
-        </a:xfrm>
-      </p:grpSpPr>
-      <p:sp>
-        <p:nvSpPr>
-          <p:cNvPr id="2" name="标题 1"/>
-          <p:cNvSpPr>
-            <a:spLocks noGrp="1"/>
-          </p:cNvSpPr>
-          <p:nvPr>
-            <p:ph type="title"/>
-          </p:nvPr>
-        </p:nvSpPr>
-        <p:spPr/>
-        <p:txBody>
-          <a:bodyPr/>
-          <a:lstStyle/>
-          <a:p>
-            <a:r>
-              <a:rPr lang="en-US" altLang="zh-CN" dirty="0" smtClean="0"/>
-              <a:t>RPC - Type</a:t>
-            </a:r>
-            <a:endParaRPr lang="zh-CN" altLang="en-US" dirty="0"/>
-          </a:p>
-        </p:txBody>
-      </p:sp>
-      <p:graphicFrame>
-        <p:nvGraphicFramePr>
-          <p:cNvPr id="5" name="内容占位符 4"/>
-          <p:cNvGraphicFramePr>
-            <a:graphicFrameLocks noGrp="1"/>
-          </p:cNvGraphicFramePr>
-          <p:nvPr>
-            <p:ph idx="1"/>
-            <p:extLst>
-              <p:ext uri="{D42A27DB-BD31-4B8C-83A1-F6EECF244321}">
-                <p14:modId xmlns:p14="http://schemas.microsoft.com/office/powerpoint/2010/main" val="1228517992"/>
-              </p:ext>
-            </p:extLst>
-          </p:nvPr>
-        </p:nvGraphicFramePr>
-        <p:xfrm>
-          <a:off x="838200" y="1825625"/>
-          <a:ext cx="7211646" cy="4820920"/>
-        </p:xfrm>
-        <a:graphic>
-          <a:graphicData uri="http://schemas.openxmlformats.org/drawingml/2006/table">
-            <a:tbl>
-              <a:tblPr firstRow="1" bandRow="1">
-                <a:tableStyleId>{5C22544A-7EE6-4342-B048-85BDC9FD1C3A}</a:tableStyleId>
-              </a:tblPr>
-              <a:tblGrid>
-                <a:gridCol w="2403882"/>
-                <a:gridCol w="2403882"/>
-                <a:gridCol w="2403882"/>
-              </a:tblGrid>
-              <a:tr h="370840">
-                <a:tc>
-                  <a:txBody>
-                    <a:bodyPr/>
-                    <a:lstStyle/>
-                    <a:p>
-                      <a:pPr algn="ctr"/>
-                      <a:r>
-                        <a:rPr lang="en-US" altLang="zh-CN" dirty="0" smtClean="0"/>
-                        <a:t>Type</a:t>
-                      </a:r>
-                      <a:endParaRPr lang="zh-CN" altLang="en-US" dirty="0"/>
-                    </a:p>
-                  </a:txBody>
-                  <a:tcPr/>
-                </a:tc>
-                <a:tc>
-                  <a:txBody>
-                    <a:bodyPr/>
-                    <a:lstStyle/>
-                    <a:p>
-                      <a:pPr algn="ctr"/>
-                      <a:r>
-                        <a:rPr lang="en-US" altLang="zh-CN" dirty="0" smtClean="0"/>
-                        <a:t>Byte</a:t>
-                      </a:r>
-                      <a:endParaRPr lang="zh-CN" altLang="en-US" dirty="0"/>
-                    </a:p>
-                  </a:txBody>
-                  <a:tcPr/>
-                </a:tc>
-                <a:tc>
-                  <a:txBody>
-                    <a:bodyPr/>
-                    <a:lstStyle/>
-                    <a:p>
-                      <a:pPr algn="ctr"/>
-                      <a:r>
-                        <a:rPr lang="en-US" altLang="zh-CN" dirty="0" smtClean="0"/>
-                        <a:t>Description</a:t>
-                      </a:r>
-                      <a:endParaRPr lang="zh-CN" altLang="en-US" dirty="0"/>
-                    </a:p>
-                  </a:txBody>
-                  <a:tcPr/>
-                </a:tc>
-              </a:tr>
-              <a:tr h="370840">
-                <a:tc>
-                  <a:txBody>
-                    <a:bodyPr/>
-                    <a:lstStyle/>
-                    <a:p>
-                      <a:pPr algn="ctr"/>
-                      <a:r>
-                        <a:rPr lang="en-US" altLang="zh-CN" dirty="0" smtClean="0"/>
-                        <a:t>i8</a:t>
-                      </a:r>
-                      <a:endParaRPr lang="zh-CN" altLang="en-US" dirty="0"/>
-                    </a:p>
-                  </a:txBody>
-                  <a:tcPr/>
-                </a:tc>
-                <a:tc>
-                  <a:txBody>
-                    <a:bodyPr/>
-                    <a:lstStyle/>
-                    <a:p>
-                      <a:pPr algn="ctr"/>
-                      <a:r>
-                        <a:rPr lang="en-US" altLang="zh-CN" dirty="0" smtClean="0"/>
-                        <a:t>1</a:t>
-                      </a:r>
-                      <a:endParaRPr lang="zh-CN" altLang="en-US" dirty="0"/>
-                    </a:p>
-                  </a:txBody>
-                  <a:tcPr/>
-                </a:tc>
-                <a:tc>
-                  <a:txBody>
-                    <a:bodyPr/>
-                    <a:lstStyle/>
-                    <a:p>
-                      <a:pPr algn="ctr"/>
-                      <a:r>
-                        <a:rPr lang="en-US" altLang="zh-CN" dirty="0" smtClean="0"/>
-                        <a:t>1</a:t>
-                      </a:r>
-                      <a:r>
-                        <a:rPr lang="en-US" altLang="zh-CN" baseline="0" dirty="0" smtClean="0"/>
-                        <a:t> byte signed integer</a:t>
-                      </a:r>
-                      <a:endParaRPr lang="zh-CN" altLang="en-US" dirty="0"/>
-                    </a:p>
-                  </a:txBody>
-                  <a:tcPr/>
-                </a:tc>
-              </a:tr>
-              <a:tr h="370840">
-                <a:tc>
-                  <a:txBody>
-                    <a:bodyPr/>
-                    <a:lstStyle/>
-                    <a:p>
-                      <a:pPr algn="ctr"/>
-                      <a:r>
-                        <a:rPr lang="en-US" altLang="zh-CN" dirty="0" smtClean="0"/>
-                        <a:t>i16</a:t>
-                      </a:r>
-                      <a:endParaRPr lang="zh-CN" altLang="en-US" dirty="0"/>
-                    </a:p>
-                  </a:txBody>
-                  <a:tcPr/>
-                </a:tc>
-                <a:tc>
-                  <a:txBody>
-                    <a:bodyPr/>
-                    <a:lstStyle/>
-                    <a:p>
-                      <a:pPr algn="ctr"/>
-                      <a:r>
-                        <a:rPr lang="en-US" altLang="zh-CN" dirty="0" smtClean="0"/>
-                        <a:t>2</a:t>
-                      </a:r>
-                      <a:endParaRPr lang="zh-CN" altLang="en-US" dirty="0"/>
-                    </a:p>
-                  </a:txBody>
-                  <a:tcPr/>
-                </a:tc>
-                <a:tc>
-                  <a:txBody>
-                    <a:bodyPr/>
-                    <a:lstStyle/>
-                    <a:p>
-                      <a:pPr marL="0" marR="0" indent="0" algn="ctr" defTabSz="914400" rtl="0" eaLnBrk="1" fontAlgn="auto" latinLnBrk="0" hangingPunct="1">
-                        <a:lnSpc>
-                          <a:spcPct val="100000"/>
-                        </a:lnSpc>
-                        <a:spcBef>
-                          <a:spcPts val="0"/>
-                        </a:spcBef>
-                        <a:spcAft>
-                          <a:spcPts val="0"/>
-                        </a:spcAft>
-                        <a:buClrTx/>
-                        <a:buSzTx/>
-                        <a:buFontTx/>
-                        <a:buNone/>
-                        <a:tabLst/>
-                        <a:defRPr/>
-                      </a:pPr>
-                      <a:r>
-                        <a:rPr lang="en-US" altLang="zh-CN" baseline="0" dirty="0" smtClean="0"/>
-                        <a:t>2 bytes signed integer</a:t>
-                      </a:r>
-                      <a:endParaRPr lang="zh-CN" altLang="en-US" dirty="0"/>
-                    </a:p>
-                  </a:txBody>
-                  <a:tcPr/>
-                </a:tc>
-              </a:tr>
-              <a:tr h="370840">
-                <a:tc>
-                  <a:txBody>
-                    <a:bodyPr/>
-                    <a:lstStyle/>
-                    <a:p>
-                      <a:pPr algn="ctr"/>
-                      <a:r>
-                        <a:rPr lang="en-US" altLang="zh-CN" dirty="0" smtClean="0"/>
-                        <a:t>i32</a:t>
-                      </a:r>
-                      <a:endParaRPr lang="zh-CN" altLang="en-US" dirty="0"/>
-                    </a:p>
-                  </a:txBody>
-                  <a:tcPr/>
-                </a:tc>
-                <a:tc>
-                  <a:txBody>
-                    <a:bodyPr/>
-                    <a:lstStyle/>
-                    <a:p>
-                      <a:pPr algn="ctr"/>
-                      <a:r>
-                        <a:rPr lang="en-US" altLang="zh-CN" dirty="0" smtClean="0"/>
-                        <a:t>4</a:t>
-                      </a:r>
-                      <a:endParaRPr lang="zh-CN" altLang="en-US" dirty="0"/>
-                    </a:p>
-                  </a:txBody>
-                  <a:tcPr/>
-                </a:tc>
-                <a:tc>
-                  <a:txBody>
-                    <a:bodyPr/>
-                    <a:lstStyle/>
-                    <a:p>
-                      <a:pPr marL="0" marR="0" indent="0" algn="ctr" defTabSz="914400" rtl="0" eaLnBrk="1" fontAlgn="auto" latinLnBrk="0" hangingPunct="1">
-                        <a:lnSpc>
-                          <a:spcPct val="100000"/>
-                        </a:lnSpc>
-                        <a:spcBef>
-                          <a:spcPts val="0"/>
-                        </a:spcBef>
-                        <a:spcAft>
-                          <a:spcPts val="0"/>
-                        </a:spcAft>
-                        <a:buClrTx/>
-                        <a:buSzTx/>
-                        <a:buFontTx/>
-                        <a:buNone/>
-                        <a:tabLst/>
-                        <a:defRPr/>
-                      </a:pPr>
-                      <a:r>
-                        <a:rPr lang="en-US" altLang="zh-CN" baseline="0" dirty="0" smtClean="0"/>
-                        <a:t>4 bytes signed integer</a:t>
-                      </a:r>
-                      <a:endParaRPr lang="zh-CN" altLang="en-US" dirty="0" smtClean="0"/>
-                    </a:p>
-                  </a:txBody>
-                  <a:tcPr/>
-                </a:tc>
-              </a:tr>
-              <a:tr h="370840">
-                <a:tc>
-                  <a:txBody>
-                    <a:bodyPr/>
-                    <a:lstStyle/>
-                    <a:p>
-                      <a:pPr algn="ctr"/>
-                      <a:r>
-                        <a:rPr lang="en-US" altLang="zh-CN" dirty="0" smtClean="0"/>
-                        <a:t>i64</a:t>
-                      </a:r>
-                      <a:endParaRPr lang="zh-CN" altLang="en-US" dirty="0"/>
-                    </a:p>
-                  </a:txBody>
-                  <a:tcPr/>
-                </a:tc>
-                <a:tc>
-                  <a:txBody>
-                    <a:bodyPr/>
-                    <a:lstStyle/>
-                    <a:p>
-                      <a:pPr algn="ctr"/>
-                      <a:r>
-                        <a:rPr lang="en-US" altLang="zh-CN" dirty="0" smtClean="0"/>
-                        <a:t>8</a:t>
-                      </a:r>
-                      <a:endParaRPr lang="zh-CN" altLang="en-US" dirty="0"/>
-                    </a:p>
-                  </a:txBody>
-                  <a:tcPr/>
-                </a:tc>
-                <a:tc>
-                  <a:txBody>
-                    <a:bodyPr/>
-                    <a:lstStyle/>
-                    <a:p>
-                      <a:pPr marL="0" marR="0" indent="0" algn="ctr" defTabSz="914400" rtl="0" eaLnBrk="1" fontAlgn="auto" latinLnBrk="0" hangingPunct="1">
-                        <a:lnSpc>
-                          <a:spcPct val="100000"/>
-                        </a:lnSpc>
-                        <a:spcBef>
-                          <a:spcPts val="0"/>
-                        </a:spcBef>
-                        <a:spcAft>
-                          <a:spcPts val="0"/>
-                        </a:spcAft>
-                        <a:buClrTx/>
-                        <a:buSzTx/>
-                        <a:buFontTx/>
-                        <a:buNone/>
-                        <a:tabLst/>
-                        <a:defRPr/>
-                      </a:pPr>
-                      <a:r>
-                        <a:rPr lang="en-US" altLang="zh-CN" baseline="0" dirty="0" smtClean="0"/>
-                        <a:t>8 bytes signed integer</a:t>
-                      </a:r>
-                      <a:endParaRPr lang="zh-CN" altLang="en-US" dirty="0" smtClean="0"/>
-                    </a:p>
-                  </a:txBody>
-                  <a:tcPr/>
-                </a:tc>
-              </a:tr>
-              <a:tr h="370840">
-                <a:tc>
-                  <a:txBody>
-                    <a:bodyPr/>
-                    <a:lstStyle/>
-                    <a:p>
-                      <a:pPr algn="ctr"/>
-                      <a:r>
-                        <a:rPr lang="en-US" altLang="zh-CN" dirty="0" smtClean="0"/>
-                        <a:t>ui8</a:t>
-                      </a:r>
-                      <a:endParaRPr lang="zh-CN" altLang="en-US" dirty="0"/>
-                    </a:p>
-                  </a:txBody>
-                  <a:tcPr/>
-                </a:tc>
-                <a:tc>
-                  <a:txBody>
-                    <a:bodyPr/>
-                    <a:lstStyle/>
-                    <a:p>
-                      <a:pPr algn="ctr"/>
-                      <a:r>
-                        <a:rPr lang="en-US" altLang="zh-CN" dirty="0" smtClean="0"/>
-                        <a:t>1</a:t>
-                      </a:r>
-                      <a:endParaRPr lang="zh-CN" altLang="en-US" dirty="0"/>
-                    </a:p>
-                  </a:txBody>
-                  <a:tcPr/>
-                </a:tc>
-                <a:tc>
-                  <a:txBody>
-                    <a:bodyPr/>
-                    <a:lstStyle/>
-                    <a:p>
-                      <a:pPr marL="0" marR="0" indent="0" algn="ctr" defTabSz="914400" rtl="0" eaLnBrk="1" fontAlgn="auto" latinLnBrk="0" hangingPunct="1">
-                        <a:lnSpc>
-                          <a:spcPct val="100000"/>
-                        </a:lnSpc>
-                        <a:spcBef>
-                          <a:spcPts val="0"/>
-                        </a:spcBef>
-                        <a:spcAft>
-                          <a:spcPts val="0"/>
-                        </a:spcAft>
-                        <a:buClrTx/>
-                        <a:buSzTx/>
-                        <a:buFontTx/>
-                        <a:buNone/>
-                        <a:tabLst/>
-                        <a:defRPr/>
-                      </a:pPr>
-                      <a:r>
-                        <a:rPr lang="en-US" altLang="zh-CN" baseline="0" dirty="0" smtClean="0"/>
-                        <a:t>1 byte unsigned integer</a:t>
-                      </a:r>
-                      <a:endParaRPr lang="zh-CN" altLang="en-US" dirty="0" smtClean="0"/>
-                    </a:p>
-                  </a:txBody>
-                  <a:tcPr/>
-                </a:tc>
-              </a:tr>
-              <a:tr h="370840">
-                <a:tc>
-                  <a:txBody>
-                    <a:bodyPr/>
-                    <a:lstStyle/>
-                    <a:p>
-                      <a:pPr algn="ctr"/>
-                      <a:r>
-                        <a:rPr lang="en-US" altLang="zh-CN" dirty="0" smtClean="0"/>
-                        <a:t>ui16</a:t>
-                      </a:r>
-                      <a:endParaRPr lang="zh-CN" altLang="en-US" dirty="0"/>
-                    </a:p>
-                  </a:txBody>
-                  <a:tcPr/>
-                </a:tc>
-                <a:tc>
-                  <a:txBody>
-                    <a:bodyPr/>
-                    <a:lstStyle/>
-                    <a:p>
-                      <a:pPr algn="ctr"/>
-                      <a:r>
-                        <a:rPr lang="en-US" altLang="zh-CN" dirty="0" smtClean="0"/>
-                        <a:t>2</a:t>
-                      </a:r>
-                      <a:endParaRPr lang="zh-CN" altLang="en-US" dirty="0"/>
-                    </a:p>
-                  </a:txBody>
-                  <a:tcPr/>
-                </a:tc>
-                <a:tc>
-                  <a:txBody>
-                    <a:bodyPr/>
-                    <a:lstStyle/>
-                    <a:p>
-                      <a:pPr marL="0" marR="0" indent="0" algn="ctr" defTabSz="914400" rtl="0" eaLnBrk="1" fontAlgn="auto" latinLnBrk="0" hangingPunct="1">
-                        <a:lnSpc>
-                          <a:spcPct val="100000"/>
-                        </a:lnSpc>
-                        <a:spcBef>
-                          <a:spcPts val="0"/>
-                        </a:spcBef>
-                        <a:spcAft>
-                          <a:spcPts val="0"/>
-                        </a:spcAft>
-                        <a:buClrTx/>
-                        <a:buSzTx/>
-                        <a:buFontTx/>
-                        <a:buNone/>
-                        <a:tabLst/>
-                        <a:defRPr/>
-                      </a:pPr>
-                      <a:r>
-                        <a:rPr lang="en-US" altLang="zh-CN" baseline="0" dirty="0" smtClean="0"/>
-                        <a:t>2 bytes signed integer</a:t>
-                      </a:r>
-                      <a:endParaRPr lang="zh-CN" altLang="en-US" dirty="0" smtClean="0"/>
-                    </a:p>
-                  </a:txBody>
-                  <a:tcPr/>
-                </a:tc>
-              </a:tr>
-              <a:tr h="370840">
-                <a:tc>
-                  <a:txBody>
-                    <a:bodyPr/>
-                    <a:lstStyle/>
-                    <a:p>
-                      <a:pPr algn="ctr"/>
-                      <a:r>
-                        <a:rPr lang="en-US" altLang="zh-CN" dirty="0" smtClean="0"/>
-                        <a:t>ui32</a:t>
-                      </a:r>
-                      <a:endParaRPr lang="zh-CN" altLang="en-US" dirty="0"/>
-                    </a:p>
-                  </a:txBody>
-                  <a:tcPr/>
-                </a:tc>
-                <a:tc>
-                  <a:txBody>
-                    <a:bodyPr/>
-                    <a:lstStyle/>
-                    <a:p>
-                      <a:pPr algn="ctr"/>
-                      <a:r>
-                        <a:rPr lang="en-US" altLang="zh-CN" dirty="0" smtClean="0"/>
-                        <a:t>4</a:t>
-                      </a:r>
-                      <a:endParaRPr lang="zh-CN" altLang="en-US" dirty="0"/>
-                    </a:p>
-                  </a:txBody>
-                  <a:tcPr/>
-                </a:tc>
-                <a:tc>
-                  <a:txBody>
-                    <a:bodyPr/>
-                    <a:lstStyle/>
-                    <a:p>
-                      <a:pPr marL="0" marR="0" indent="0" algn="ctr" defTabSz="914400" rtl="0" eaLnBrk="1" fontAlgn="auto" latinLnBrk="0" hangingPunct="1">
-                        <a:lnSpc>
-                          <a:spcPct val="100000"/>
-                        </a:lnSpc>
-                        <a:spcBef>
-                          <a:spcPts val="0"/>
-                        </a:spcBef>
-                        <a:spcAft>
-                          <a:spcPts val="0"/>
-                        </a:spcAft>
-                        <a:buClrTx/>
-                        <a:buSzTx/>
-                        <a:buFontTx/>
-                        <a:buNone/>
-                        <a:tabLst/>
-                        <a:defRPr/>
-                      </a:pPr>
-                      <a:r>
-                        <a:rPr lang="en-US" altLang="zh-CN" baseline="0" dirty="0" smtClean="0"/>
-                        <a:t>4 bytes signed integer</a:t>
-                      </a:r>
-                      <a:endParaRPr lang="zh-CN" altLang="en-US" dirty="0" smtClean="0"/>
-                    </a:p>
-                  </a:txBody>
-                  <a:tcPr/>
-                </a:tc>
-              </a:tr>
-              <a:tr h="370840">
-                <a:tc>
-                  <a:txBody>
-                    <a:bodyPr/>
-                    <a:lstStyle/>
-                    <a:p>
-                      <a:pPr algn="ctr"/>
-                      <a:r>
-                        <a:rPr lang="en-US" altLang="zh-CN" dirty="0" smtClean="0"/>
-                        <a:t>ui64</a:t>
-                      </a:r>
-                      <a:endParaRPr lang="zh-CN" altLang="en-US" dirty="0"/>
-                    </a:p>
-                  </a:txBody>
-                  <a:tcPr/>
-                </a:tc>
-                <a:tc>
-                  <a:txBody>
-                    <a:bodyPr/>
-                    <a:lstStyle/>
-                    <a:p>
-                      <a:pPr algn="ctr"/>
-                      <a:r>
-                        <a:rPr lang="en-US" altLang="zh-CN" dirty="0" smtClean="0"/>
-                        <a:t>8</a:t>
-                      </a:r>
-                      <a:endParaRPr lang="zh-CN" altLang="en-US" dirty="0"/>
-                    </a:p>
-                  </a:txBody>
-                  <a:tcPr/>
-                </a:tc>
-                <a:tc>
-                  <a:txBody>
-                    <a:bodyPr/>
-                    <a:lstStyle/>
-                    <a:p>
-                      <a:pPr marL="0" marR="0" indent="0" algn="ctr" defTabSz="914400" rtl="0" eaLnBrk="1" fontAlgn="auto" latinLnBrk="0" hangingPunct="1">
-                        <a:lnSpc>
-                          <a:spcPct val="100000"/>
-                        </a:lnSpc>
-                        <a:spcBef>
-                          <a:spcPts val="0"/>
-                        </a:spcBef>
-                        <a:spcAft>
-                          <a:spcPts val="0"/>
-                        </a:spcAft>
-                        <a:buClrTx/>
-                        <a:buSzTx/>
-                        <a:buFontTx/>
-                        <a:buNone/>
-                        <a:tabLst/>
-                        <a:defRPr/>
-                      </a:pPr>
-                      <a:r>
-                        <a:rPr lang="en-US" altLang="zh-CN" baseline="0" dirty="0" smtClean="0"/>
-                        <a:t>8 bytes signed integer</a:t>
-                      </a:r>
-                      <a:endParaRPr lang="zh-CN" altLang="en-US" dirty="0" smtClean="0"/>
-                    </a:p>
-                  </a:txBody>
-                  <a:tcPr/>
-                </a:tc>
-              </a:tr>
-              <a:tr h="370840">
-                <a:tc>
-                  <a:txBody>
-                    <a:bodyPr/>
-                    <a:lstStyle/>
-                    <a:p>
-                      <a:pPr algn="ctr"/>
-                      <a:r>
-                        <a:rPr lang="en-US" altLang="zh-CN" dirty="0" smtClean="0"/>
-                        <a:t>string</a:t>
-                      </a:r>
-                      <a:endParaRPr lang="zh-CN" altLang="en-US" dirty="0"/>
-                    </a:p>
-                  </a:txBody>
-                  <a:tcPr/>
-                </a:tc>
-                <a:tc>
-                  <a:txBody>
-                    <a:bodyPr/>
-                    <a:lstStyle/>
-                    <a:p>
-                      <a:pPr algn="ctr"/>
-                      <a:r>
-                        <a:rPr lang="en-US" altLang="zh-CN" dirty="0" smtClean="0"/>
-                        <a:t>-</a:t>
-                      </a:r>
-                      <a:endParaRPr lang="zh-CN" altLang="en-US" dirty="0"/>
-                    </a:p>
-                  </a:txBody>
-                  <a:tcPr/>
-                </a:tc>
-                <a:tc>
-                  <a:txBody>
-                    <a:bodyPr/>
-                    <a:lstStyle/>
-                    <a:p>
-                      <a:pPr marL="0" marR="0" indent="0" algn="ctr" defTabSz="914400" rtl="0" eaLnBrk="1" fontAlgn="auto" latinLnBrk="0" hangingPunct="1">
-                        <a:lnSpc>
-                          <a:spcPct val="100000"/>
-                        </a:lnSpc>
-                        <a:spcBef>
-                          <a:spcPts val="0"/>
-                        </a:spcBef>
-                        <a:spcAft>
-                          <a:spcPts val="0"/>
-                        </a:spcAft>
-                        <a:buClrTx/>
-                        <a:buSzTx/>
-                        <a:buFontTx/>
-                        <a:buNone/>
-                        <a:tabLst/>
-                        <a:defRPr/>
-                      </a:pPr>
-                      <a:r>
-                        <a:rPr lang="en-US" altLang="zh-CN" dirty="0" smtClean="0"/>
-                        <a:t>String</a:t>
-                      </a:r>
-                      <a:endParaRPr lang="zh-CN" altLang="en-US" dirty="0" smtClean="0"/>
-                    </a:p>
-                  </a:txBody>
-                  <a:tcPr/>
-                </a:tc>
-              </a:tr>
-              <a:tr h="370840">
-                <a:tc>
-                  <a:txBody>
-                    <a:bodyPr/>
-                    <a:lstStyle/>
-                    <a:p>
-                      <a:pPr algn="ctr"/>
-                      <a:r>
-                        <a:rPr lang="en-US" altLang="zh-CN" dirty="0" smtClean="0"/>
-                        <a:t>object</a:t>
-                      </a:r>
-                      <a:endParaRPr lang="zh-CN" altLang="en-US" dirty="0"/>
-                    </a:p>
-                  </a:txBody>
-                  <a:tcPr/>
-                </a:tc>
-                <a:tc>
-                  <a:txBody>
-                    <a:bodyPr/>
-                    <a:lstStyle/>
-                    <a:p>
-                      <a:pPr algn="ctr"/>
-                      <a:r>
-                        <a:rPr lang="en-US" altLang="zh-CN" dirty="0" smtClean="0"/>
-                        <a:t>-</a:t>
-                      </a:r>
-                      <a:endParaRPr lang="zh-CN" altLang="en-US" dirty="0"/>
-                    </a:p>
-                  </a:txBody>
-                  <a:tcPr/>
-                </a:tc>
-                <a:tc>
-                  <a:txBody>
-                    <a:bodyPr/>
-                    <a:lstStyle/>
-                    <a:p>
-                      <a:pPr marL="0" marR="0" indent="0" algn="ctr" defTabSz="914400" rtl="0" eaLnBrk="1" fontAlgn="auto" latinLnBrk="0" hangingPunct="1">
-                        <a:lnSpc>
-                          <a:spcPct val="100000"/>
-                        </a:lnSpc>
-                        <a:spcBef>
-                          <a:spcPts val="0"/>
-                        </a:spcBef>
-                        <a:spcAft>
-                          <a:spcPts val="0"/>
-                        </a:spcAft>
-                        <a:buClrTx/>
-                        <a:buSzTx/>
-                        <a:buFontTx/>
-                        <a:buNone/>
-                        <a:tabLst/>
-                        <a:defRPr/>
-                      </a:pPr>
-                      <a:r>
-                        <a:rPr lang="en-US" altLang="zh-CN" dirty="0" smtClean="0"/>
-                        <a:t>Structural data</a:t>
-                      </a:r>
-                      <a:endParaRPr lang="zh-CN" altLang="en-US" dirty="0" smtClean="0"/>
-                    </a:p>
-                  </a:txBody>
-                  <a:tcPr/>
-                </a:tc>
-              </a:tr>
-              <a:tr h="370840">
-                <a:tc>
-                  <a:txBody>
-                    <a:bodyPr/>
-                    <a:lstStyle/>
-                    <a:p>
-                      <a:pPr algn="ctr"/>
-                      <a:r>
-                        <a:rPr lang="en-US" altLang="zh-CN" dirty="0" smtClean="0"/>
-                        <a:t>[]</a:t>
-                      </a:r>
-                      <a:endParaRPr lang="zh-CN" altLang="en-US" dirty="0"/>
-                    </a:p>
-                  </a:txBody>
-                  <a:tcPr/>
-                </a:tc>
-                <a:tc>
-                  <a:txBody>
-                    <a:bodyPr/>
-                    <a:lstStyle/>
-                    <a:p>
-                      <a:pPr algn="ctr"/>
-                      <a:r>
-                        <a:rPr lang="en-US" altLang="zh-CN" dirty="0" smtClean="0"/>
-                        <a:t>-</a:t>
-                      </a:r>
-                      <a:endParaRPr lang="zh-CN" altLang="en-US" dirty="0"/>
-                    </a:p>
-                  </a:txBody>
-                  <a:tcPr/>
-                </a:tc>
-                <a:tc>
-                  <a:txBody>
-                    <a:bodyPr/>
-                    <a:lstStyle/>
-                    <a:p>
-                      <a:pPr marL="0" marR="0" indent="0" algn="ctr" defTabSz="914400" rtl="0" eaLnBrk="1" fontAlgn="auto" latinLnBrk="0" hangingPunct="1">
-                        <a:lnSpc>
-                          <a:spcPct val="100000"/>
-                        </a:lnSpc>
-                        <a:spcBef>
-                          <a:spcPts val="0"/>
-                        </a:spcBef>
-                        <a:spcAft>
-                          <a:spcPts val="0"/>
-                        </a:spcAft>
-                        <a:buClrTx/>
-                        <a:buSzTx/>
-                        <a:buFontTx/>
-                        <a:buNone/>
-                        <a:tabLst/>
-                        <a:defRPr/>
-                      </a:pPr>
-                      <a:r>
-                        <a:rPr lang="en-US" altLang="zh-CN" dirty="0" smtClean="0"/>
-                        <a:t>Array</a:t>
-                      </a:r>
-                      <a:endParaRPr lang="zh-CN" altLang="en-US" dirty="0" smtClean="0"/>
-                    </a:p>
-                  </a:txBody>
-                  <a:tcPr/>
-                </a:tc>
-              </a:tr>
-              <a:tr h="370840">
-                <a:tc>
-                  <a:txBody>
-                    <a:bodyPr/>
-                    <a:lstStyle/>
-                    <a:p>
-                      <a:pPr algn="ctr"/>
-                      <a:r>
-                        <a:rPr lang="en-US" altLang="zh-CN" dirty="0" smtClean="0"/>
-                        <a:t>&lt;&gt;</a:t>
-                      </a:r>
-                      <a:endParaRPr lang="zh-CN" altLang="en-US" dirty="0"/>
-                    </a:p>
-                  </a:txBody>
-                  <a:tcPr/>
-                </a:tc>
-                <a:tc>
-                  <a:txBody>
-                    <a:bodyPr/>
-                    <a:lstStyle/>
-                    <a:p>
-                      <a:pPr algn="ctr"/>
-                      <a:r>
-                        <a:rPr lang="en-US" altLang="zh-CN" dirty="0" smtClean="0"/>
-                        <a:t>-</a:t>
-                      </a:r>
-                      <a:endParaRPr lang="zh-CN" altLang="en-US" dirty="0"/>
-                    </a:p>
-                  </a:txBody>
-                  <a:tcPr/>
-                </a:tc>
-                <a:tc>
-                  <a:txBody>
-                    <a:bodyPr/>
-                    <a:lstStyle/>
-                    <a:p>
-                      <a:pPr marL="0" marR="0" indent="0" algn="ctr" defTabSz="914400" rtl="0" eaLnBrk="1" fontAlgn="auto" latinLnBrk="0" hangingPunct="1">
-                        <a:lnSpc>
-                          <a:spcPct val="100000"/>
-                        </a:lnSpc>
-                        <a:spcBef>
-                          <a:spcPts val="0"/>
-                        </a:spcBef>
-                        <a:spcAft>
-                          <a:spcPts val="0"/>
-                        </a:spcAft>
-                        <a:buClrTx/>
-                        <a:buSzTx/>
-                        <a:buFontTx/>
-                        <a:buNone/>
-                        <a:tabLst/>
-                        <a:defRPr/>
-                      </a:pPr>
-                      <a:r>
-                        <a:rPr lang="en-US" altLang="zh-CN" dirty="0" smtClean="0"/>
-                        <a:t>Table</a:t>
-                      </a:r>
-                      <a:endParaRPr lang="zh-CN" altLang="en-US" dirty="0" smtClean="0"/>
-                    </a:p>
-                  </a:txBody>
-                  <a:tcPr/>
-                </a:tc>
-              </a:tr>
-            </a:tbl>
-          </a:graphicData>
-        </a:graphic>
-      </p:graphicFrame>
-    </p:spTree>
-    <p:extLst>
-      <p:ext uri="{BB962C8B-B14F-4D97-AF65-F5344CB8AC3E}">
-        <p14:creationId xmlns:p14="http://schemas.microsoft.com/office/powerpoint/2010/main" val="1622656260"/>
-      </p:ext>
-    </p:extLst>
-  </p:cSld>
-  <p:clrMapOvr>
-    <a:masterClrMapping/>
-  </p:clrMapOvr>
-</p:sld>
-</file>
-
-<file path=ppt/slides/slide16.xml><?xml version="1.0" encoding="utf-8"?>
-<p:sld xmlns:a="http://schemas.openxmlformats.org/drawingml/2006/main" xmlns:r="http://schemas.openxmlformats.org/officeDocument/2006/relationships" xmlns:p="http://schemas.openxmlformats.org/presentationml/2006/main">
-  <p:cSld>
-    <p:spTree>
-      <p:nvGrpSpPr>
-        <p:cNvPr id="1" name=""/>
-        <p:cNvGrpSpPr/>
-        <p:nvPr/>
-      </p:nvGrpSpPr>
-      <p:grpSpPr>
-        <a:xfrm>
-          <a:off x="0" y="0"/>
-          <a:ext cx="0" cy="0"/>
-          <a:chOff x="0" y="0"/>
-          <a:chExt cx="0" cy="0"/>
-        </a:xfrm>
-      </p:grpSpPr>
-      <p:sp>
-        <p:nvSpPr>
-          <p:cNvPr id="2" name="标题 1"/>
-          <p:cNvSpPr>
-            <a:spLocks noGrp="1"/>
-          </p:cNvSpPr>
-          <p:nvPr>
-            <p:ph type="title"/>
-          </p:nvPr>
-        </p:nvSpPr>
-        <p:spPr/>
-        <p:txBody>
-          <a:bodyPr/>
-          <a:lstStyle/>
-          <a:p>
-            <a:r>
-              <a:rPr lang="en-US" altLang="zh-CN" dirty="0" smtClean="0"/>
-              <a:t>RPC - Method</a:t>
-            </a:r>
-            <a:endParaRPr lang="zh-CN" altLang="en-US" dirty="0"/>
-          </a:p>
-        </p:txBody>
-      </p:sp>
-      <p:pic>
-        <p:nvPicPr>
-          <p:cNvPr id="4" name="内容占位符 3"/>
-          <p:cNvPicPr>
-            <a:picLocks noGrp="1" noChangeAspect="1"/>
-          </p:cNvPicPr>
-          <p:nvPr>
-            <p:ph idx="1"/>
-          </p:nvPr>
-        </p:nvPicPr>
-        <p:blipFill>
-          <a:blip r:embed="rId2"/>
-          <a:stretch>
-            <a:fillRect/>
-          </a:stretch>
-        </p:blipFill>
-        <p:spPr>
-          <a:xfrm>
-            <a:off x="838200" y="1635924"/>
-            <a:ext cx="8839200" cy="428625"/>
-          </a:xfrm>
-          <a:prstGeom prst="rect">
-            <a:avLst/>
-          </a:prstGeom>
-        </p:spPr>
-      </p:pic>
-      <p:sp>
-        <p:nvSpPr>
-          <p:cNvPr id="5" name="文本框 4"/>
-          <p:cNvSpPr txBox="1"/>
-          <p:nvPr/>
-        </p:nvSpPr>
-        <p:spPr>
-          <a:xfrm>
-            <a:off x="838200" y="2438404"/>
-            <a:ext cx="1570892" cy="369332"/>
-          </a:xfrm>
-          <a:prstGeom prst="rect">
-            <a:avLst/>
-          </a:prstGeom>
-          <a:noFill/>
-        </p:spPr>
-        <p:txBody>
-          <a:bodyPr wrap="square" rtlCol="0">
-            <a:spAutoFit/>
-          </a:bodyPr>
-          <a:lstStyle/>
-          <a:p>
-            <a:r>
-              <a:rPr lang="en-US" altLang="zh-CN" dirty="0"/>
-              <a:t>m</a:t>
-            </a:r>
-            <a:r>
-              <a:rPr lang="en-US" altLang="zh-CN" dirty="0" smtClean="0"/>
-              <a:t>ethod name</a:t>
-            </a:r>
-            <a:endParaRPr lang="zh-CN" altLang="en-US" dirty="0"/>
-          </a:p>
-        </p:txBody>
-      </p:sp>
-      <p:sp>
-        <p:nvSpPr>
-          <p:cNvPr id="6" name="文本框 5"/>
-          <p:cNvSpPr txBox="1"/>
-          <p:nvPr/>
-        </p:nvSpPr>
-        <p:spPr>
-          <a:xfrm>
-            <a:off x="1894255" y="2898293"/>
-            <a:ext cx="1738922" cy="369332"/>
-          </a:xfrm>
-          <a:prstGeom prst="rect">
-            <a:avLst/>
-          </a:prstGeom>
-          <a:noFill/>
-        </p:spPr>
-        <p:txBody>
-          <a:bodyPr wrap="square" rtlCol="0">
-            <a:spAutoFit/>
-          </a:bodyPr>
-          <a:lstStyle/>
-          <a:p>
-            <a:r>
-              <a:rPr lang="en-US" altLang="zh-CN" dirty="0"/>
-              <a:t>f</a:t>
-            </a:r>
-            <a:r>
-              <a:rPr lang="en-US" altLang="zh-CN" dirty="0" smtClean="0"/>
-              <a:t>irst parameter</a:t>
-            </a:r>
-            <a:endParaRPr lang="zh-CN" altLang="en-US" dirty="0"/>
-          </a:p>
-        </p:txBody>
-      </p:sp>
-      <p:sp>
-        <p:nvSpPr>
-          <p:cNvPr id="7" name="文本框 6"/>
-          <p:cNvSpPr txBox="1"/>
-          <p:nvPr/>
-        </p:nvSpPr>
-        <p:spPr>
-          <a:xfrm>
-            <a:off x="2860429" y="2339766"/>
-            <a:ext cx="1942121" cy="369332"/>
-          </a:xfrm>
-          <a:prstGeom prst="rect">
-            <a:avLst/>
-          </a:prstGeom>
-          <a:noFill/>
-        </p:spPr>
-        <p:txBody>
-          <a:bodyPr wrap="square" rtlCol="0">
-            <a:spAutoFit/>
-          </a:bodyPr>
-          <a:lstStyle/>
-          <a:p>
-            <a:r>
-              <a:rPr lang="en-US" altLang="zh-CN" dirty="0" smtClean="0"/>
-              <a:t>second parameter</a:t>
-            </a:r>
-            <a:endParaRPr lang="zh-CN" altLang="en-US" dirty="0"/>
-          </a:p>
-        </p:txBody>
-      </p:sp>
-      <p:cxnSp>
-        <p:nvCxnSpPr>
-          <p:cNvPr id="9" name="直接箭头连接符 8"/>
-          <p:cNvCxnSpPr>
-            <a:stCxn id="5" idx="0"/>
-          </p:cNvCxnSpPr>
-          <p:nvPr/>
-        </p:nvCxnSpPr>
-        <p:spPr>
-          <a:xfrm flipV="1">
-            <a:off x="1623646" y="2009846"/>
-            <a:ext cx="0" cy="428558"/>
-          </a:xfrm>
-          <a:prstGeom prst="straightConnector1">
-            <a:avLst/>
-          </a:prstGeom>
-          <a:ln>
-            <a:tailEnd type="triangle"/>
-          </a:ln>
-        </p:spPr>
-        <p:style>
-          <a:lnRef idx="1">
-            <a:schemeClr val="accent1"/>
-          </a:lnRef>
-          <a:fillRef idx="0">
-            <a:schemeClr val="accent1"/>
-          </a:fillRef>
-          <a:effectRef idx="0">
-            <a:schemeClr val="accent1"/>
-          </a:effectRef>
-          <a:fontRef idx="minor">
-            <a:schemeClr val="tx1"/>
-          </a:fontRef>
-        </p:style>
-      </p:cxnSp>
-      <p:cxnSp>
-        <p:nvCxnSpPr>
-          <p:cNvPr id="11" name="直接箭头连接符 10"/>
-          <p:cNvCxnSpPr/>
-          <p:nvPr/>
-        </p:nvCxnSpPr>
-        <p:spPr>
-          <a:xfrm flipV="1">
-            <a:off x="2704123" y="2017661"/>
-            <a:ext cx="2932" cy="991262"/>
-          </a:xfrm>
-          <a:prstGeom prst="straightConnector1">
-            <a:avLst/>
-          </a:prstGeom>
-          <a:ln>
-            <a:tailEnd type="triangle"/>
-          </a:ln>
-        </p:spPr>
-        <p:style>
-          <a:lnRef idx="1">
-            <a:schemeClr val="accent1"/>
-          </a:lnRef>
-          <a:fillRef idx="0">
-            <a:schemeClr val="accent1"/>
-          </a:fillRef>
-          <a:effectRef idx="0">
-            <a:schemeClr val="accent1"/>
-          </a:effectRef>
-          <a:fontRef idx="minor">
-            <a:schemeClr val="tx1"/>
-          </a:fontRef>
-        </p:style>
-      </p:cxnSp>
-      <p:cxnSp>
-        <p:nvCxnSpPr>
-          <p:cNvPr id="13" name="直接箭头连接符 12"/>
-          <p:cNvCxnSpPr/>
-          <p:nvPr/>
-        </p:nvCxnSpPr>
-        <p:spPr>
-          <a:xfrm flipV="1">
-            <a:off x="3829538" y="2025475"/>
-            <a:ext cx="7816" cy="428559"/>
-          </a:xfrm>
-          <a:prstGeom prst="straightConnector1">
-            <a:avLst/>
-          </a:prstGeom>
-          <a:ln>
-            <a:tailEnd type="triangle"/>
-          </a:ln>
-        </p:spPr>
-        <p:style>
-          <a:lnRef idx="1">
-            <a:schemeClr val="accent1"/>
-          </a:lnRef>
-          <a:fillRef idx="0">
-            <a:schemeClr val="accent1"/>
-          </a:fillRef>
-          <a:effectRef idx="0">
-            <a:schemeClr val="accent1"/>
-          </a:effectRef>
-          <a:fontRef idx="minor">
-            <a:schemeClr val="tx1"/>
-          </a:fontRef>
-        </p:style>
-      </p:cxnSp>
-      <p:pic>
-        <p:nvPicPr>
-          <p:cNvPr id="25" name="图片 24"/>
-          <p:cNvPicPr>
-            <a:picLocks noChangeAspect="1"/>
-          </p:cNvPicPr>
-          <p:nvPr/>
-        </p:nvPicPr>
-        <p:blipFill>
-          <a:blip r:embed="rId3"/>
-          <a:stretch>
-            <a:fillRect/>
-          </a:stretch>
-        </p:blipFill>
-        <p:spPr>
-          <a:xfrm>
-            <a:off x="866775" y="3267625"/>
-            <a:ext cx="8810625" cy="3295650"/>
-          </a:xfrm>
-          <a:prstGeom prst="rect">
-            <a:avLst/>
-          </a:prstGeom>
-        </p:spPr>
-      </p:pic>
-      <p:sp>
-        <p:nvSpPr>
-          <p:cNvPr id="26" name="文本框 25"/>
-          <p:cNvSpPr txBox="1"/>
-          <p:nvPr/>
-        </p:nvSpPr>
-        <p:spPr>
-          <a:xfrm>
-            <a:off x="3633177" y="5275690"/>
-            <a:ext cx="712696" cy="369332"/>
-          </a:xfrm>
-          <a:prstGeom prst="rect">
-            <a:avLst/>
-          </a:prstGeom>
-          <a:noFill/>
-        </p:spPr>
-        <p:txBody>
-          <a:bodyPr wrap="none" rtlCol="0">
-            <a:spAutoFit/>
-          </a:bodyPr>
-          <a:lstStyle/>
-          <a:p>
-            <a:r>
-              <a:rPr lang="en-US" altLang="zh-CN" dirty="0" smtClean="0"/>
-              <a:t>string</a:t>
-            </a:r>
-            <a:endParaRPr lang="zh-CN" altLang="en-US" dirty="0"/>
-          </a:p>
-        </p:txBody>
-      </p:sp>
-      <p:cxnSp>
-        <p:nvCxnSpPr>
-          <p:cNvPr id="28" name="直接箭头连接符 27"/>
-          <p:cNvCxnSpPr>
-            <a:stCxn id="26" idx="1"/>
-          </p:cNvCxnSpPr>
-          <p:nvPr/>
-        </p:nvCxnSpPr>
-        <p:spPr>
-          <a:xfrm flipH="1">
-            <a:off x="2704123" y="5460356"/>
-            <a:ext cx="929054" cy="0"/>
-          </a:xfrm>
-          <a:prstGeom prst="straightConnector1">
-            <a:avLst/>
-          </a:prstGeom>
-          <a:ln>
-            <a:tailEnd type="triangle"/>
-          </a:ln>
-        </p:spPr>
-        <p:style>
-          <a:lnRef idx="1">
-            <a:schemeClr val="accent1"/>
-          </a:lnRef>
-          <a:fillRef idx="0">
-            <a:schemeClr val="accent1"/>
-          </a:fillRef>
-          <a:effectRef idx="0">
-            <a:schemeClr val="accent1"/>
-          </a:effectRef>
-          <a:fontRef idx="minor">
-            <a:schemeClr val="tx1"/>
-          </a:fontRef>
-        </p:style>
-      </p:cxnSp>
-      <p:sp>
-        <p:nvSpPr>
-          <p:cNvPr id="29" name="文本框 28"/>
-          <p:cNvSpPr txBox="1"/>
-          <p:nvPr/>
-        </p:nvSpPr>
-        <p:spPr>
-          <a:xfrm>
-            <a:off x="3658857" y="5635299"/>
-            <a:ext cx="661335" cy="369332"/>
-          </a:xfrm>
-          <a:prstGeom prst="rect">
-            <a:avLst/>
-          </a:prstGeom>
-          <a:noFill/>
-        </p:spPr>
-        <p:txBody>
-          <a:bodyPr wrap="none" rtlCol="0">
-            <a:spAutoFit/>
-          </a:bodyPr>
-          <a:lstStyle/>
-          <a:p>
-            <a:r>
-              <a:rPr lang="en-US" altLang="zh-CN" dirty="0" smtClean="0"/>
-              <a:t>array</a:t>
-            </a:r>
-            <a:endParaRPr lang="zh-CN" altLang="en-US" dirty="0"/>
-          </a:p>
-        </p:txBody>
-      </p:sp>
-      <p:cxnSp>
-        <p:nvCxnSpPr>
-          <p:cNvPr id="31" name="直接箭头连接符 30"/>
-          <p:cNvCxnSpPr>
-            <a:stCxn id="29" idx="1"/>
-          </p:cNvCxnSpPr>
-          <p:nvPr/>
-        </p:nvCxnSpPr>
-        <p:spPr>
-          <a:xfrm flipH="1">
-            <a:off x="3137388" y="5819965"/>
-            <a:ext cx="521469" cy="0"/>
-          </a:xfrm>
-          <a:prstGeom prst="straightConnector1">
-            <a:avLst/>
-          </a:prstGeom>
-          <a:ln>
-            <a:tailEnd type="triangle"/>
-          </a:ln>
-        </p:spPr>
-        <p:style>
-          <a:lnRef idx="1">
-            <a:schemeClr val="accent1"/>
-          </a:lnRef>
-          <a:fillRef idx="0">
-            <a:schemeClr val="accent1"/>
-          </a:fillRef>
-          <a:effectRef idx="0">
-            <a:schemeClr val="accent1"/>
-          </a:effectRef>
-          <a:fontRef idx="minor">
-            <a:schemeClr val="tx1"/>
-          </a:fontRef>
-        </p:style>
-      </p:cxnSp>
-      <p:sp>
-        <p:nvSpPr>
-          <p:cNvPr id="38" name="文本框 37"/>
-          <p:cNvSpPr txBox="1"/>
-          <p:nvPr/>
-        </p:nvSpPr>
-        <p:spPr>
-          <a:xfrm>
-            <a:off x="3658857" y="3813495"/>
-            <a:ext cx="849784" cy="369332"/>
-          </a:xfrm>
-          <a:prstGeom prst="rect">
-            <a:avLst/>
-          </a:prstGeom>
-          <a:noFill/>
-        </p:spPr>
-        <p:txBody>
-          <a:bodyPr wrap="none" rtlCol="0">
-            <a:spAutoFit/>
-          </a:bodyPr>
-          <a:lstStyle/>
-          <a:p>
-            <a:r>
-              <a:rPr lang="en-US" altLang="zh-CN" dirty="0" smtClean="0"/>
-              <a:t>integer</a:t>
-            </a:r>
-            <a:endParaRPr lang="zh-CN" altLang="en-US" dirty="0"/>
-          </a:p>
-        </p:txBody>
-      </p:sp>
-      <p:cxnSp>
-        <p:nvCxnSpPr>
-          <p:cNvPr id="40" name="直接箭头连接符 39"/>
-          <p:cNvCxnSpPr/>
-          <p:nvPr/>
-        </p:nvCxnSpPr>
-        <p:spPr>
-          <a:xfrm flipH="1">
-            <a:off x="2641600" y="3998161"/>
-            <a:ext cx="991577" cy="0"/>
-          </a:xfrm>
-          <a:prstGeom prst="straightConnector1">
-            <a:avLst/>
-          </a:prstGeom>
-          <a:ln>
-            <a:tailEnd type="triangle"/>
-          </a:ln>
-        </p:spPr>
-        <p:style>
-          <a:lnRef idx="1">
-            <a:schemeClr val="accent1"/>
-          </a:lnRef>
-          <a:fillRef idx="0">
-            <a:schemeClr val="accent1"/>
-          </a:fillRef>
-          <a:effectRef idx="0">
-            <a:schemeClr val="accent1"/>
-          </a:effectRef>
-          <a:fontRef idx="minor">
-            <a:schemeClr val="tx1"/>
-          </a:fontRef>
-        </p:style>
-      </p:cxnSp>
-    </p:spTree>
-    <p:extLst>
-      <p:ext uri="{BB962C8B-B14F-4D97-AF65-F5344CB8AC3E}">
-        <p14:creationId xmlns:p14="http://schemas.microsoft.com/office/powerpoint/2010/main" val="3348104257"/>
-      </p:ext>
-    </p:extLst>
-  </p:cSld>
-  <p:clrMapOvr>
-    <a:masterClrMapping/>
-  </p:clrMapOvr>
-</p:sld>
-</file>
-
-<file path=ppt/slides/slide17.xml><?xml version="1.0" encoding="utf-8"?>
-<p:sld xmlns:a="http://schemas.openxmlformats.org/drawingml/2006/main" xmlns:r="http://schemas.openxmlformats.org/officeDocument/2006/relationships" xmlns:p="http://schemas.openxmlformats.org/presentationml/2006/main">
-  <p:cSld>
-    <p:spTree>
-      <p:nvGrpSpPr>
-        <p:cNvPr id="1" name=""/>
-        <p:cNvGrpSpPr/>
-        <p:nvPr/>
-      </p:nvGrpSpPr>
-      <p:grpSpPr>
-        <a:xfrm>
-          <a:off x="0" y="0"/>
-          <a:ext cx="0" cy="0"/>
-          <a:chOff x="0" y="0"/>
-          <a:chExt cx="0" cy="0"/>
-        </a:xfrm>
-      </p:grpSpPr>
-      <p:sp>
-        <p:nvSpPr>
-          <p:cNvPr id="2" name="标题 1"/>
-          <p:cNvSpPr>
-            <a:spLocks noGrp="1"/>
-          </p:cNvSpPr>
-          <p:nvPr>
-            <p:ph type="title"/>
-          </p:nvPr>
-        </p:nvSpPr>
-        <p:spPr/>
-        <p:txBody>
-          <a:bodyPr/>
-          <a:lstStyle/>
-          <a:p>
-            <a:r>
-              <a:rPr lang="en-US" altLang="zh-CN" dirty="0" smtClean="0"/>
-              <a:t>RPC - Comment</a:t>
-            </a:r>
-            <a:endParaRPr lang="zh-CN" altLang="en-US" dirty="0"/>
-          </a:p>
-        </p:txBody>
-      </p:sp>
-      <p:pic>
-        <p:nvPicPr>
-          <p:cNvPr id="4" name="图片 3"/>
-          <p:cNvPicPr>
-            <a:picLocks noChangeAspect="1"/>
-          </p:cNvPicPr>
-          <p:nvPr/>
-        </p:nvPicPr>
-        <p:blipFill>
-          <a:blip r:embed="rId2"/>
-          <a:stretch>
-            <a:fillRect/>
-          </a:stretch>
-        </p:blipFill>
-        <p:spPr>
-          <a:xfrm>
-            <a:off x="838199" y="1690688"/>
-            <a:ext cx="9618785" cy="4366235"/>
-          </a:xfrm>
-          <a:prstGeom prst="rect">
-            <a:avLst/>
-          </a:prstGeom>
-        </p:spPr>
-      </p:pic>
-      <p:sp>
-        <p:nvSpPr>
-          <p:cNvPr id="5" name="文本框 4"/>
-          <p:cNvSpPr txBox="1"/>
-          <p:nvPr/>
-        </p:nvSpPr>
-        <p:spPr>
-          <a:xfrm>
-            <a:off x="3673231" y="2243016"/>
-            <a:ext cx="2110962" cy="369332"/>
-          </a:xfrm>
-          <a:prstGeom prst="rect">
-            <a:avLst/>
-          </a:prstGeom>
-          <a:noFill/>
-        </p:spPr>
-        <p:txBody>
-          <a:bodyPr wrap="none" rtlCol="0">
-            <a:spAutoFit/>
-          </a:bodyPr>
-          <a:lstStyle/>
-          <a:p>
-            <a:r>
-              <a:rPr lang="en-US" altLang="zh-CN" dirty="0" smtClean="0"/>
-              <a:t>Comment of .</a:t>
-            </a:r>
-            <a:r>
-              <a:rPr lang="en-US" altLang="zh-CN" dirty="0" err="1" smtClean="0"/>
-              <a:t>rpc</a:t>
-            </a:r>
-            <a:r>
-              <a:rPr lang="en-US" altLang="zh-CN" dirty="0" smtClean="0"/>
-              <a:t> file</a:t>
-            </a:r>
-            <a:endParaRPr lang="zh-CN" altLang="en-US" dirty="0"/>
-          </a:p>
-        </p:txBody>
-      </p:sp>
-      <p:cxnSp>
-        <p:nvCxnSpPr>
-          <p:cNvPr id="7" name="直接箭头连接符 6"/>
-          <p:cNvCxnSpPr/>
-          <p:nvPr/>
-        </p:nvCxnSpPr>
-        <p:spPr>
-          <a:xfrm flipH="1">
-            <a:off x="3055815" y="2427682"/>
-            <a:ext cx="617416" cy="0"/>
-          </a:xfrm>
-          <a:prstGeom prst="straightConnector1">
-            <a:avLst/>
-          </a:prstGeom>
-          <a:ln>
-            <a:tailEnd type="triangle"/>
-          </a:ln>
-        </p:spPr>
-        <p:style>
-          <a:lnRef idx="1">
-            <a:schemeClr val="accent1"/>
-          </a:lnRef>
-          <a:fillRef idx="0">
-            <a:schemeClr val="accent1"/>
-          </a:fillRef>
-          <a:effectRef idx="0">
-            <a:schemeClr val="accent1"/>
-          </a:effectRef>
-          <a:fontRef idx="minor">
-            <a:schemeClr val="tx1"/>
-          </a:fontRef>
-        </p:style>
-      </p:cxnSp>
-      <p:sp>
-        <p:nvSpPr>
-          <p:cNvPr id="8" name="文本框 7"/>
-          <p:cNvSpPr txBox="1"/>
-          <p:nvPr/>
-        </p:nvSpPr>
-        <p:spPr>
-          <a:xfrm>
-            <a:off x="3833446" y="3630246"/>
-            <a:ext cx="2870979" cy="369332"/>
-          </a:xfrm>
-          <a:prstGeom prst="rect">
-            <a:avLst/>
-          </a:prstGeom>
-          <a:noFill/>
-        </p:spPr>
-        <p:txBody>
-          <a:bodyPr wrap="none" rtlCol="0">
-            <a:spAutoFit/>
-          </a:bodyPr>
-          <a:lstStyle/>
-          <a:p>
-            <a:r>
-              <a:rPr lang="en-US" altLang="zh-CN" dirty="0" smtClean="0"/>
-              <a:t>Comment of target language</a:t>
-            </a:r>
-            <a:endParaRPr lang="zh-CN" altLang="en-US" dirty="0"/>
-          </a:p>
-        </p:txBody>
-      </p:sp>
-      <p:cxnSp>
-        <p:nvCxnSpPr>
-          <p:cNvPr id="10" name="直接箭头连接符 9"/>
-          <p:cNvCxnSpPr>
-            <a:stCxn id="8" idx="0"/>
-          </p:cNvCxnSpPr>
-          <p:nvPr/>
-        </p:nvCxnSpPr>
-        <p:spPr>
-          <a:xfrm flipH="1" flipV="1">
-            <a:off x="3833447" y="3274646"/>
-            <a:ext cx="1435489" cy="355600"/>
-          </a:xfrm>
-          <a:prstGeom prst="straightConnector1">
-            <a:avLst/>
-          </a:prstGeom>
-          <a:ln>
-            <a:tailEnd type="triangle"/>
-          </a:ln>
-        </p:spPr>
-        <p:style>
-          <a:lnRef idx="1">
-            <a:schemeClr val="accent1"/>
-          </a:lnRef>
-          <a:fillRef idx="0">
-            <a:schemeClr val="accent1"/>
-          </a:fillRef>
-          <a:effectRef idx="0">
-            <a:schemeClr val="accent1"/>
-          </a:effectRef>
-          <a:fontRef idx="minor">
-            <a:schemeClr val="tx1"/>
-          </a:fontRef>
-        </p:style>
-      </p:cxnSp>
-    </p:spTree>
-    <p:extLst>
-      <p:ext uri="{BB962C8B-B14F-4D97-AF65-F5344CB8AC3E}">
-        <p14:creationId xmlns:p14="http://schemas.microsoft.com/office/powerpoint/2010/main" val="2935561267"/>
-      </p:ext>
-    </p:extLst>
-  </p:cSld>
-  <p:clrMapOvr>
-    <a:masterClrMapping/>
-  </p:clrMapOvr>
-</p:sld>
-</file>
-
-<file path=ppt/slides/slide18.xml><?xml version="1.0" encoding="utf-8"?>
-<p:sld xmlns:a="http://schemas.openxmlformats.org/drawingml/2006/main" xmlns:r="http://schemas.openxmlformats.org/officeDocument/2006/relationships" xmlns:p="http://schemas.openxmlformats.org/presentationml/2006/main">
-  <p:cSld>
-    <p:spTree>
-      <p:nvGrpSpPr>
-        <p:cNvPr id="1" name=""/>
-        <p:cNvGrpSpPr/>
-        <p:nvPr/>
-      </p:nvGrpSpPr>
-      <p:grpSpPr>
-        <a:xfrm>
-          <a:off x="0" y="0"/>
-          <a:ext cx="0" cy="0"/>
-          <a:chOff x="0" y="0"/>
-          <a:chExt cx="0" cy="0"/>
-        </a:xfrm>
-      </p:grpSpPr>
-      <p:sp>
-        <p:nvSpPr>
-          <p:cNvPr id="2" name="标题 1"/>
-          <p:cNvSpPr>
-            <a:spLocks noGrp="1"/>
-          </p:cNvSpPr>
-          <p:nvPr>
-            <p:ph type="title"/>
-          </p:nvPr>
-        </p:nvSpPr>
-        <p:spPr/>
-        <p:txBody>
-          <a:bodyPr/>
-          <a:lstStyle/>
-          <a:p>
-            <a:r>
-              <a:rPr lang="en-US" altLang="zh-CN" dirty="0" smtClean="0"/>
-              <a:t>RPC code generating</a:t>
-            </a:r>
-            <a:endParaRPr lang="zh-CN" altLang="en-US" dirty="0"/>
-          </a:p>
-        </p:txBody>
-      </p:sp>
-      <p:sp>
-        <p:nvSpPr>
-          <p:cNvPr id="3" name="内容占位符 2"/>
-          <p:cNvSpPr>
-            <a:spLocks noGrp="1"/>
-          </p:cNvSpPr>
-          <p:nvPr>
-            <p:ph idx="1"/>
-          </p:nvPr>
-        </p:nvSpPr>
-        <p:spPr/>
-        <p:txBody>
-          <a:bodyPr/>
-          <a:lstStyle/>
-          <a:p>
-            <a:r>
-              <a:rPr lang="en-US" altLang="zh-CN" dirty="0" err="1"/>
-              <a:t>k</a:t>
-            </a:r>
-            <a:r>
-              <a:rPr lang="en-US" altLang="zh-CN" dirty="0" err="1" smtClean="0"/>
-              <a:t>rpc</a:t>
-            </a:r>
-            <a:endParaRPr lang="en-US" altLang="zh-CN" dirty="0"/>
-          </a:p>
-          <a:p>
-            <a:pPr marL="914400" lvl="1" indent="-457200">
-              <a:buFont typeface="+mj-lt"/>
-              <a:buAutoNum type="alphaLcPeriod"/>
-            </a:pPr>
-            <a:r>
-              <a:rPr lang="en-US" altLang="zh-CN" sz="1600" dirty="0" err="1"/>
-              <a:t>krpc</a:t>
-            </a:r>
-            <a:r>
-              <a:rPr lang="en-US" altLang="zh-CN" sz="1600" dirty="0"/>
-              <a:t> -d output-directory -f </a:t>
-            </a:r>
-            <a:r>
-              <a:rPr lang="en-US" altLang="zh-CN" sz="1600" dirty="0" err="1"/>
-              <a:t>input_rpc_file</a:t>
-            </a:r>
-            <a:r>
-              <a:rPr lang="en-US" altLang="zh-CN" sz="1600" dirty="0"/>
-              <a:t> -n </a:t>
-            </a:r>
-            <a:r>
-              <a:rPr lang="en-US" altLang="zh-CN" sz="1600" dirty="0" err="1"/>
-              <a:t>rpc_class_name</a:t>
-            </a:r>
-            <a:r>
-              <a:rPr lang="en-US" altLang="zh-CN" sz="1600" dirty="0"/>
-              <a:t> -l </a:t>
-            </a:r>
-            <a:r>
-              <a:rPr lang="en-US" altLang="zh-CN" sz="1600" dirty="0" err="1" smtClean="0"/>
-              <a:t>the_language_to_generate</a:t>
-            </a:r>
-            <a:endParaRPr lang="en-US" altLang="zh-CN" sz="1600" dirty="0" smtClean="0"/>
-          </a:p>
-          <a:p>
-            <a:r>
-              <a:rPr lang="en-US" altLang="zh-CN" dirty="0" smtClean="0"/>
-              <a:t>{</a:t>
-            </a:r>
-            <a:r>
-              <a:rPr lang="en-US" altLang="zh-CN" dirty="0" err="1" smtClean="0"/>
-              <a:t>rpc_class_name</a:t>
-            </a:r>
-            <a:r>
-              <a:rPr lang="en-US" altLang="zh-CN" dirty="0" smtClean="0"/>
-              <a:t>}.h</a:t>
-            </a:r>
-          </a:p>
-          <a:p>
-            <a:r>
-              <a:rPr lang="en-US" altLang="zh-CN" dirty="0" smtClean="0"/>
-              <a:t>{rpc_class_name}.cpp</a:t>
-            </a:r>
-          </a:p>
-          <a:p>
-            <a:r>
-              <a:rPr lang="en-US" altLang="zh-CN" dirty="0" smtClean="0"/>
-              <a:t>Mapping </a:t>
-            </a:r>
-            <a:r>
-              <a:rPr lang="en-US" altLang="zh-CN" dirty="0" err="1" smtClean="0"/>
-              <a:t>rpc</a:t>
-            </a:r>
-            <a:r>
-              <a:rPr lang="en-US" altLang="zh-CN" dirty="0" smtClean="0"/>
-              <a:t> type to specific language type</a:t>
-            </a:r>
-          </a:p>
-          <a:p>
-            <a:r>
-              <a:rPr lang="en-US" altLang="zh-CN" dirty="0" smtClean="0"/>
-              <a:t>Easy to use</a:t>
-            </a:r>
-            <a:endParaRPr lang="en-US" altLang="zh-CN" dirty="0"/>
-          </a:p>
-          <a:p>
-            <a:pPr marL="0" indent="0">
-              <a:buNone/>
-            </a:pPr>
-            <a:endParaRPr lang="zh-CN" altLang="en-US" dirty="0"/>
-          </a:p>
-        </p:txBody>
-      </p:sp>
-    </p:spTree>
-    <p:extLst>
-      <p:ext uri="{BB962C8B-B14F-4D97-AF65-F5344CB8AC3E}">
-        <p14:creationId xmlns:p14="http://schemas.microsoft.com/office/powerpoint/2010/main" val="3344555893"/>
-      </p:ext>
-    </p:extLst>
-  </p:cSld>
-  <p:clrMapOvr>
-    <a:masterClrMapping/>
-  </p:clrMapOvr>
-  <p:timing>
-    <p:tnLst>
-      <p:par>
-        <p:cTn id="1" dur="indefinite" restart="never" nodeType="tmRoot"/>
-      </p:par>
-    </p:tnLst>
-  </p:timing>
-</p:sld>
-</file>
-
-<file path=ppt/slides/slide19.xml><?xml version="1.0" encoding="utf-8"?>
-<p:sld xmlns:a="http://schemas.openxmlformats.org/drawingml/2006/main" xmlns:r="http://schemas.openxmlformats.org/officeDocument/2006/relationships" xmlns:p="http://schemas.openxmlformats.org/presentationml/2006/main">
-  <p:cSld>
-    <p:spTree>
-      <p:nvGrpSpPr>
-        <p:cNvPr id="1" name=""/>
-        <p:cNvGrpSpPr/>
-        <p:nvPr/>
-      </p:nvGrpSpPr>
-      <p:grpSpPr>
-        <a:xfrm>
-          <a:off x="0" y="0"/>
-          <a:ext cx="0" cy="0"/>
-          <a:chOff x="0" y="0"/>
-          <a:chExt cx="0" cy="0"/>
-        </a:xfrm>
-      </p:grpSpPr>
-      <p:sp>
-        <p:nvSpPr>
-          <p:cNvPr id="2" name="标题 1"/>
-          <p:cNvSpPr>
-            <a:spLocks noGrp="1"/>
-          </p:cNvSpPr>
-          <p:nvPr>
-            <p:ph type="title"/>
-          </p:nvPr>
-        </p:nvSpPr>
-        <p:spPr/>
-        <p:txBody>
-          <a:bodyPr/>
-          <a:lstStyle/>
-          <a:p>
-            <a:r>
-              <a:rPr lang="en-US" altLang="zh-CN" dirty="0" smtClean="0"/>
-              <a:t>Sample – RPC entry class</a:t>
-            </a:r>
-            <a:endParaRPr lang="zh-CN" altLang="en-US" dirty="0"/>
-          </a:p>
-        </p:txBody>
-      </p:sp>
-      <p:pic>
-        <p:nvPicPr>
-          <p:cNvPr id="4" name="图片 3"/>
-          <p:cNvPicPr>
-            <a:picLocks noChangeAspect="1"/>
-          </p:cNvPicPr>
-          <p:nvPr/>
-        </p:nvPicPr>
-        <p:blipFill>
-          <a:blip r:embed="rId2"/>
-          <a:stretch>
-            <a:fillRect/>
-          </a:stretch>
-        </p:blipFill>
-        <p:spPr>
-          <a:xfrm>
-            <a:off x="838200" y="1690688"/>
-            <a:ext cx="9564077" cy="4749189"/>
-          </a:xfrm>
-          <a:prstGeom prst="rect">
-            <a:avLst/>
-          </a:prstGeom>
-        </p:spPr>
-      </p:pic>
-      <p:sp>
-        <p:nvSpPr>
-          <p:cNvPr id="5" name="右大括号 4"/>
-          <p:cNvSpPr/>
-          <p:nvPr/>
-        </p:nvSpPr>
-        <p:spPr>
-          <a:xfrm>
-            <a:off x="7369908" y="3121241"/>
-            <a:ext cx="273539" cy="520728"/>
-          </a:xfrm>
-          <a:prstGeom prst="rightBrace">
-            <a:avLst/>
-          </a:prstGeom>
-        </p:spPr>
-        <p:style>
-          <a:lnRef idx="1">
-            <a:schemeClr val="accent1"/>
-          </a:lnRef>
-          <a:fillRef idx="0">
-            <a:schemeClr val="accent1"/>
-          </a:fillRef>
-          <a:effectRef idx="0">
-            <a:schemeClr val="accent1"/>
-          </a:effectRef>
-          <a:fontRef idx="minor">
-            <a:schemeClr val="tx1"/>
-          </a:fontRef>
-        </p:style>
-        <p:txBody>
-          <a:bodyPr rtlCol="0" anchor="ctr"/>
-          <a:lstStyle/>
-          <a:p>
-            <a:pPr algn="ctr"/>
-            <a:endParaRPr lang="zh-CN" altLang="en-US"/>
-          </a:p>
-        </p:txBody>
-      </p:sp>
-      <p:sp>
-        <p:nvSpPr>
-          <p:cNvPr id="6" name="文本框 5"/>
-          <p:cNvSpPr txBox="1"/>
-          <p:nvPr/>
-        </p:nvSpPr>
-        <p:spPr>
-          <a:xfrm>
-            <a:off x="7622531" y="3191576"/>
-            <a:ext cx="1345625" cy="369332"/>
-          </a:xfrm>
-          <a:prstGeom prst="rect">
-            <a:avLst/>
-          </a:prstGeom>
-          <a:noFill/>
-        </p:spPr>
-        <p:txBody>
-          <a:bodyPr wrap="none" rtlCol="0">
-            <a:spAutoFit/>
-          </a:bodyPr>
-          <a:lstStyle/>
-          <a:p>
-            <a:r>
-              <a:rPr lang="en-US" altLang="zh-CN" dirty="0" smtClean="0"/>
-              <a:t>RPC method</a:t>
-            </a:r>
-            <a:endParaRPr lang="zh-CN" altLang="en-US" dirty="0"/>
-          </a:p>
-        </p:txBody>
-      </p:sp>
-      <p:sp>
-        <p:nvSpPr>
-          <p:cNvPr id="7" name="文本框 6"/>
-          <p:cNvSpPr txBox="1"/>
-          <p:nvPr/>
-        </p:nvSpPr>
-        <p:spPr>
-          <a:xfrm>
-            <a:off x="3911601" y="2451572"/>
-            <a:ext cx="1043619" cy="369332"/>
-          </a:xfrm>
-          <a:prstGeom prst="rect">
-            <a:avLst/>
-          </a:prstGeom>
-          <a:noFill/>
-        </p:spPr>
-        <p:txBody>
-          <a:bodyPr wrap="none" rtlCol="0">
-            <a:spAutoFit/>
-          </a:bodyPr>
-          <a:lstStyle/>
-          <a:p>
-            <a:r>
-              <a:rPr lang="en-US" altLang="zh-CN" dirty="0" smtClean="0"/>
-              <a:t>singleton</a:t>
-            </a:r>
-            <a:endParaRPr lang="zh-CN" altLang="en-US" dirty="0"/>
-          </a:p>
-        </p:txBody>
-      </p:sp>
-      <p:sp>
-        <p:nvSpPr>
-          <p:cNvPr id="12" name="右大括号 11"/>
-          <p:cNvSpPr/>
-          <p:nvPr/>
-        </p:nvSpPr>
-        <p:spPr>
-          <a:xfrm>
-            <a:off x="3638062" y="2516553"/>
-            <a:ext cx="273539" cy="304351"/>
-          </a:xfrm>
-          <a:prstGeom prst="rightBrace">
-            <a:avLst/>
-          </a:prstGeom>
-        </p:spPr>
-        <p:style>
-          <a:lnRef idx="1">
-            <a:schemeClr val="accent1"/>
-          </a:lnRef>
-          <a:fillRef idx="0">
-            <a:schemeClr val="accent1"/>
-          </a:fillRef>
-          <a:effectRef idx="0">
-            <a:schemeClr val="accent1"/>
-          </a:effectRef>
-          <a:fontRef idx="minor">
-            <a:schemeClr val="tx1"/>
-          </a:fontRef>
-        </p:style>
-        <p:txBody>
-          <a:bodyPr rtlCol="0" anchor="ctr"/>
-          <a:lstStyle/>
-          <a:p>
-            <a:pPr algn="ctr"/>
-            <a:endParaRPr lang="zh-CN" altLang="en-US"/>
-          </a:p>
-        </p:txBody>
-      </p:sp>
-      <p:sp>
-        <p:nvSpPr>
-          <p:cNvPr id="13" name="文本框 12"/>
-          <p:cNvSpPr txBox="1"/>
-          <p:nvPr/>
-        </p:nvSpPr>
-        <p:spPr>
-          <a:xfrm>
-            <a:off x="5044028" y="2690943"/>
-            <a:ext cx="2111347" cy="369332"/>
-          </a:xfrm>
-          <a:prstGeom prst="rect">
-            <a:avLst/>
-          </a:prstGeom>
-          <a:noFill/>
-        </p:spPr>
-        <p:txBody>
-          <a:bodyPr wrap="none" rtlCol="0">
-            <a:spAutoFit/>
-          </a:bodyPr>
-          <a:lstStyle/>
-          <a:p>
-            <a:r>
-              <a:rPr lang="en-US" altLang="zh-CN" dirty="0" smtClean="0"/>
-              <a:t>RPC process method</a:t>
-            </a:r>
-            <a:endParaRPr lang="zh-CN" altLang="en-US" dirty="0"/>
-          </a:p>
-        </p:txBody>
-      </p:sp>
-      <p:cxnSp>
-        <p:nvCxnSpPr>
-          <p:cNvPr id="15" name="直接箭头连接符 14"/>
-          <p:cNvCxnSpPr>
-            <a:stCxn id="13" idx="1"/>
-          </p:cNvCxnSpPr>
-          <p:nvPr/>
-        </p:nvCxnSpPr>
-        <p:spPr>
-          <a:xfrm flipH="1">
-            <a:off x="3556000" y="2875609"/>
-            <a:ext cx="1488028" cy="109865"/>
-          </a:xfrm>
-          <a:prstGeom prst="straightConnector1">
-            <a:avLst/>
-          </a:prstGeom>
-          <a:ln>
-            <a:tailEnd type="triangle"/>
-          </a:ln>
-        </p:spPr>
-        <p:style>
-          <a:lnRef idx="1">
-            <a:schemeClr val="accent1"/>
-          </a:lnRef>
-          <a:fillRef idx="0">
-            <a:schemeClr val="accent1"/>
-          </a:fillRef>
-          <a:effectRef idx="0">
-            <a:schemeClr val="accent1"/>
-          </a:effectRef>
-          <a:fontRef idx="minor">
-            <a:schemeClr val="tx1"/>
-          </a:fontRef>
-        </p:style>
-      </p:cxnSp>
-      <p:sp>
-        <p:nvSpPr>
-          <p:cNvPr id="17" name="右大括号 16"/>
-          <p:cNvSpPr/>
-          <p:nvPr/>
-        </p:nvSpPr>
-        <p:spPr>
-          <a:xfrm>
-            <a:off x="4433410" y="5724537"/>
-            <a:ext cx="273539" cy="520728"/>
-          </a:xfrm>
-          <a:prstGeom prst="rightBrace">
-            <a:avLst/>
-          </a:prstGeom>
-        </p:spPr>
-        <p:style>
-          <a:lnRef idx="1">
-            <a:schemeClr val="accent1"/>
-          </a:lnRef>
-          <a:fillRef idx="0">
-            <a:schemeClr val="accent1"/>
-          </a:fillRef>
-          <a:effectRef idx="0">
-            <a:schemeClr val="accent1"/>
-          </a:effectRef>
-          <a:fontRef idx="minor">
-            <a:schemeClr val="tx1"/>
-          </a:fontRef>
-        </p:style>
-        <p:txBody>
-          <a:bodyPr rtlCol="0" anchor="ctr"/>
-          <a:lstStyle/>
-          <a:p>
-            <a:pPr algn="ctr"/>
-            <a:endParaRPr lang="zh-CN" altLang="en-US"/>
-          </a:p>
-        </p:txBody>
-      </p:sp>
-      <p:sp>
-        <p:nvSpPr>
-          <p:cNvPr id="18" name="文本框 17"/>
-          <p:cNvSpPr txBox="1"/>
-          <p:nvPr/>
-        </p:nvSpPr>
-        <p:spPr>
-          <a:xfrm>
-            <a:off x="4706949" y="5800235"/>
-            <a:ext cx="3269678" cy="369332"/>
-          </a:xfrm>
-          <a:prstGeom prst="rect">
-            <a:avLst/>
-          </a:prstGeom>
-          <a:noFill/>
-        </p:spPr>
-        <p:txBody>
-          <a:bodyPr wrap="none" rtlCol="0">
-            <a:spAutoFit/>
-          </a:bodyPr>
-          <a:lstStyle/>
-          <a:p>
-            <a:r>
-              <a:rPr lang="en-US" altLang="zh-CN" dirty="0" smtClean="0"/>
-              <a:t>Helper macro of singleton access</a:t>
-            </a:r>
-            <a:endParaRPr lang="zh-CN" altLang="en-US" dirty="0"/>
-          </a:p>
-        </p:txBody>
-      </p:sp>
-    </p:spTree>
-    <p:extLst>
-      <p:ext uri="{BB962C8B-B14F-4D97-AF65-F5344CB8AC3E}">
-        <p14:creationId xmlns:p14="http://schemas.microsoft.com/office/powerpoint/2010/main" val="356892155"/>
-      </p:ext>
-    </p:extLst>
-  </p:cSld>
-  <p:clrMapOvr>
-    <a:masterClrMapping/>
-  </p:clrMapOvr>
 </p:sld>
 </file>
 
@@ -5949,7 +3812,7 @@
         <p:spPr/>
         <p:txBody>
           <a:bodyPr>
-            <a:normAutofit lnSpcReduction="10000"/>
+            <a:normAutofit/>
           </a:bodyPr>
           <a:lstStyle/>
           <a:p>
@@ -5985,20 +3848,13 @@
           <a:p>
             <a:r>
               <a:rPr lang="en-US" altLang="zh-CN" dirty="0" smtClean="0"/>
-              <a:t>Load balance</a:t>
-            </a:r>
-          </a:p>
-          <a:p>
-            <a:r>
-              <a:rPr lang="en-US" altLang="zh-CN" dirty="0" smtClean="0"/>
-              <a:t>RPC</a:t>
-            </a:r>
-          </a:p>
-          <a:p>
-            <a:r>
-              <a:rPr lang="en-US" altLang="zh-CN" dirty="0" smtClean="0"/>
-              <a:t>Code generating</a:t>
-            </a:r>
+              <a:t>Load </a:t>
+            </a:r>
+            <a:r>
+              <a:rPr lang="en-US" altLang="zh-CN" dirty="0" smtClean="0"/>
+              <a:t>balance</a:t>
+            </a:r>
+            <a:endParaRPr lang="en-US" altLang="zh-CN" dirty="0" smtClean="0"/>
           </a:p>
           <a:p>
             <a:r>
@@ -6018,109 +3874,6 @@
     <p:extLst>
       <p:ext uri="{BB962C8B-B14F-4D97-AF65-F5344CB8AC3E}">
         <p14:creationId xmlns:p14="http://schemas.microsoft.com/office/powerpoint/2010/main" val="190894768"/>
-      </p:ext>
-    </p:extLst>
-  </p:cSld>
-  <p:clrMapOvr>
-    <a:masterClrMapping/>
-  </p:clrMapOvr>
-  <p:timing>
-    <p:tnLst>
-      <p:par>
-        <p:cTn id="1" dur="indefinite" restart="never" nodeType="tmRoot"/>
-      </p:par>
-    </p:tnLst>
-  </p:timing>
-</p:sld>
-</file>
-
-<file path=ppt/slides/slide20.xml><?xml version="1.0" encoding="utf-8"?>
-<p:sld xmlns:a="http://schemas.openxmlformats.org/drawingml/2006/main" xmlns:r="http://schemas.openxmlformats.org/officeDocument/2006/relationships" xmlns:p="http://schemas.openxmlformats.org/presentationml/2006/main">
-  <p:cSld>
-    <p:spTree>
-      <p:nvGrpSpPr>
-        <p:cNvPr id="1" name=""/>
-        <p:cNvGrpSpPr/>
-        <p:nvPr/>
-      </p:nvGrpSpPr>
-      <p:grpSpPr>
-        <a:xfrm>
-          <a:off x="0" y="0"/>
-          <a:ext cx="0" cy="0"/>
-          <a:chOff x="0" y="0"/>
-          <a:chExt cx="0" cy="0"/>
-        </a:xfrm>
-      </p:grpSpPr>
-      <p:sp>
-        <p:nvSpPr>
-          <p:cNvPr id="2" name="标题 1"/>
-          <p:cNvSpPr>
-            <a:spLocks noGrp="1"/>
-          </p:cNvSpPr>
-          <p:nvPr>
-            <p:ph type="title"/>
-          </p:nvPr>
-        </p:nvSpPr>
-        <p:spPr/>
-        <p:txBody>
-          <a:bodyPr/>
-          <a:lstStyle/>
-          <a:p>
-            <a:r>
-              <a:rPr lang="en-US" altLang="zh-CN" dirty="0" smtClean="0"/>
-              <a:t>Thanks</a:t>
-            </a:r>
-            <a:endParaRPr lang="zh-CN" altLang="en-US" dirty="0"/>
-          </a:p>
-        </p:txBody>
-      </p:sp>
-      <p:sp>
-        <p:nvSpPr>
-          <p:cNvPr id="3" name="内容占位符 2"/>
-          <p:cNvSpPr>
-            <a:spLocks noGrp="1"/>
-          </p:cNvSpPr>
-          <p:nvPr>
-            <p:ph idx="1"/>
-          </p:nvPr>
-        </p:nvSpPr>
-        <p:spPr/>
-        <p:txBody>
-          <a:bodyPr/>
-          <a:lstStyle/>
-          <a:p>
-            <a:r>
-              <a:rPr lang="en-US" altLang="zh-CN" dirty="0" smtClean="0">
-                <a:hlinkClick r:id="rId2"/>
-              </a:rPr>
-              <a:t>https://github.com/dennis-kk/knet</a:t>
-            </a:r>
-            <a:endParaRPr lang="en-US" altLang="zh-CN" dirty="0" smtClean="0"/>
-          </a:p>
-          <a:p>
-            <a:r>
-              <a:rPr lang="en-US" altLang="zh-CN" dirty="0" smtClean="0">
-                <a:hlinkClick r:id="rId3"/>
-              </a:rPr>
-              <a:t>https://github.com/dennis-kk/knet/tree/master/examples</a:t>
-            </a:r>
-            <a:endParaRPr lang="en-US" altLang="zh-CN" dirty="0" smtClean="0"/>
-          </a:p>
-          <a:p>
-            <a:r>
-              <a:rPr lang="en-US" altLang="zh-CN" dirty="0" smtClean="0">
-                <a:hlinkClick r:id="rId4"/>
-              </a:rPr>
-              <a:t>https://github.com/dennis-kk/knet/tree/master/krpc/examples</a:t>
-            </a:r>
-            <a:endParaRPr lang="zh-CN" altLang="en-US" dirty="0"/>
-          </a:p>
-        </p:txBody>
-      </p:sp>
-    </p:spTree>
-    <p:extLst>
-      <p:ext uri="{BB962C8B-B14F-4D97-AF65-F5344CB8AC3E}">
-        <p14:creationId xmlns:p14="http://schemas.microsoft.com/office/powerpoint/2010/main" val="4169602789"/>
       </p:ext>
     </p:extLst>
   </p:cSld>
@@ -6210,40 +3963,13 @@
             </a:r>
             <a:r>
               <a:rPr lang="en-US" altLang="zh-CN" dirty="0" smtClean="0"/>
-              <a:t>hannel </a:t>
-            </a:r>
-            <a:r>
-              <a:rPr lang="en-US" altLang="zh-CN" dirty="0" smtClean="0"/>
-              <a:t>&amp; channel reference</a:t>
-            </a:r>
-          </a:p>
-          <a:p>
-            <a:r>
-              <a:rPr lang="en-US" altLang="zh-CN" dirty="0"/>
-              <a:t>t</a:t>
-            </a:r>
-            <a:r>
-              <a:rPr lang="en-US" altLang="zh-CN" dirty="0" smtClean="0"/>
-              <a:t>imer</a:t>
-            </a:r>
-          </a:p>
-          <a:p>
-            <a:r>
-              <a:rPr lang="en-US" altLang="zh-CN" dirty="0" smtClean="0"/>
-              <a:t>framework</a:t>
-            </a:r>
-            <a:endParaRPr lang="en-US" altLang="zh-CN" dirty="0" smtClean="0"/>
-          </a:p>
-          <a:p>
-            <a:r>
-              <a:rPr lang="en-US" altLang="zh-CN" dirty="0" smtClean="0"/>
-              <a:t>RPC object</a:t>
-            </a:r>
-          </a:p>
-          <a:p>
-            <a:r>
-              <a:rPr lang="en-US" altLang="zh-CN" dirty="0" smtClean="0"/>
-              <a:t>RPC framework generating</a:t>
+              <a:t>hannel &amp; channel reference</a:t>
+            </a:r>
+          </a:p>
+          <a:p>
+            <a:r>
+              <a:rPr lang="en-US" altLang="zh-CN" dirty="0" smtClean="0"/>
+              <a:t>timer</a:t>
             </a:r>
             <a:endParaRPr lang="zh-CN" altLang="en-US" dirty="0"/>
           </a:p>
